--- a/docs/ER-DIAGRAM.pptx
+++ b/docs/ER-DIAGRAM.pptx
@@ -155,10 +155,9 @@
           </a:lstStyle>
           <a:p>
             <a:r>
-              <a:rPr lang="en-US" smtClean="0"/>
+              <a:rPr lang="en-US"/>
               <a:t>Click to edit Master title style</a:t>
             </a:r>
-            <a:endParaRPr lang="en-US"/>
           </a:p>
         </p:txBody>
       </p:sp>
@@ -220,10 +219,9 @@
           </a:lstStyle>
           <a:p>
             <a:r>
-              <a:rPr lang="en-US" smtClean="0"/>
+              <a:rPr lang="en-US"/>
               <a:t>Click to edit Master subtitle style</a:t>
             </a:r>
-            <a:endParaRPr lang="en-US"/>
           </a:p>
         </p:txBody>
       </p:sp>
@@ -244,7 +242,7 @@
           <a:p>
             <a:fld id="{28BE630F-C39C-4DB9-8258-0B48CA067079}" type="datetimeFigureOut">
               <a:rPr lang="en-US" smtClean="0"/>
-              <a:t>11/25/2021</a:t>
+              <a:t>11/26/2021</a:t>
             </a:fld>
             <a:endParaRPr lang="en-US"/>
           </a:p>
@@ -338,10 +336,9 @@
           <a:lstStyle/>
           <a:p>
             <a:r>
-              <a:rPr lang="en-US" smtClean="0"/>
+              <a:rPr lang="en-US"/>
               <a:t>Click to edit Master title style</a:t>
             </a:r>
-            <a:endParaRPr lang="en-US"/>
           </a:p>
         </p:txBody>
       </p:sp>
@@ -362,38 +359,37 @@
           <a:p>
             <a:pPr lvl="0"/>
             <a:r>
-              <a:rPr lang="en-US" smtClean="0"/>
+              <a:rPr lang="en-US"/>
               <a:t>Click to edit Master text styles</a:t>
             </a:r>
           </a:p>
           <a:p>
             <a:pPr lvl="1"/>
             <a:r>
-              <a:rPr lang="en-US" smtClean="0"/>
+              <a:rPr lang="en-US"/>
               <a:t>Second level</a:t>
             </a:r>
           </a:p>
           <a:p>
             <a:pPr lvl="2"/>
             <a:r>
-              <a:rPr lang="en-US" smtClean="0"/>
+              <a:rPr lang="en-US"/>
               <a:t>Third level</a:t>
             </a:r>
           </a:p>
           <a:p>
             <a:pPr lvl="3"/>
             <a:r>
-              <a:rPr lang="en-US" smtClean="0"/>
+              <a:rPr lang="en-US"/>
               <a:t>Fourth level</a:t>
             </a:r>
           </a:p>
           <a:p>
             <a:pPr lvl="4"/>
             <a:r>
-              <a:rPr lang="en-US" smtClean="0"/>
+              <a:rPr lang="en-US"/>
               <a:t>Fifth level</a:t>
             </a:r>
-            <a:endParaRPr lang="en-US"/>
           </a:p>
         </p:txBody>
       </p:sp>
@@ -414,7 +410,7 @@
           <a:p>
             <a:fld id="{28BE630F-C39C-4DB9-8258-0B48CA067079}" type="datetimeFigureOut">
               <a:rPr lang="en-US" smtClean="0"/>
-              <a:t>11/25/2021</a:t>
+              <a:t>11/26/2021</a:t>
             </a:fld>
             <a:endParaRPr lang="en-US"/>
           </a:p>
@@ -513,10 +509,9 @@
           <a:lstStyle/>
           <a:p>
             <a:r>
-              <a:rPr lang="en-US" smtClean="0"/>
+              <a:rPr lang="en-US"/>
               <a:t>Click to edit Master title style</a:t>
             </a:r>
-            <a:endParaRPr lang="en-US"/>
           </a:p>
         </p:txBody>
       </p:sp>
@@ -542,38 +537,37 @@
           <a:p>
             <a:pPr lvl="0"/>
             <a:r>
-              <a:rPr lang="en-US" smtClean="0"/>
+              <a:rPr lang="en-US"/>
               <a:t>Click to edit Master text styles</a:t>
             </a:r>
           </a:p>
           <a:p>
             <a:pPr lvl="1"/>
             <a:r>
-              <a:rPr lang="en-US" smtClean="0"/>
+              <a:rPr lang="en-US"/>
               <a:t>Second level</a:t>
             </a:r>
           </a:p>
           <a:p>
             <a:pPr lvl="2"/>
             <a:r>
-              <a:rPr lang="en-US" smtClean="0"/>
+              <a:rPr lang="en-US"/>
               <a:t>Third level</a:t>
             </a:r>
           </a:p>
           <a:p>
             <a:pPr lvl="3"/>
             <a:r>
-              <a:rPr lang="en-US" smtClean="0"/>
+              <a:rPr lang="en-US"/>
               <a:t>Fourth level</a:t>
             </a:r>
           </a:p>
           <a:p>
             <a:pPr lvl="4"/>
             <a:r>
-              <a:rPr lang="en-US" smtClean="0"/>
+              <a:rPr lang="en-US"/>
               <a:t>Fifth level</a:t>
             </a:r>
-            <a:endParaRPr lang="en-US"/>
           </a:p>
         </p:txBody>
       </p:sp>
@@ -594,7 +588,7 @@
           <a:p>
             <a:fld id="{28BE630F-C39C-4DB9-8258-0B48CA067079}" type="datetimeFigureOut">
               <a:rPr lang="en-US" smtClean="0"/>
-              <a:t>11/25/2021</a:t>
+              <a:t>11/26/2021</a:t>
             </a:fld>
             <a:endParaRPr lang="en-US"/>
           </a:p>
@@ -688,10 +682,9 @@
           <a:lstStyle/>
           <a:p>
             <a:r>
-              <a:rPr lang="en-US" smtClean="0"/>
+              <a:rPr lang="en-US"/>
               <a:t>Click to edit Master title style</a:t>
             </a:r>
-            <a:endParaRPr lang="en-US"/>
           </a:p>
         </p:txBody>
       </p:sp>
@@ -712,38 +705,37 @@
           <a:p>
             <a:pPr lvl="0"/>
             <a:r>
-              <a:rPr lang="en-US" smtClean="0"/>
+              <a:rPr lang="en-US"/>
               <a:t>Click to edit Master text styles</a:t>
             </a:r>
           </a:p>
           <a:p>
             <a:pPr lvl="1"/>
             <a:r>
-              <a:rPr lang="en-US" smtClean="0"/>
+              <a:rPr lang="en-US"/>
               <a:t>Second level</a:t>
             </a:r>
           </a:p>
           <a:p>
             <a:pPr lvl="2"/>
             <a:r>
-              <a:rPr lang="en-US" smtClean="0"/>
+              <a:rPr lang="en-US"/>
               <a:t>Third level</a:t>
             </a:r>
           </a:p>
           <a:p>
             <a:pPr lvl="3"/>
             <a:r>
-              <a:rPr lang="en-US" smtClean="0"/>
+              <a:rPr lang="en-US"/>
               <a:t>Fourth level</a:t>
             </a:r>
           </a:p>
           <a:p>
             <a:pPr lvl="4"/>
             <a:r>
-              <a:rPr lang="en-US" smtClean="0"/>
+              <a:rPr lang="en-US"/>
               <a:t>Fifth level</a:t>
             </a:r>
-            <a:endParaRPr lang="en-US"/>
           </a:p>
         </p:txBody>
       </p:sp>
@@ -764,7 +756,7 @@
           <a:p>
             <a:fld id="{28BE630F-C39C-4DB9-8258-0B48CA067079}" type="datetimeFigureOut">
               <a:rPr lang="en-US" smtClean="0"/>
-              <a:t>11/25/2021</a:t>
+              <a:t>11/26/2021</a:t>
             </a:fld>
             <a:endParaRPr lang="en-US"/>
           </a:p>
@@ -867,10 +859,9 @@
           </a:lstStyle>
           <a:p>
             <a:r>
-              <a:rPr lang="en-US" smtClean="0"/>
+              <a:rPr lang="en-US"/>
               <a:t>Click to edit Master title style</a:t>
             </a:r>
-            <a:endParaRPr lang="en-US"/>
           </a:p>
         </p:txBody>
       </p:sp>
@@ -987,7 +978,7 @@
           <a:p>
             <a:pPr lvl="0"/>
             <a:r>
-              <a:rPr lang="en-US" smtClean="0"/>
+              <a:rPr lang="en-US"/>
               <a:t>Click to edit Master text styles</a:t>
             </a:r>
           </a:p>
@@ -1010,7 +1001,7 @@
           <a:p>
             <a:fld id="{28BE630F-C39C-4DB9-8258-0B48CA067079}" type="datetimeFigureOut">
               <a:rPr lang="en-US" smtClean="0"/>
-              <a:t>11/25/2021</a:t>
+              <a:t>11/26/2021</a:t>
             </a:fld>
             <a:endParaRPr lang="en-US"/>
           </a:p>
@@ -1104,10 +1095,9 @@
           <a:lstStyle/>
           <a:p>
             <a:r>
-              <a:rPr lang="en-US" smtClean="0"/>
+              <a:rPr lang="en-US"/>
               <a:t>Click to edit Master title style</a:t>
             </a:r>
-            <a:endParaRPr lang="en-US"/>
           </a:p>
         </p:txBody>
       </p:sp>
@@ -1133,38 +1123,37 @@
           <a:p>
             <a:pPr lvl="0"/>
             <a:r>
-              <a:rPr lang="en-US" smtClean="0"/>
+              <a:rPr lang="en-US"/>
               <a:t>Click to edit Master text styles</a:t>
             </a:r>
           </a:p>
           <a:p>
             <a:pPr lvl="1"/>
             <a:r>
-              <a:rPr lang="en-US" smtClean="0"/>
+              <a:rPr lang="en-US"/>
               <a:t>Second level</a:t>
             </a:r>
           </a:p>
           <a:p>
             <a:pPr lvl="2"/>
             <a:r>
-              <a:rPr lang="en-US" smtClean="0"/>
+              <a:rPr lang="en-US"/>
               <a:t>Third level</a:t>
             </a:r>
           </a:p>
           <a:p>
             <a:pPr lvl="3"/>
             <a:r>
-              <a:rPr lang="en-US" smtClean="0"/>
+              <a:rPr lang="en-US"/>
               <a:t>Fourth level</a:t>
             </a:r>
           </a:p>
           <a:p>
             <a:pPr lvl="4"/>
             <a:r>
-              <a:rPr lang="en-US" smtClean="0"/>
+              <a:rPr lang="en-US"/>
               <a:t>Fifth level</a:t>
             </a:r>
-            <a:endParaRPr lang="en-US"/>
           </a:p>
         </p:txBody>
       </p:sp>
@@ -1190,38 +1179,37 @@
           <a:p>
             <a:pPr lvl="0"/>
             <a:r>
-              <a:rPr lang="en-US" smtClean="0"/>
+              <a:rPr lang="en-US"/>
               <a:t>Click to edit Master text styles</a:t>
             </a:r>
           </a:p>
           <a:p>
             <a:pPr lvl="1"/>
             <a:r>
-              <a:rPr lang="en-US" smtClean="0"/>
+              <a:rPr lang="en-US"/>
               <a:t>Second level</a:t>
             </a:r>
           </a:p>
           <a:p>
             <a:pPr lvl="2"/>
             <a:r>
-              <a:rPr lang="en-US" smtClean="0"/>
+              <a:rPr lang="en-US"/>
               <a:t>Third level</a:t>
             </a:r>
           </a:p>
           <a:p>
             <a:pPr lvl="3"/>
             <a:r>
-              <a:rPr lang="en-US" smtClean="0"/>
+              <a:rPr lang="en-US"/>
               <a:t>Fourth level</a:t>
             </a:r>
           </a:p>
           <a:p>
             <a:pPr lvl="4"/>
             <a:r>
-              <a:rPr lang="en-US" smtClean="0"/>
+              <a:rPr lang="en-US"/>
               <a:t>Fifth level</a:t>
             </a:r>
-            <a:endParaRPr lang="en-US"/>
           </a:p>
         </p:txBody>
       </p:sp>
@@ -1242,7 +1230,7 @@
           <a:p>
             <a:fld id="{28BE630F-C39C-4DB9-8258-0B48CA067079}" type="datetimeFigureOut">
               <a:rPr lang="en-US" smtClean="0"/>
-              <a:t>11/25/2021</a:t>
+              <a:t>11/26/2021</a:t>
             </a:fld>
             <a:endParaRPr lang="en-US"/>
           </a:p>
@@ -1341,10 +1329,9 @@
           <a:lstStyle/>
           <a:p>
             <a:r>
-              <a:rPr lang="en-US" smtClean="0"/>
+              <a:rPr lang="en-US"/>
               <a:t>Click to edit Master title style</a:t>
             </a:r>
-            <a:endParaRPr lang="en-US"/>
           </a:p>
         </p:txBody>
       </p:sp>
@@ -1407,7 +1394,7 @@
           <a:p>
             <a:pPr lvl="0"/>
             <a:r>
-              <a:rPr lang="en-US" smtClean="0"/>
+              <a:rPr lang="en-US"/>
               <a:t>Click to edit Master text styles</a:t>
             </a:r>
           </a:p>
@@ -1435,38 +1422,37 @@
           <a:p>
             <a:pPr lvl="0"/>
             <a:r>
-              <a:rPr lang="en-US" smtClean="0"/>
+              <a:rPr lang="en-US"/>
               <a:t>Click to edit Master text styles</a:t>
             </a:r>
           </a:p>
           <a:p>
             <a:pPr lvl="1"/>
             <a:r>
-              <a:rPr lang="en-US" smtClean="0"/>
+              <a:rPr lang="en-US"/>
               <a:t>Second level</a:t>
             </a:r>
           </a:p>
           <a:p>
             <a:pPr lvl="2"/>
             <a:r>
-              <a:rPr lang="en-US" smtClean="0"/>
+              <a:rPr lang="en-US"/>
               <a:t>Third level</a:t>
             </a:r>
           </a:p>
           <a:p>
             <a:pPr lvl="3"/>
             <a:r>
-              <a:rPr lang="en-US" smtClean="0"/>
+              <a:rPr lang="en-US"/>
               <a:t>Fourth level</a:t>
             </a:r>
           </a:p>
           <a:p>
             <a:pPr lvl="4"/>
             <a:r>
-              <a:rPr lang="en-US" smtClean="0"/>
+              <a:rPr lang="en-US"/>
               <a:t>Fifth level</a:t>
             </a:r>
-            <a:endParaRPr lang="en-US"/>
           </a:p>
         </p:txBody>
       </p:sp>
@@ -1529,7 +1515,7 @@
           <a:p>
             <a:pPr lvl="0"/>
             <a:r>
-              <a:rPr lang="en-US" smtClean="0"/>
+              <a:rPr lang="en-US"/>
               <a:t>Click to edit Master text styles</a:t>
             </a:r>
           </a:p>
@@ -1557,38 +1543,37 @@
           <a:p>
             <a:pPr lvl="0"/>
             <a:r>
-              <a:rPr lang="en-US" smtClean="0"/>
+              <a:rPr lang="en-US"/>
               <a:t>Click to edit Master text styles</a:t>
             </a:r>
           </a:p>
           <a:p>
             <a:pPr lvl="1"/>
             <a:r>
-              <a:rPr lang="en-US" smtClean="0"/>
+              <a:rPr lang="en-US"/>
               <a:t>Second level</a:t>
             </a:r>
           </a:p>
           <a:p>
             <a:pPr lvl="2"/>
             <a:r>
-              <a:rPr lang="en-US" smtClean="0"/>
+              <a:rPr lang="en-US"/>
               <a:t>Third level</a:t>
             </a:r>
           </a:p>
           <a:p>
             <a:pPr lvl="3"/>
             <a:r>
-              <a:rPr lang="en-US" smtClean="0"/>
+              <a:rPr lang="en-US"/>
               <a:t>Fourth level</a:t>
             </a:r>
           </a:p>
           <a:p>
             <a:pPr lvl="4"/>
             <a:r>
-              <a:rPr lang="en-US" smtClean="0"/>
+              <a:rPr lang="en-US"/>
               <a:t>Fifth level</a:t>
             </a:r>
-            <a:endParaRPr lang="en-US"/>
           </a:p>
         </p:txBody>
       </p:sp>
@@ -1609,7 +1594,7 @@
           <a:p>
             <a:fld id="{28BE630F-C39C-4DB9-8258-0B48CA067079}" type="datetimeFigureOut">
               <a:rPr lang="en-US" smtClean="0"/>
-              <a:t>11/25/2021</a:t>
+              <a:t>11/26/2021</a:t>
             </a:fld>
             <a:endParaRPr lang="en-US"/>
           </a:p>
@@ -1703,10 +1688,9 @@
           <a:lstStyle/>
           <a:p>
             <a:r>
-              <a:rPr lang="en-US" smtClean="0"/>
+              <a:rPr lang="en-US"/>
               <a:t>Click to edit Master title style</a:t>
             </a:r>
-            <a:endParaRPr lang="en-US"/>
           </a:p>
         </p:txBody>
       </p:sp>
@@ -1727,7 +1711,7 @@
           <a:p>
             <a:fld id="{28BE630F-C39C-4DB9-8258-0B48CA067079}" type="datetimeFigureOut">
               <a:rPr lang="en-US" smtClean="0"/>
-              <a:t>11/25/2021</a:t>
+              <a:t>11/26/2021</a:t>
             </a:fld>
             <a:endParaRPr lang="en-US"/>
           </a:p>
@@ -1822,7 +1806,7 @@
           <a:p>
             <a:fld id="{28BE630F-C39C-4DB9-8258-0B48CA067079}" type="datetimeFigureOut">
               <a:rPr lang="en-US" smtClean="0"/>
-              <a:t>11/25/2021</a:t>
+              <a:t>11/26/2021</a:t>
             </a:fld>
             <a:endParaRPr lang="en-US"/>
           </a:p>
@@ -1925,10 +1909,9 @@
           </a:lstStyle>
           <a:p>
             <a:r>
-              <a:rPr lang="en-US" smtClean="0"/>
+              <a:rPr lang="en-US"/>
               <a:t>Click to edit Master title style</a:t>
             </a:r>
-            <a:endParaRPr lang="en-US"/>
           </a:p>
         </p:txBody>
       </p:sp>
@@ -1982,38 +1965,37 @@
           <a:p>
             <a:pPr lvl="0"/>
             <a:r>
-              <a:rPr lang="en-US" smtClean="0"/>
+              <a:rPr lang="en-US"/>
               <a:t>Click to edit Master text styles</a:t>
             </a:r>
           </a:p>
           <a:p>
             <a:pPr lvl="1"/>
             <a:r>
-              <a:rPr lang="en-US" smtClean="0"/>
+              <a:rPr lang="en-US"/>
               <a:t>Second level</a:t>
             </a:r>
           </a:p>
           <a:p>
             <a:pPr lvl="2"/>
             <a:r>
-              <a:rPr lang="en-US" smtClean="0"/>
+              <a:rPr lang="en-US"/>
               <a:t>Third level</a:t>
             </a:r>
           </a:p>
           <a:p>
             <a:pPr lvl="3"/>
             <a:r>
-              <a:rPr lang="en-US" smtClean="0"/>
+              <a:rPr lang="en-US"/>
               <a:t>Fourth level</a:t>
             </a:r>
           </a:p>
           <a:p>
             <a:pPr lvl="4"/>
             <a:r>
-              <a:rPr lang="en-US" smtClean="0"/>
+              <a:rPr lang="en-US"/>
               <a:t>Fifth level</a:t>
             </a:r>
-            <a:endParaRPr lang="en-US"/>
           </a:p>
         </p:txBody>
       </p:sp>
@@ -2076,7 +2058,7 @@
           <a:p>
             <a:pPr lvl="0"/>
             <a:r>
-              <a:rPr lang="en-US" smtClean="0"/>
+              <a:rPr lang="en-US"/>
               <a:t>Click to edit Master text styles</a:t>
             </a:r>
           </a:p>
@@ -2099,7 +2081,7 @@
           <a:p>
             <a:fld id="{28BE630F-C39C-4DB9-8258-0B48CA067079}" type="datetimeFigureOut">
               <a:rPr lang="en-US" smtClean="0"/>
-              <a:t>11/25/2021</a:t>
+              <a:t>11/26/2021</a:t>
             </a:fld>
             <a:endParaRPr lang="en-US"/>
           </a:p>
@@ -2202,10 +2184,9 @@
           </a:lstStyle>
           <a:p>
             <a:r>
-              <a:rPr lang="en-US" smtClean="0"/>
+              <a:rPr lang="en-US"/>
               <a:t>Click to edit Master title style</a:t>
             </a:r>
-            <a:endParaRPr lang="en-US"/>
           </a:p>
         </p:txBody>
       </p:sp>
@@ -2329,7 +2310,7 @@
           <a:p>
             <a:pPr lvl="0"/>
             <a:r>
-              <a:rPr lang="en-US" smtClean="0"/>
+              <a:rPr lang="en-US"/>
               <a:t>Click to edit Master text styles</a:t>
             </a:r>
           </a:p>
@@ -2352,7 +2333,7 @@
           <a:p>
             <a:fld id="{28BE630F-C39C-4DB9-8258-0B48CA067079}" type="datetimeFigureOut">
               <a:rPr lang="en-US" smtClean="0"/>
-              <a:t>11/25/2021</a:t>
+              <a:t>11/26/2021</a:t>
             </a:fld>
             <a:endParaRPr lang="en-US"/>
           </a:p>
@@ -2461,10 +2442,9 @@
           <a:lstStyle/>
           <a:p>
             <a:r>
-              <a:rPr lang="en-US" smtClean="0"/>
+              <a:rPr lang="en-US"/>
               <a:t>Click to edit Master title style</a:t>
             </a:r>
-            <a:endParaRPr lang="en-US"/>
           </a:p>
         </p:txBody>
       </p:sp>
@@ -2495,38 +2475,37 @@
           <a:p>
             <a:pPr lvl="0"/>
             <a:r>
-              <a:rPr lang="en-US" smtClean="0"/>
+              <a:rPr lang="en-US"/>
               <a:t>Click to edit Master text styles</a:t>
             </a:r>
           </a:p>
           <a:p>
             <a:pPr lvl="1"/>
             <a:r>
-              <a:rPr lang="en-US" smtClean="0"/>
+              <a:rPr lang="en-US"/>
               <a:t>Second level</a:t>
             </a:r>
           </a:p>
           <a:p>
             <a:pPr lvl="2"/>
             <a:r>
-              <a:rPr lang="en-US" smtClean="0"/>
+              <a:rPr lang="en-US"/>
               <a:t>Third level</a:t>
             </a:r>
           </a:p>
           <a:p>
             <a:pPr lvl="3"/>
             <a:r>
-              <a:rPr lang="en-US" smtClean="0"/>
+              <a:rPr lang="en-US"/>
               <a:t>Fourth level</a:t>
             </a:r>
           </a:p>
           <a:p>
             <a:pPr lvl="4"/>
             <a:r>
-              <a:rPr lang="en-US" smtClean="0"/>
+              <a:rPr lang="en-US"/>
               <a:t>Fifth level</a:t>
             </a:r>
-            <a:endParaRPr lang="en-US"/>
           </a:p>
         </p:txBody>
       </p:sp>
@@ -2565,7 +2544,7 @@
           <a:p>
             <a:fld id="{28BE630F-C39C-4DB9-8258-0B48CA067079}" type="datetimeFigureOut">
               <a:rPr lang="en-US" smtClean="0"/>
-              <a:t>11/25/2021</a:t>
+              <a:t>11/26/2021</a:t>
             </a:fld>
             <a:endParaRPr lang="en-US"/>
           </a:p>
@@ -3004,12 +2983,8 @@
           </a:lstStyle>
           <a:p>
             <a:r>
-              <a:rPr lang="en-US" dirty="0" smtClean="0"/>
-              <a:t>ER DIAGRAMM </a:t>
-            </a:r>
-            <a:r>
               <a:rPr lang="en-US" dirty="0"/>
-              <a:t>TEMPLATE</a:t>
+              <a:t>ER DIAGRAMM TEMPLATE</a:t>
             </a:r>
           </a:p>
         </p:txBody>
@@ -3229,2175 +3204,324 @@
           <a:chExt cx="0" cy="0"/>
         </a:xfrm>
       </p:grpSpPr>
-      <p:sp>
-        <p:nvSpPr>
-          <p:cNvPr id="51" name="Rectangle 50"/>
-          <p:cNvSpPr/>
-          <p:nvPr/>
-        </p:nvSpPr>
-        <p:spPr>
-          <a:xfrm>
-            <a:off x="635970" y="224804"/>
-            <a:ext cx="1803043" cy="2428643"/>
-          </a:xfrm>
-          <a:prstGeom prst="rect">
-            <a:avLst/>
-          </a:prstGeom>
-        </p:spPr>
-        <p:style>
-          <a:lnRef idx="2">
-            <a:schemeClr val="dk1"/>
-          </a:lnRef>
-          <a:fillRef idx="1">
-            <a:schemeClr val="lt1"/>
-          </a:fillRef>
-          <a:effectRef idx="0">
-            <a:schemeClr val="dk1"/>
-          </a:effectRef>
-          <a:fontRef idx="minor">
-            <a:schemeClr val="dk1"/>
-          </a:fontRef>
-        </p:style>
-        <p:txBody>
-          <a:bodyPr rtlCol="0" anchor="ctr"/>
-          <a:lstStyle/>
-          <a:p>
-            <a:pPr algn="ctr"/>
-            <a:endParaRPr lang="en-US"/>
-          </a:p>
-        </p:txBody>
-      </p:sp>
-      <p:sp>
-        <p:nvSpPr>
-          <p:cNvPr id="52" name="TextBox 51"/>
-          <p:cNvSpPr txBox="1"/>
-          <p:nvPr/>
-        </p:nvSpPr>
-        <p:spPr>
-          <a:xfrm>
-            <a:off x="1117343" y="314958"/>
-            <a:ext cx="633507" cy="369332"/>
-          </a:xfrm>
-          <a:prstGeom prst="rect">
-            <a:avLst/>
-          </a:prstGeom>
-          <a:noFill/>
-        </p:spPr>
-        <p:txBody>
-          <a:bodyPr wrap="none" rtlCol="0">
-            <a:spAutoFit/>
-          </a:bodyPr>
-          <a:lstStyle/>
-          <a:p>
-            <a:r>
-              <a:rPr lang="en-US" b="1" dirty="0" smtClean="0"/>
-              <a:t>class</a:t>
-            </a:r>
-            <a:endParaRPr lang="en-US" b="1" dirty="0"/>
-          </a:p>
-        </p:txBody>
-      </p:sp>
-      <p:sp>
-        <p:nvSpPr>
-          <p:cNvPr id="53" name="Rectangle 52"/>
-          <p:cNvSpPr/>
-          <p:nvPr/>
-        </p:nvSpPr>
-        <p:spPr>
-          <a:xfrm>
-            <a:off x="3301896" y="224804"/>
-            <a:ext cx="1803043" cy="2428643"/>
-          </a:xfrm>
-          <a:prstGeom prst="rect">
-            <a:avLst/>
-          </a:prstGeom>
-        </p:spPr>
-        <p:style>
-          <a:lnRef idx="2">
-            <a:schemeClr val="dk1"/>
-          </a:lnRef>
-          <a:fillRef idx="1">
-            <a:schemeClr val="lt1"/>
-          </a:fillRef>
-          <a:effectRef idx="0">
-            <a:schemeClr val="dk1"/>
-          </a:effectRef>
-          <a:fontRef idx="minor">
-            <a:schemeClr val="dk1"/>
-          </a:fontRef>
-        </p:style>
-        <p:txBody>
-          <a:bodyPr rtlCol="0" anchor="ctr"/>
-          <a:lstStyle/>
-          <a:p>
-            <a:pPr algn="ctr"/>
-            <a:endParaRPr lang="en-US"/>
-          </a:p>
-        </p:txBody>
-      </p:sp>
-      <p:sp>
-        <p:nvSpPr>
-          <p:cNvPr id="54" name="TextBox 53"/>
-          <p:cNvSpPr txBox="1"/>
-          <p:nvPr/>
-        </p:nvSpPr>
-        <p:spPr>
-          <a:xfrm>
-            <a:off x="3783269" y="314958"/>
-            <a:ext cx="917367" cy="369332"/>
-          </a:xfrm>
-          <a:prstGeom prst="rect">
-            <a:avLst/>
-          </a:prstGeom>
-          <a:noFill/>
-        </p:spPr>
-        <p:txBody>
-          <a:bodyPr wrap="none" rtlCol="0">
-            <a:spAutoFit/>
-          </a:bodyPr>
-          <a:lstStyle/>
-          <a:p>
-            <a:r>
-              <a:rPr lang="en-US" b="1" dirty="0" smtClean="0"/>
-              <a:t>student</a:t>
-            </a:r>
-            <a:endParaRPr lang="en-US" b="1" dirty="0"/>
-          </a:p>
-        </p:txBody>
-      </p:sp>
-      <p:sp>
-        <p:nvSpPr>
-          <p:cNvPr id="55" name="Rectangle 54"/>
-          <p:cNvSpPr/>
-          <p:nvPr/>
-        </p:nvSpPr>
-        <p:spPr>
-          <a:xfrm>
-            <a:off x="5967822" y="224804"/>
-            <a:ext cx="1803043" cy="2428643"/>
-          </a:xfrm>
-          <a:prstGeom prst="rect">
-            <a:avLst/>
-          </a:prstGeom>
-        </p:spPr>
-        <p:style>
-          <a:lnRef idx="2">
-            <a:schemeClr val="dk1"/>
-          </a:lnRef>
-          <a:fillRef idx="1">
-            <a:schemeClr val="lt1"/>
-          </a:fillRef>
-          <a:effectRef idx="0">
-            <a:schemeClr val="dk1"/>
-          </a:effectRef>
-          <a:fontRef idx="minor">
-            <a:schemeClr val="dk1"/>
-          </a:fontRef>
-        </p:style>
-        <p:txBody>
-          <a:bodyPr rtlCol="0" anchor="ctr"/>
-          <a:lstStyle/>
-          <a:p>
-            <a:pPr algn="ctr"/>
-            <a:endParaRPr lang="en-US"/>
-          </a:p>
-        </p:txBody>
-      </p:sp>
-      <p:sp>
-        <p:nvSpPr>
-          <p:cNvPr id="56" name="TextBox 55"/>
-          <p:cNvSpPr txBox="1"/>
-          <p:nvPr/>
-        </p:nvSpPr>
-        <p:spPr>
-          <a:xfrm>
-            <a:off x="6209194" y="314959"/>
-            <a:ext cx="1320298" cy="369332"/>
-          </a:xfrm>
-          <a:prstGeom prst="rect">
-            <a:avLst/>
-          </a:prstGeom>
-          <a:noFill/>
-        </p:spPr>
-        <p:txBody>
-          <a:bodyPr wrap="none" rtlCol="0">
-            <a:spAutoFit/>
-          </a:bodyPr>
-          <a:lstStyle/>
-          <a:p>
-            <a:r>
-              <a:rPr lang="en-US" b="1" dirty="0" smtClean="0"/>
-              <a:t>exam_score</a:t>
-            </a:r>
-            <a:endParaRPr lang="en-US" b="1" dirty="0"/>
-          </a:p>
-        </p:txBody>
-      </p:sp>
-      <p:sp>
-        <p:nvSpPr>
-          <p:cNvPr id="57" name="Rectangle 56"/>
-          <p:cNvSpPr/>
-          <p:nvPr/>
-        </p:nvSpPr>
-        <p:spPr>
-          <a:xfrm>
-            <a:off x="9251935" y="224803"/>
-            <a:ext cx="1803043" cy="2428643"/>
-          </a:xfrm>
-          <a:prstGeom prst="rect">
-            <a:avLst/>
-          </a:prstGeom>
-        </p:spPr>
-        <p:style>
-          <a:lnRef idx="2">
-            <a:schemeClr val="dk1"/>
-          </a:lnRef>
-          <a:fillRef idx="1">
-            <a:schemeClr val="lt1"/>
-          </a:fillRef>
-          <a:effectRef idx="0">
-            <a:schemeClr val="dk1"/>
-          </a:effectRef>
-          <a:fontRef idx="minor">
-            <a:schemeClr val="dk1"/>
-          </a:fontRef>
-        </p:style>
-        <p:txBody>
-          <a:bodyPr rtlCol="0" anchor="ctr"/>
-          <a:lstStyle/>
-          <a:p>
-            <a:pPr algn="ctr"/>
-            <a:endParaRPr lang="en-US"/>
-          </a:p>
-        </p:txBody>
-      </p:sp>
-      <p:sp>
-        <p:nvSpPr>
-          <p:cNvPr id="58" name="TextBox 57"/>
-          <p:cNvSpPr txBox="1"/>
-          <p:nvPr/>
-        </p:nvSpPr>
-        <p:spPr>
-          <a:xfrm>
-            <a:off x="9493307" y="314958"/>
-            <a:ext cx="1243482" cy="369332"/>
-          </a:xfrm>
-          <a:prstGeom prst="rect">
-            <a:avLst/>
-          </a:prstGeom>
-          <a:noFill/>
-        </p:spPr>
-        <p:txBody>
-          <a:bodyPr wrap="none" rtlCol="0">
-            <a:spAutoFit/>
-          </a:bodyPr>
-          <a:lstStyle/>
-          <a:p>
-            <a:r>
-              <a:rPr lang="en-US" b="1" dirty="0" smtClean="0"/>
-              <a:t>exam_type</a:t>
-            </a:r>
-            <a:endParaRPr lang="en-US" b="1" dirty="0"/>
-          </a:p>
-        </p:txBody>
-      </p:sp>
-      <p:sp>
-        <p:nvSpPr>
-          <p:cNvPr id="59" name="Rectangle 58"/>
-          <p:cNvSpPr/>
-          <p:nvPr/>
-        </p:nvSpPr>
-        <p:spPr>
-          <a:xfrm>
-            <a:off x="5980354" y="4186801"/>
-            <a:ext cx="1803043" cy="2009105"/>
-          </a:xfrm>
-          <a:prstGeom prst="rect">
-            <a:avLst/>
-          </a:prstGeom>
-        </p:spPr>
-        <p:style>
-          <a:lnRef idx="2">
-            <a:schemeClr val="dk1"/>
-          </a:lnRef>
-          <a:fillRef idx="1">
-            <a:schemeClr val="lt1"/>
-          </a:fillRef>
-          <a:effectRef idx="0">
-            <a:schemeClr val="dk1"/>
-          </a:effectRef>
-          <a:fontRef idx="minor">
-            <a:schemeClr val="dk1"/>
-          </a:fontRef>
-        </p:style>
-        <p:txBody>
-          <a:bodyPr rtlCol="0" anchor="ctr"/>
-          <a:lstStyle/>
-          <a:p>
-            <a:pPr algn="ctr"/>
-            <a:endParaRPr lang="en-US"/>
-          </a:p>
-        </p:txBody>
-      </p:sp>
-      <p:sp>
-        <p:nvSpPr>
-          <p:cNvPr id="60" name="TextBox 59"/>
-          <p:cNvSpPr txBox="1"/>
-          <p:nvPr/>
-        </p:nvSpPr>
-        <p:spPr>
-          <a:xfrm>
-            <a:off x="6506612" y="4223154"/>
-            <a:ext cx="661720" cy="369332"/>
-          </a:xfrm>
-          <a:prstGeom prst="rect">
-            <a:avLst/>
-          </a:prstGeom>
-          <a:noFill/>
-        </p:spPr>
-        <p:txBody>
-          <a:bodyPr wrap="none" rtlCol="0">
-            <a:spAutoFit/>
-          </a:bodyPr>
-          <a:lstStyle/>
-          <a:p>
-            <a:r>
-              <a:rPr lang="en-US" b="1" dirty="0" smtClean="0"/>
-              <a:t>topic</a:t>
-            </a:r>
-            <a:endParaRPr lang="en-US" b="1" dirty="0"/>
-          </a:p>
-        </p:txBody>
-      </p:sp>
-      <p:sp>
-        <p:nvSpPr>
-          <p:cNvPr id="61" name="Rectangle 60"/>
-          <p:cNvSpPr/>
-          <p:nvPr/>
-        </p:nvSpPr>
-        <p:spPr>
-          <a:xfrm>
-            <a:off x="630766" y="4186801"/>
-            <a:ext cx="1803043" cy="2009105"/>
-          </a:xfrm>
-          <a:prstGeom prst="rect">
-            <a:avLst/>
-          </a:prstGeom>
-        </p:spPr>
-        <p:style>
-          <a:lnRef idx="2">
-            <a:schemeClr val="dk1"/>
-          </a:lnRef>
-          <a:fillRef idx="1">
-            <a:schemeClr val="lt1"/>
-          </a:fillRef>
-          <a:effectRef idx="0">
-            <a:schemeClr val="dk1"/>
-          </a:effectRef>
-          <a:fontRef idx="minor">
-            <a:schemeClr val="dk1"/>
-          </a:fontRef>
-        </p:style>
-        <p:txBody>
-          <a:bodyPr rtlCol="0" anchor="ctr"/>
-          <a:lstStyle/>
-          <a:p>
-            <a:pPr algn="ctr"/>
-            <a:endParaRPr lang="en-US"/>
-          </a:p>
-        </p:txBody>
-      </p:sp>
-      <p:sp>
-        <p:nvSpPr>
-          <p:cNvPr id="62" name="TextBox 61"/>
-          <p:cNvSpPr txBox="1"/>
-          <p:nvPr/>
-        </p:nvSpPr>
-        <p:spPr>
-          <a:xfrm>
-            <a:off x="1174014" y="4289834"/>
-            <a:ext cx="716543" cy="369332"/>
-          </a:xfrm>
-          <a:prstGeom prst="rect">
-            <a:avLst/>
-          </a:prstGeom>
-          <a:noFill/>
-        </p:spPr>
-        <p:txBody>
-          <a:bodyPr wrap="none" rtlCol="0">
-            <a:spAutoFit/>
-          </a:bodyPr>
-          <a:lstStyle/>
-          <a:p>
-            <a:r>
-              <a:rPr lang="en-US" b="1" dirty="0" smtClean="0"/>
-              <a:t>batch</a:t>
-            </a:r>
-            <a:endParaRPr lang="en-US" b="1" dirty="0"/>
-          </a:p>
-        </p:txBody>
-      </p:sp>
-      <p:cxnSp>
-        <p:nvCxnSpPr>
-          <p:cNvPr id="63" name="Straight Connector 62"/>
-          <p:cNvCxnSpPr>
-            <a:stCxn id="55" idx="3"/>
-            <a:endCxn id="57" idx="1"/>
-          </p:cNvCxnSpPr>
-          <p:nvPr/>
-        </p:nvCxnSpPr>
-        <p:spPr>
-          <a:xfrm flipV="1">
-            <a:off x="7770865" y="1439125"/>
-            <a:ext cx="1481070" cy="1"/>
-          </a:xfrm>
-          <a:prstGeom prst="line">
-            <a:avLst/>
-          </a:prstGeom>
-          <a:ln>
-            <a:solidFill>
-              <a:schemeClr val="tx1"/>
-            </a:solidFill>
-          </a:ln>
-        </p:spPr>
-        <p:style>
-          <a:lnRef idx="1">
-            <a:schemeClr val="accent1"/>
-          </a:lnRef>
-          <a:fillRef idx="0">
-            <a:schemeClr val="accent1"/>
-          </a:fillRef>
-          <a:effectRef idx="0">
-            <a:schemeClr val="accent1"/>
-          </a:effectRef>
-          <a:fontRef idx="minor">
-            <a:schemeClr val="tx1"/>
-          </a:fontRef>
-        </p:style>
-      </p:cxnSp>
-      <p:cxnSp>
-        <p:nvCxnSpPr>
-          <p:cNvPr id="64" name="Straight Connector 63"/>
-          <p:cNvCxnSpPr>
-            <a:stCxn id="53" idx="3"/>
-            <a:endCxn id="55" idx="1"/>
-          </p:cNvCxnSpPr>
-          <p:nvPr/>
-        </p:nvCxnSpPr>
-        <p:spPr>
-          <a:xfrm>
-            <a:off x="5104939" y="1439126"/>
-            <a:ext cx="862883" cy="0"/>
-          </a:xfrm>
-          <a:prstGeom prst="line">
-            <a:avLst/>
-          </a:prstGeom>
-          <a:ln>
-            <a:solidFill>
-              <a:schemeClr val="tx1"/>
-            </a:solidFill>
-          </a:ln>
-        </p:spPr>
-        <p:style>
-          <a:lnRef idx="1">
-            <a:schemeClr val="accent1"/>
-          </a:lnRef>
-          <a:fillRef idx="0">
-            <a:schemeClr val="accent1"/>
-          </a:fillRef>
-          <a:effectRef idx="0">
-            <a:schemeClr val="accent1"/>
-          </a:effectRef>
-          <a:fontRef idx="minor">
-            <a:schemeClr val="tx1"/>
-          </a:fontRef>
-        </p:style>
-      </p:cxnSp>
-      <p:cxnSp>
-        <p:nvCxnSpPr>
-          <p:cNvPr id="65" name="Straight Connector 64"/>
-          <p:cNvCxnSpPr/>
-          <p:nvPr/>
-        </p:nvCxnSpPr>
-        <p:spPr>
-          <a:xfrm>
-            <a:off x="2421277" y="1229355"/>
-            <a:ext cx="862883" cy="0"/>
-          </a:xfrm>
-          <a:prstGeom prst="line">
-            <a:avLst/>
-          </a:prstGeom>
-          <a:ln>
-            <a:solidFill>
-              <a:schemeClr val="tx1"/>
-            </a:solidFill>
-          </a:ln>
-        </p:spPr>
-        <p:style>
-          <a:lnRef idx="1">
-            <a:schemeClr val="accent1"/>
-          </a:lnRef>
-          <a:fillRef idx="0">
-            <a:schemeClr val="accent1"/>
-          </a:fillRef>
-          <a:effectRef idx="0">
-            <a:schemeClr val="accent1"/>
-          </a:effectRef>
-          <a:fontRef idx="minor">
-            <a:schemeClr val="tx1"/>
-          </a:fontRef>
-        </p:style>
-      </p:cxnSp>
-      <p:cxnSp>
-        <p:nvCxnSpPr>
-          <p:cNvPr id="66" name="Straight Connector 65"/>
-          <p:cNvCxnSpPr>
-            <a:endCxn id="61" idx="0"/>
-          </p:cNvCxnSpPr>
-          <p:nvPr/>
-        </p:nvCxnSpPr>
-        <p:spPr>
-          <a:xfrm>
-            <a:off x="1532288" y="2656354"/>
-            <a:ext cx="0" cy="1530447"/>
-          </a:xfrm>
-          <a:prstGeom prst="line">
-            <a:avLst/>
-          </a:prstGeom>
-          <a:ln>
-            <a:solidFill>
-              <a:schemeClr val="tx1"/>
-            </a:solidFill>
-          </a:ln>
-        </p:spPr>
-        <p:style>
-          <a:lnRef idx="1">
-            <a:schemeClr val="accent1"/>
-          </a:lnRef>
-          <a:fillRef idx="0">
-            <a:schemeClr val="accent1"/>
-          </a:fillRef>
-          <a:effectRef idx="0">
-            <a:schemeClr val="accent1"/>
-          </a:effectRef>
-          <a:fontRef idx="minor">
-            <a:schemeClr val="tx1"/>
-          </a:fontRef>
-        </p:style>
-      </p:cxnSp>
-      <p:cxnSp>
-        <p:nvCxnSpPr>
-          <p:cNvPr id="67" name="Straight Connector 66"/>
-          <p:cNvCxnSpPr/>
-          <p:nvPr/>
-        </p:nvCxnSpPr>
-        <p:spPr>
-          <a:xfrm>
-            <a:off x="6884740" y="2674531"/>
-            <a:ext cx="42822" cy="1491186"/>
-          </a:xfrm>
-          <a:prstGeom prst="line">
-            <a:avLst/>
-          </a:prstGeom>
-          <a:ln>
-            <a:solidFill>
-              <a:schemeClr val="tx1"/>
-            </a:solidFill>
-          </a:ln>
-        </p:spPr>
-        <p:style>
-          <a:lnRef idx="1">
-            <a:schemeClr val="accent1"/>
-          </a:lnRef>
-          <a:fillRef idx="0">
-            <a:schemeClr val="accent1"/>
-          </a:fillRef>
-          <a:effectRef idx="0">
-            <a:schemeClr val="accent1"/>
-          </a:effectRef>
-          <a:fontRef idx="minor">
-            <a:schemeClr val="tx1"/>
-          </a:fontRef>
-        </p:style>
-      </p:cxnSp>
-      <p:cxnSp>
-        <p:nvCxnSpPr>
-          <p:cNvPr id="68" name="Straight Connector 67"/>
-          <p:cNvCxnSpPr/>
-          <p:nvPr/>
-        </p:nvCxnSpPr>
-        <p:spPr>
-          <a:xfrm>
-            <a:off x="656870" y="705893"/>
-            <a:ext cx="1764407" cy="0"/>
-          </a:xfrm>
-          <a:prstGeom prst="line">
-            <a:avLst/>
-          </a:prstGeom>
-          <a:ln>
-            <a:solidFill>
-              <a:schemeClr val="tx1"/>
-            </a:solidFill>
-          </a:ln>
-        </p:spPr>
-        <p:style>
-          <a:lnRef idx="1">
-            <a:schemeClr val="accent1"/>
-          </a:lnRef>
-          <a:fillRef idx="0">
-            <a:schemeClr val="accent1"/>
-          </a:fillRef>
-          <a:effectRef idx="0">
-            <a:schemeClr val="accent1"/>
-          </a:effectRef>
-          <a:fontRef idx="minor">
-            <a:schemeClr val="tx1"/>
-          </a:fontRef>
-        </p:style>
-      </p:cxnSp>
-      <p:cxnSp>
-        <p:nvCxnSpPr>
-          <p:cNvPr id="69" name="Straight Connector 68"/>
-          <p:cNvCxnSpPr/>
-          <p:nvPr/>
-        </p:nvCxnSpPr>
-        <p:spPr>
-          <a:xfrm>
-            <a:off x="3340532" y="684290"/>
-            <a:ext cx="1764407" cy="0"/>
-          </a:xfrm>
-          <a:prstGeom prst="line">
-            <a:avLst/>
-          </a:prstGeom>
-          <a:ln>
-            <a:solidFill>
-              <a:schemeClr val="tx1"/>
-            </a:solidFill>
-          </a:ln>
-        </p:spPr>
-        <p:style>
-          <a:lnRef idx="1">
-            <a:schemeClr val="accent1"/>
-          </a:lnRef>
-          <a:fillRef idx="0">
-            <a:schemeClr val="accent1"/>
-          </a:fillRef>
-          <a:effectRef idx="0">
-            <a:schemeClr val="accent1"/>
-          </a:effectRef>
-          <a:fontRef idx="minor">
-            <a:schemeClr val="tx1"/>
-          </a:fontRef>
-        </p:style>
-      </p:cxnSp>
-      <p:cxnSp>
-        <p:nvCxnSpPr>
-          <p:cNvPr id="70" name="Straight Connector 69"/>
-          <p:cNvCxnSpPr/>
-          <p:nvPr/>
-        </p:nvCxnSpPr>
-        <p:spPr>
-          <a:xfrm>
-            <a:off x="5967822" y="705893"/>
-            <a:ext cx="1764407" cy="0"/>
-          </a:xfrm>
-          <a:prstGeom prst="line">
-            <a:avLst/>
-          </a:prstGeom>
-          <a:ln>
-            <a:solidFill>
-              <a:schemeClr val="tx1"/>
-            </a:solidFill>
-          </a:ln>
-        </p:spPr>
-        <p:style>
-          <a:lnRef idx="1">
-            <a:schemeClr val="accent1"/>
-          </a:lnRef>
-          <a:fillRef idx="0">
-            <a:schemeClr val="accent1"/>
-          </a:fillRef>
-          <a:effectRef idx="0">
-            <a:schemeClr val="accent1"/>
-          </a:effectRef>
-          <a:fontRef idx="minor">
-            <a:schemeClr val="tx1"/>
-          </a:fontRef>
-        </p:style>
-      </p:cxnSp>
-      <p:cxnSp>
-        <p:nvCxnSpPr>
-          <p:cNvPr id="71" name="Straight Connector 70"/>
-          <p:cNvCxnSpPr/>
-          <p:nvPr/>
-        </p:nvCxnSpPr>
-        <p:spPr>
-          <a:xfrm>
-            <a:off x="9232844" y="705893"/>
-            <a:ext cx="1764407" cy="0"/>
-          </a:xfrm>
-          <a:prstGeom prst="line">
-            <a:avLst/>
-          </a:prstGeom>
-          <a:ln>
-            <a:solidFill>
-              <a:schemeClr val="tx1"/>
-            </a:solidFill>
-          </a:ln>
-        </p:spPr>
-        <p:style>
-          <a:lnRef idx="1">
-            <a:schemeClr val="accent1"/>
-          </a:lnRef>
-          <a:fillRef idx="0">
-            <a:schemeClr val="accent1"/>
-          </a:fillRef>
-          <a:effectRef idx="0">
-            <a:schemeClr val="accent1"/>
-          </a:effectRef>
-          <a:fontRef idx="minor">
-            <a:schemeClr val="tx1"/>
-          </a:fontRef>
-        </p:style>
-      </p:cxnSp>
-      <p:cxnSp>
-        <p:nvCxnSpPr>
-          <p:cNvPr id="72" name="Straight Connector 71"/>
-          <p:cNvCxnSpPr/>
-          <p:nvPr/>
-        </p:nvCxnSpPr>
-        <p:spPr>
-          <a:xfrm>
-            <a:off x="650081" y="4659166"/>
-            <a:ext cx="1764407" cy="0"/>
-          </a:xfrm>
-          <a:prstGeom prst="line">
-            <a:avLst/>
-          </a:prstGeom>
-          <a:ln>
-            <a:solidFill>
-              <a:schemeClr val="tx1"/>
-            </a:solidFill>
-          </a:ln>
-        </p:spPr>
-        <p:style>
-          <a:lnRef idx="1">
-            <a:schemeClr val="accent1"/>
-          </a:lnRef>
-          <a:fillRef idx="0">
-            <a:schemeClr val="accent1"/>
-          </a:fillRef>
-          <a:effectRef idx="0">
-            <a:schemeClr val="accent1"/>
-          </a:effectRef>
-          <a:fontRef idx="minor">
-            <a:schemeClr val="tx1"/>
-          </a:fontRef>
-        </p:style>
-      </p:cxnSp>
-      <p:cxnSp>
-        <p:nvCxnSpPr>
-          <p:cNvPr id="73" name="Straight Connector 72"/>
-          <p:cNvCxnSpPr/>
-          <p:nvPr/>
-        </p:nvCxnSpPr>
-        <p:spPr>
-          <a:xfrm>
-            <a:off x="5955268" y="4592486"/>
-            <a:ext cx="1764407" cy="0"/>
-          </a:xfrm>
-          <a:prstGeom prst="line">
-            <a:avLst/>
-          </a:prstGeom>
-          <a:ln>
-            <a:solidFill>
-              <a:schemeClr val="tx1"/>
-            </a:solidFill>
-          </a:ln>
-        </p:spPr>
-        <p:style>
-          <a:lnRef idx="1">
-            <a:schemeClr val="accent1"/>
-          </a:lnRef>
-          <a:fillRef idx="0">
-            <a:schemeClr val="accent1"/>
-          </a:fillRef>
-          <a:effectRef idx="0">
-            <a:schemeClr val="accent1"/>
-          </a:effectRef>
-          <a:fontRef idx="minor">
-            <a:schemeClr val="tx1"/>
-          </a:fontRef>
-        </p:style>
-      </p:cxnSp>
-      <p:sp>
-        <p:nvSpPr>
-          <p:cNvPr id="74" name="TextBox 73"/>
-          <p:cNvSpPr txBox="1"/>
-          <p:nvPr/>
-        </p:nvSpPr>
-        <p:spPr>
-          <a:xfrm>
-            <a:off x="3567083" y="1093040"/>
-            <a:ext cx="1231299" cy="369332"/>
-          </a:xfrm>
-          <a:prstGeom prst="rect">
-            <a:avLst/>
-          </a:prstGeom>
-          <a:noFill/>
-        </p:spPr>
-        <p:txBody>
-          <a:bodyPr wrap="none" rtlCol="0">
-            <a:spAutoFit/>
-          </a:bodyPr>
-          <a:lstStyle/>
-          <a:p>
-            <a:r>
-              <a:rPr lang="en-US" dirty="0" smtClean="0"/>
-              <a:t>first_name</a:t>
-            </a:r>
-            <a:endParaRPr lang="en-US" dirty="0"/>
-          </a:p>
-        </p:txBody>
-      </p:sp>
-      <p:sp>
-        <p:nvSpPr>
-          <p:cNvPr id="75" name="TextBox 74"/>
-          <p:cNvSpPr txBox="1"/>
-          <p:nvPr/>
-        </p:nvSpPr>
-        <p:spPr>
-          <a:xfrm>
-            <a:off x="3554818" y="1350878"/>
-            <a:ext cx="1159933" cy="369332"/>
-          </a:xfrm>
-          <a:prstGeom prst="rect">
-            <a:avLst/>
-          </a:prstGeom>
-          <a:noFill/>
-        </p:spPr>
-        <p:txBody>
-          <a:bodyPr wrap="none" rtlCol="0">
-            <a:spAutoFit/>
-          </a:bodyPr>
-          <a:lstStyle/>
-          <a:p>
-            <a:r>
-              <a:rPr lang="en-US" dirty="0" smtClean="0"/>
-              <a:t>last_name</a:t>
-            </a:r>
-            <a:endParaRPr lang="en-US" dirty="0"/>
-          </a:p>
-        </p:txBody>
-      </p:sp>
-      <p:sp>
-        <p:nvSpPr>
-          <p:cNvPr id="76" name="TextBox 75"/>
-          <p:cNvSpPr txBox="1"/>
-          <p:nvPr/>
-        </p:nvSpPr>
-        <p:spPr>
-          <a:xfrm>
-            <a:off x="6243812" y="1053320"/>
-            <a:ext cx="684675" cy="369332"/>
-          </a:xfrm>
-          <a:prstGeom prst="rect">
-            <a:avLst/>
-          </a:prstGeom>
-          <a:noFill/>
-        </p:spPr>
-        <p:txBody>
-          <a:bodyPr wrap="none" rtlCol="0">
-            <a:spAutoFit/>
-          </a:bodyPr>
-          <a:lstStyle/>
-          <a:p>
-            <a:r>
-              <a:rPr lang="en-US" dirty="0" smtClean="0"/>
-              <a:t>score</a:t>
-            </a:r>
-            <a:endParaRPr lang="en-US" dirty="0"/>
-          </a:p>
-        </p:txBody>
-      </p:sp>
-      <p:sp>
-        <p:nvSpPr>
-          <p:cNvPr id="77" name="TextBox 76"/>
-          <p:cNvSpPr txBox="1"/>
-          <p:nvPr/>
-        </p:nvSpPr>
-        <p:spPr>
-          <a:xfrm>
-            <a:off x="9512669" y="1051656"/>
-            <a:ext cx="559769" cy="369332"/>
-          </a:xfrm>
-          <a:prstGeom prst="rect">
-            <a:avLst/>
-          </a:prstGeom>
-          <a:noFill/>
-        </p:spPr>
-        <p:txBody>
-          <a:bodyPr wrap="none" rtlCol="0">
-            <a:spAutoFit/>
-          </a:bodyPr>
-          <a:lstStyle/>
-          <a:p>
-            <a:r>
-              <a:rPr lang="en-US" dirty="0" smtClean="0"/>
-              <a:t>title</a:t>
-            </a:r>
-            <a:endParaRPr lang="en-US" dirty="0"/>
-          </a:p>
-        </p:txBody>
-      </p:sp>
-      <p:sp>
-        <p:nvSpPr>
-          <p:cNvPr id="78" name="TextBox 77"/>
-          <p:cNvSpPr txBox="1"/>
-          <p:nvPr/>
-        </p:nvSpPr>
-        <p:spPr>
-          <a:xfrm>
-            <a:off x="9543336" y="755280"/>
-            <a:ext cx="364202" cy="369332"/>
-          </a:xfrm>
-          <a:prstGeom prst="rect">
-            <a:avLst/>
-          </a:prstGeom>
-          <a:noFill/>
-        </p:spPr>
-        <p:txBody>
-          <a:bodyPr wrap="none" rtlCol="0">
-            <a:spAutoFit/>
-          </a:bodyPr>
-          <a:lstStyle/>
-          <a:p>
-            <a:r>
-              <a:rPr lang="en-US" b="1" dirty="0" smtClean="0"/>
-              <a:t>id</a:t>
-            </a:r>
-            <a:endParaRPr lang="en-US" b="1" dirty="0"/>
-          </a:p>
-        </p:txBody>
-      </p:sp>
-      <p:sp>
-        <p:nvSpPr>
-          <p:cNvPr id="79" name="TextBox 78"/>
-          <p:cNvSpPr txBox="1"/>
-          <p:nvPr/>
-        </p:nvSpPr>
-        <p:spPr>
-          <a:xfrm>
-            <a:off x="6287064" y="787274"/>
-            <a:ext cx="364202" cy="369332"/>
-          </a:xfrm>
-          <a:prstGeom prst="rect">
-            <a:avLst/>
-          </a:prstGeom>
-          <a:noFill/>
-        </p:spPr>
-        <p:txBody>
-          <a:bodyPr wrap="none" rtlCol="0">
-            <a:spAutoFit/>
-          </a:bodyPr>
-          <a:lstStyle/>
-          <a:p>
-            <a:r>
-              <a:rPr lang="en-US" b="1" dirty="0" smtClean="0"/>
-              <a:t>id</a:t>
-            </a:r>
-            <a:endParaRPr lang="en-US" b="1" dirty="0"/>
-          </a:p>
-        </p:txBody>
-      </p:sp>
-      <p:sp>
-        <p:nvSpPr>
-          <p:cNvPr id="80" name="TextBox 79"/>
-          <p:cNvSpPr txBox="1"/>
-          <p:nvPr/>
-        </p:nvSpPr>
-        <p:spPr>
-          <a:xfrm>
-            <a:off x="3598367" y="787274"/>
-            <a:ext cx="364202" cy="369332"/>
-          </a:xfrm>
-          <a:prstGeom prst="rect">
-            <a:avLst/>
-          </a:prstGeom>
-          <a:noFill/>
-        </p:spPr>
-        <p:txBody>
-          <a:bodyPr wrap="none" rtlCol="0">
-            <a:spAutoFit/>
-          </a:bodyPr>
-          <a:lstStyle/>
-          <a:p>
-            <a:r>
-              <a:rPr lang="en-US" b="1" dirty="0" smtClean="0"/>
-              <a:t>id</a:t>
-            </a:r>
-            <a:endParaRPr lang="en-US" b="1" dirty="0"/>
-          </a:p>
-        </p:txBody>
-      </p:sp>
-      <p:sp>
-        <p:nvSpPr>
-          <p:cNvPr id="81" name="TextBox 80"/>
-          <p:cNvSpPr txBox="1"/>
-          <p:nvPr/>
-        </p:nvSpPr>
-        <p:spPr>
-          <a:xfrm>
-            <a:off x="978566" y="800151"/>
-            <a:ext cx="364202" cy="369332"/>
-          </a:xfrm>
-          <a:prstGeom prst="rect">
-            <a:avLst/>
-          </a:prstGeom>
-          <a:noFill/>
-        </p:spPr>
-        <p:txBody>
-          <a:bodyPr wrap="none" rtlCol="0">
-            <a:spAutoFit/>
-          </a:bodyPr>
-          <a:lstStyle/>
-          <a:p>
-            <a:r>
-              <a:rPr lang="en-US" b="1" dirty="0" smtClean="0"/>
-              <a:t>id</a:t>
-            </a:r>
-            <a:endParaRPr lang="en-US" b="1" dirty="0"/>
-          </a:p>
-        </p:txBody>
-      </p:sp>
-      <p:sp>
-        <p:nvSpPr>
-          <p:cNvPr id="82" name="TextBox 81"/>
-          <p:cNvSpPr txBox="1"/>
-          <p:nvPr/>
-        </p:nvSpPr>
-        <p:spPr>
-          <a:xfrm>
-            <a:off x="923618" y="1111784"/>
-            <a:ext cx="716863" cy="369332"/>
-          </a:xfrm>
-          <a:prstGeom prst="rect">
-            <a:avLst/>
-          </a:prstGeom>
-          <a:noFill/>
-        </p:spPr>
-        <p:txBody>
-          <a:bodyPr wrap="none" rtlCol="0">
-            <a:spAutoFit/>
-          </a:bodyPr>
-          <a:lstStyle/>
-          <a:p>
-            <a:r>
-              <a:rPr lang="en-US" dirty="0" smtClean="0"/>
-              <a:t>name</a:t>
-            </a:r>
-            <a:endParaRPr lang="en-US" dirty="0"/>
-          </a:p>
-        </p:txBody>
-      </p:sp>
-      <p:sp>
-        <p:nvSpPr>
-          <p:cNvPr id="83" name="TextBox 82"/>
-          <p:cNvSpPr txBox="1"/>
-          <p:nvPr/>
-        </p:nvSpPr>
-        <p:spPr>
-          <a:xfrm>
-            <a:off x="6333794" y="5032084"/>
-            <a:ext cx="559769" cy="369332"/>
-          </a:xfrm>
-          <a:prstGeom prst="rect">
-            <a:avLst/>
-          </a:prstGeom>
-          <a:noFill/>
-        </p:spPr>
-        <p:txBody>
-          <a:bodyPr wrap="none" rtlCol="0">
-            <a:spAutoFit/>
-          </a:bodyPr>
-          <a:lstStyle/>
-          <a:p>
-            <a:r>
-              <a:rPr lang="en-US" dirty="0" smtClean="0"/>
-              <a:t>title</a:t>
-            </a:r>
-            <a:endParaRPr lang="en-US" dirty="0"/>
-          </a:p>
-        </p:txBody>
-      </p:sp>
-      <p:sp>
-        <p:nvSpPr>
-          <p:cNvPr id="84" name="TextBox 83"/>
-          <p:cNvSpPr txBox="1"/>
-          <p:nvPr/>
-        </p:nvSpPr>
-        <p:spPr>
-          <a:xfrm>
-            <a:off x="6386433" y="4673967"/>
-            <a:ext cx="364202" cy="369332"/>
-          </a:xfrm>
-          <a:prstGeom prst="rect">
-            <a:avLst/>
-          </a:prstGeom>
-          <a:noFill/>
-        </p:spPr>
-        <p:txBody>
-          <a:bodyPr wrap="none" rtlCol="0">
-            <a:spAutoFit/>
-          </a:bodyPr>
-          <a:lstStyle/>
-          <a:p>
-            <a:r>
-              <a:rPr lang="en-US" b="1" dirty="0" smtClean="0"/>
-              <a:t>id</a:t>
-            </a:r>
-            <a:endParaRPr lang="en-US" b="1" dirty="0"/>
-          </a:p>
-        </p:txBody>
-      </p:sp>
-      <p:sp>
-        <p:nvSpPr>
-          <p:cNvPr id="85" name="TextBox 84"/>
-          <p:cNvSpPr txBox="1"/>
-          <p:nvPr/>
-        </p:nvSpPr>
-        <p:spPr>
-          <a:xfrm>
-            <a:off x="3567083" y="1608716"/>
-            <a:ext cx="485774" cy="369332"/>
-          </a:xfrm>
-          <a:prstGeom prst="rect">
-            <a:avLst/>
-          </a:prstGeom>
-          <a:noFill/>
-        </p:spPr>
-        <p:txBody>
-          <a:bodyPr wrap="none" rtlCol="0">
-            <a:spAutoFit/>
-          </a:bodyPr>
-          <a:lstStyle/>
-          <a:p>
-            <a:r>
-              <a:rPr lang="en-US" dirty="0" smtClean="0"/>
-              <a:t>sex</a:t>
-            </a:r>
-            <a:endParaRPr lang="en-US" dirty="0"/>
-          </a:p>
-        </p:txBody>
-      </p:sp>
-      <p:sp>
-        <p:nvSpPr>
-          <p:cNvPr id="86" name="TextBox 85"/>
-          <p:cNvSpPr txBox="1"/>
-          <p:nvPr/>
-        </p:nvSpPr>
-        <p:spPr>
-          <a:xfrm>
-            <a:off x="998712" y="4769421"/>
-            <a:ext cx="364202" cy="369332"/>
-          </a:xfrm>
-          <a:prstGeom prst="rect">
-            <a:avLst/>
-          </a:prstGeom>
-          <a:noFill/>
-        </p:spPr>
-        <p:txBody>
-          <a:bodyPr wrap="none" rtlCol="0">
-            <a:spAutoFit/>
-          </a:bodyPr>
-          <a:lstStyle/>
-          <a:p>
-            <a:r>
-              <a:rPr lang="en-US" b="1" dirty="0" smtClean="0"/>
-              <a:t>id</a:t>
-            </a:r>
-            <a:endParaRPr lang="en-US" b="1" dirty="0"/>
-          </a:p>
-        </p:txBody>
-      </p:sp>
-      <p:sp>
-        <p:nvSpPr>
-          <p:cNvPr id="87" name="TextBox 86"/>
-          <p:cNvSpPr txBox="1"/>
-          <p:nvPr/>
-        </p:nvSpPr>
-        <p:spPr>
-          <a:xfrm>
-            <a:off x="1006003" y="5090145"/>
-            <a:ext cx="716863" cy="369332"/>
-          </a:xfrm>
-          <a:prstGeom prst="rect">
-            <a:avLst/>
-          </a:prstGeom>
-          <a:noFill/>
-        </p:spPr>
-        <p:txBody>
-          <a:bodyPr wrap="none" rtlCol="0">
-            <a:spAutoFit/>
-          </a:bodyPr>
-          <a:lstStyle/>
-          <a:p>
-            <a:r>
-              <a:rPr lang="en-US" smtClean="0"/>
-              <a:t>name</a:t>
-            </a:r>
-            <a:endParaRPr lang="en-US" dirty="0"/>
-          </a:p>
-        </p:txBody>
-      </p:sp>
-      <p:sp>
-        <p:nvSpPr>
-          <p:cNvPr id="88" name="TextBox 87"/>
-          <p:cNvSpPr txBox="1"/>
-          <p:nvPr/>
-        </p:nvSpPr>
-        <p:spPr>
-          <a:xfrm>
-            <a:off x="2456749" y="895546"/>
-            <a:ext cx="301686" cy="369332"/>
-          </a:xfrm>
-          <a:prstGeom prst="rect">
-            <a:avLst/>
-          </a:prstGeom>
-          <a:noFill/>
-        </p:spPr>
-        <p:txBody>
-          <a:bodyPr wrap="none" rtlCol="0">
-            <a:spAutoFit/>
-          </a:bodyPr>
-          <a:lstStyle/>
-          <a:p>
-            <a:r>
-              <a:rPr lang="en-US" dirty="0" smtClean="0">
-                <a:solidFill>
-                  <a:schemeClr val="accent1"/>
-                </a:solidFill>
-              </a:rPr>
-              <a:t>1</a:t>
-            </a:r>
-            <a:endParaRPr lang="en-US" dirty="0">
-              <a:solidFill>
-                <a:schemeClr val="accent1"/>
-              </a:solidFill>
-            </a:endParaRPr>
-          </a:p>
-        </p:txBody>
-      </p:sp>
-      <p:sp>
-        <p:nvSpPr>
-          <p:cNvPr id="89" name="TextBox 88"/>
-          <p:cNvSpPr txBox="1"/>
-          <p:nvPr/>
-        </p:nvSpPr>
-        <p:spPr>
-          <a:xfrm>
-            <a:off x="2948059" y="933147"/>
-            <a:ext cx="301686" cy="369332"/>
-          </a:xfrm>
-          <a:prstGeom prst="rect">
-            <a:avLst/>
-          </a:prstGeom>
-          <a:noFill/>
-        </p:spPr>
-        <p:txBody>
-          <a:bodyPr wrap="none" rtlCol="0">
-            <a:spAutoFit/>
-          </a:bodyPr>
-          <a:lstStyle/>
-          <a:p>
-            <a:r>
-              <a:rPr lang="en-US" dirty="0" smtClean="0">
-                <a:solidFill>
-                  <a:schemeClr val="accent1"/>
-                </a:solidFill>
-              </a:rPr>
-              <a:t>*</a:t>
-            </a:r>
-            <a:endParaRPr lang="en-US" dirty="0">
-              <a:solidFill>
-                <a:schemeClr val="accent1"/>
-              </a:solidFill>
-            </a:endParaRPr>
-          </a:p>
-        </p:txBody>
-      </p:sp>
-      <p:sp>
-        <p:nvSpPr>
-          <p:cNvPr id="90" name="TextBox 89"/>
-          <p:cNvSpPr txBox="1"/>
-          <p:nvPr/>
-        </p:nvSpPr>
-        <p:spPr>
-          <a:xfrm>
-            <a:off x="5149269" y="878302"/>
-            <a:ext cx="301686" cy="369332"/>
-          </a:xfrm>
-          <a:prstGeom prst="rect">
-            <a:avLst/>
-          </a:prstGeom>
-          <a:noFill/>
-        </p:spPr>
-        <p:txBody>
-          <a:bodyPr wrap="none" rtlCol="0">
-            <a:spAutoFit/>
-          </a:bodyPr>
-          <a:lstStyle/>
-          <a:p>
-            <a:r>
-              <a:rPr lang="en-US" dirty="0" smtClean="0">
-                <a:solidFill>
-                  <a:schemeClr val="accent1"/>
-                </a:solidFill>
-              </a:rPr>
-              <a:t>1</a:t>
-            </a:r>
-            <a:endParaRPr lang="en-US" dirty="0">
-              <a:solidFill>
-                <a:schemeClr val="accent1"/>
-              </a:solidFill>
-            </a:endParaRPr>
-          </a:p>
-        </p:txBody>
-      </p:sp>
-      <p:sp>
-        <p:nvSpPr>
-          <p:cNvPr id="91" name="TextBox 90"/>
-          <p:cNvSpPr txBox="1"/>
-          <p:nvPr/>
-        </p:nvSpPr>
-        <p:spPr>
-          <a:xfrm>
-            <a:off x="5640579" y="915903"/>
-            <a:ext cx="301686" cy="369332"/>
-          </a:xfrm>
-          <a:prstGeom prst="rect">
-            <a:avLst/>
-          </a:prstGeom>
-          <a:noFill/>
-        </p:spPr>
-        <p:txBody>
-          <a:bodyPr wrap="none" rtlCol="0">
-            <a:spAutoFit/>
-          </a:bodyPr>
-          <a:lstStyle/>
-          <a:p>
-            <a:r>
-              <a:rPr lang="en-US" dirty="0" smtClean="0">
-                <a:solidFill>
-                  <a:schemeClr val="accent1"/>
-                </a:solidFill>
-              </a:rPr>
-              <a:t>*</a:t>
-            </a:r>
-            <a:endParaRPr lang="en-US" dirty="0">
-              <a:solidFill>
-                <a:schemeClr val="accent1"/>
-              </a:solidFill>
-            </a:endParaRPr>
-          </a:p>
-        </p:txBody>
-      </p:sp>
-      <p:sp>
-        <p:nvSpPr>
-          <p:cNvPr id="92" name="TextBox 91"/>
-          <p:cNvSpPr txBox="1"/>
-          <p:nvPr/>
-        </p:nvSpPr>
-        <p:spPr>
-          <a:xfrm>
-            <a:off x="8899781" y="888691"/>
-            <a:ext cx="301686" cy="369332"/>
-          </a:xfrm>
-          <a:prstGeom prst="rect">
-            <a:avLst/>
-          </a:prstGeom>
-          <a:noFill/>
-        </p:spPr>
-        <p:txBody>
-          <a:bodyPr wrap="none" rtlCol="0">
-            <a:spAutoFit/>
-          </a:bodyPr>
-          <a:lstStyle/>
-          <a:p>
-            <a:r>
-              <a:rPr lang="en-US" dirty="0" smtClean="0">
-                <a:solidFill>
-                  <a:schemeClr val="accent1"/>
-                </a:solidFill>
-              </a:rPr>
-              <a:t>1</a:t>
-            </a:r>
-            <a:endParaRPr lang="en-US" dirty="0">
-              <a:solidFill>
-                <a:schemeClr val="accent1"/>
-              </a:solidFill>
-            </a:endParaRPr>
-          </a:p>
-        </p:txBody>
-      </p:sp>
-      <p:sp>
-        <p:nvSpPr>
-          <p:cNvPr id="93" name="TextBox 92"/>
-          <p:cNvSpPr txBox="1"/>
-          <p:nvPr/>
-        </p:nvSpPr>
-        <p:spPr>
-          <a:xfrm>
-            <a:off x="7897559" y="927118"/>
-            <a:ext cx="301686" cy="369332"/>
-          </a:xfrm>
-          <a:prstGeom prst="rect">
-            <a:avLst/>
-          </a:prstGeom>
-          <a:noFill/>
-        </p:spPr>
-        <p:txBody>
-          <a:bodyPr wrap="none" rtlCol="0">
-            <a:spAutoFit/>
-          </a:bodyPr>
-          <a:lstStyle/>
-          <a:p>
-            <a:r>
-              <a:rPr lang="en-US" dirty="0" smtClean="0">
-                <a:solidFill>
-                  <a:schemeClr val="accent1"/>
-                </a:solidFill>
-              </a:rPr>
-              <a:t>*</a:t>
-            </a:r>
-            <a:endParaRPr lang="en-US" dirty="0">
-              <a:solidFill>
-                <a:schemeClr val="accent1"/>
-              </a:solidFill>
-            </a:endParaRPr>
-          </a:p>
-        </p:txBody>
-      </p:sp>
-      <p:sp>
-        <p:nvSpPr>
-          <p:cNvPr id="94" name="TextBox 93"/>
-          <p:cNvSpPr txBox="1"/>
-          <p:nvPr/>
-        </p:nvSpPr>
-        <p:spPr>
-          <a:xfrm>
-            <a:off x="6927562" y="3844734"/>
-            <a:ext cx="301686" cy="369332"/>
-          </a:xfrm>
-          <a:prstGeom prst="rect">
-            <a:avLst/>
-          </a:prstGeom>
-          <a:noFill/>
-        </p:spPr>
-        <p:txBody>
-          <a:bodyPr wrap="none" rtlCol="0">
-            <a:spAutoFit/>
-          </a:bodyPr>
-          <a:lstStyle/>
-          <a:p>
-            <a:r>
-              <a:rPr lang="en-US" dirty="0" smtClean="0">
-                <a:solidFill>
-                  <a:schemeClr val="accent1"/>
-                </a:solidFill>
-              </a:rPr>
-              <a:t>1</a:t>
-            </a:r>
-            <a:endParaRPr lang="en-US" dirty="0">
-              <a:solidFill>
-                <a:schemeClr val="accent1"/>
-              </a:solidFill>
-            </a:endParaRPr>
-          </a:p>
-        </p:txBody>
-      </p:sp>
-      <p:sp>
-        <p:nvSpPr>
-          <p:cNvPr id="95" name="TextBox 94"/>
-          <p:cNvSpPr txBox="1"/>
-          <p:nvPr/>
-        </p:nvSpPr>
-        <p:spPr>
-          <a:xfrm>
-            <a:off x="6909826" y="2690473"/>
-            <a:ext cx="301686" cy="369332"/>
-          </a:xfrm>
-          <a:prstGeom prst="rect">
-            <a:avLst/>
-          </a:prstGeom>
-          <a:noFill/>
-        </p:spPr>
-        <p:txBody>
-          <a:bodyPr wrap="none" rtlCol="0">
-            <a:spAutoFit/>
-          </a:bodyPr>
-          <a:lstStyle/>
-          <a:p>
-            <a:r>
-              <a:rPr lang="en-US" dirty="0" smtClean="0">
-                <a:solidFill>
-                  <a:schemeClr val="accent1"/>
-                </a:solidFill>
-              </a:rPr>
-              <a:t>*</a:t>
-            </a:r>
-            <a:endParaRPr lang="en-US" dirty="0">
-              <a:solidFill>
-                <a:schemeClr val="accent1"/>
-              </a:solidFill>
-            </a:endParaRPr>
-          </a:p>
-        </p:txBody>
-      </p:sp>
-      <p:sp>
-        <p:nvSpPr>
-          <p:cNvPr id="96" name="TextBox 95"/>
-          <p:cNvSpPr txBox="1"/>
-          <p:nvPr/>
-        </p:nvSpPr>
-        <p:spPr>
-          <a:xfrm>
-            <a:off x="1650748" y="2668822"/>
-            <a:ext cx="301686" cy="369332"/>
-          </a:xfrm>
-          <a:prstGeom prst="rect">
-            <a:avLst/>
-          </a:prstGeom>
-          <a:noFill/>
-        </p:spPr>
-        <p:txBody>
-          <a:bodyPr wrap="none" rtlCol="0">
-            <a:spAutoFit/>
-          </a:bodyPr>
-          <a:lstStyle/>
-          <a:p>
-            <a:r>
-              <a:rPr lang="en-US" dirty="0" smtClean="0">
-                <a:solidFill>
-                  <a:schemeClr val="accent1"/>
-                </a:solidFill>
-              </a:rPr>
-              <a:t>*</a:t>
-            </a:r>
-            <a:endParaRPr lang="en-US" dirty="0">
-              <a:solidFill>
-                <a:schemeClr val="accent1"/>
-              </a:solidFill>
-            </a:endParaRPr>
-          </a:p>
-        </p:txBody>
-      </p:sp>
-      <p:sp>
-        <p:nvSpPr>
-          <p:cNvPr id="97" name="TextBox 96"/>
-          <p:cNvSpPr txBox="1"/>
-          <p:nvPr/>
-        </p:nvSpPr>
-        <p:spPr>
-          <a:xfrm>
-            <a:off x="1667685" y="3821834"/>
-            <a:ext cx="301686" cy="369332"/>
-          </a:xfrm>
-          <a:prstGeom prst="rect">
-            <a:avLst/>
-          </a:prstGeom>
-          <a:noFill/>
-        </p:spPr>
-        <p:txBody>
-          <a:bodyPr wrap="none" rtlCol="0">
-            <a:spAutoFit/>
-          </a:bodyPr>
-          <a:lstStyle/>
-          <a:p>
-            <a:r>
-              <a:rPr lang="en-US" dirty="0" smtClean="0">
-                <a:solidFill>
-                  <a:schemeClr val="accent1"/>
-                </a:solidFill>
-              </a:rPr>
-              <a:t>1</a:t>
-            </a:r>
-            <a:endParaRPr lang="en-US" dirty="0">
-              <a:solidFill>
-                <a:schemeClr val="accent1"/>
-              </a:solidFill>
-            </a:endParaRPr>
-          </a:p>
-        </p:txBody>
-      </p:sp>
-      <p:sp>
-        <p:nvSpPr>
-          <p:cNvPr id="98" name="TextBox 97"/>
-          <p:cNvSpPr txBox="1"/>
-          <p:nvPr/>
-        </p:nvSpPr>
-        <p:spPr>
-          <a:xfrm>
-            <a:off x="577750" y="830929"/>
-            <a:ext cx="405880" cy="338554"/>
-          </a:xfrm>
-          <a:prstGeom prst="rect">
-            <a:avLst/>
-          </a:prstGeom>
-          <a:noFill/>
-        </p:spPr>
-        <p:txBody>
-          <a:bodyPr wrap="none" rtlCol="0">
-            <a:spAutoFit/>
-          </a:bodyPr>
-          <a:lstStyle/>
-          <a:p>
-            <a:r>
-              <a:rPr lang="en-US" sz="1600" b="1" dirty="0" smtClean="0">
-                <a:solidFill>
-                  <a:schemeClr val="accent2"/>
-                </a:solidFill>
-              </a:rPr>
-              <a:t>PK</a:t>
-            </a:r>
-            <a:endParaRPr lang="en-US" sz="1600" b="1" dirty="0">
-              <a:solidFill>
-                <a:schemeClr val="accent2"/>
-              </a:solidFill>
-            </a:endParaRPr>
-          </a:p>
-        </p:txBody>
-      </p:sp>
-      <p:sp>
-        <p:nvSpPr>
-          <p:cNvPr id="99" name="TextBox 98"/>
-          <p:cNvSpPr txBox="1"/>
-          <p:nvPr/>
-        </p:nvSpPr>
-        <p:spPr>
-          <a:xfrm>
-            <a:off x="587580" y="4800199"/>
-            <a:ext cx="405880" cy="338554"/>
-          </a:xfrm>
-          <a:prstGeom prst="rect">
-            <a:avLst/>
-          </a:prstGeom>
-          <a:noFill/>
-        </p:spPr>
-        <p:txBody>
-          <a:bodyPr wrap="none" rtlCol="0">
-            <a:spAutoFit/>
-          </a:bodyPr>
-          <a:lstStyle/>
-          <a:p>
-            <a:r>
-              <a:rPr lang="en-US" sz="1600" b="1" dirty="0" smtClean="0">
-                <a:solidFill>
-                  <a:schemeClr val="accent2"/>
-                </a:solidFill>
-              </a:rPr>
-              <a:t>PK</a:t>
-            </a:r>
-            <a:endParaRPr lang="en-US" sz="1600" b="1" dirty="0">
-              <a:solidFill>
-                <a:schemeClr val="accent2"/>
-              </a:solidFill>
-            </a:endParaRPr>
-          </a:p>
-        </p:txBody>
-      </p:sp>
-      <p:sp>
-        <p:nvSpPr>
-          <p:cNvPr id="100" name="TextBox 99"/>
-          <p:cNvSpPr txBox="1"/>
-          <p:nvPr/>
-        </p:nvSpPr>
-        <p:spPr>
-          <a:xfrm>
-            <a:off x="3273405" y="811222"/>
-            <a:ext cx="405880" cy="338554"/>
-          </a:xfrm>
-          <a:prstGeom prst="rect">
-            <a:avLst/>
-          </a:prstGeom>
-          <a:noFill/>
-        </p:spPr>
-        <p:txBody>
-          <a:bodyPr wrap="none" rtlCol="0">
-            <a:spAutoFit/>
-          </a:bodyPr>
-          <a:lstStyle/>
-          <a:p>
-            <a:r>
-              <a:rPr lang="en-US" sz="1600" b="1" dirty="0" smtClean="0">
-                <a:solidFill>
-                  <a:schemeClr val="accent2"/>
-                </a:solidFill>
-              </a:rPr>
-              <a:t>PK</a:t>
-            </a:r>
-            <a:endParaRPr lang="en-US" sz="1600" b="1" dirty="0">
-              <a:solidFill>
-                <a:schemeClr val="accent2"/>
-              </a:solidFill>
-            </a:endParaRPr>
-          </a:p>
-        </p:txBody>
-      </p:sp>
-      <p:sp>
-        <p:nvSpPr>
-          <p:cNvPr id="101" name="TextBox 100"/>
-          <p:cNvSpPr txBox="1"/>
-          <p:nvPr/>
-        </p:nvSpPr>
-        <p:spPr>
-          <a:xfrm>
-            <a:off x="5924503" y="821611"/>
-            <a:ext cx="405880" cy="338554"/>
-          </a:xfrm>
-          <a:prstGeom prst="rect">
-            <a:avLst/>
-          </a:prstGeom>
-          <a:noFill/>
-        </p:spPr>
-        <p:txBody>
-          <a:bodyPr wrap="none" rtlCol="0">
-            <a:spAutoFit/>
-          </a:bodyPr>
-          <a:lstStyle/>
-          <a:p>
-            <a:r>
-              <a:rPr lang="en-US" sz="1600" b="1" dirty="0" smtClean="0">
-                <a:solidFill>
-                  <a:schemeClr val="accent2"/>
-                </a:solidFill>
-              </a:rPr>
-              <a:t>PK</a:t>
-            </a:r>
-            <a:endParaRPr lang="en-US" sz="1600" b="1" dirty="0">
-              <a:solidFill>
-                <a:schemeClr val="accent2"/>
-              </a:solidFill>
-            </a:endParaRPr>
-          </a:p>
-        </p:txBody>
-      </p:sp>
-      <p:sp>
-        <p:nvSpPr>
-          <p:cNvPr id="102" name="TextBox 101"/>
-          <p:cNvSpPr txBox="1"/>
-          <p:nvPr/>
-        </p:nvSpPr>
-        <p:spPr>
-          <a:xfrm>
-            <a:off x="9188123" y="783421"/>
-            <a:ext cx="405880" cy="338554"/>
-          </a:xfrm>
-          <a:prstGeom prst="rect">
-            <a:avLst/>
-          </a:prstGeom>
-          <a:noFill/>
-        </p:spPr>
-        <p:txBody>
-          <a:bodyPr wrap="none" rtlCol="0">
-            <a:spAutoFit/>
-          </a:bodyPr>
-          <a:lstStyle/>
-          <a:p>
-            <a:r>
-              <a:rPr lang="en-US" sz="1600" b="1" dirty="0" smtClean="0">
-                <a:solidFill>
-                  <a:schemeClr val="accent2"/>
-                </a:solidFill>
-              </a:rPr>
-              <a:t>PK</a:t>
-            </a:r>
-            <a:endParaRPr lang="en-US" sz="1600" b="1" dirty="0">
-              <a:solidFill>
-                <a:schemeClr val="accent2"/>
-              </a:solidFill>
-            </a:endParaRPr>
-          </a:p>
-        </p:txBody>
-      </p:sp>
-      <p:sp>
-        <p:nvSpPr>
-          <p:cNvPr id="103" name="TextBox 102"/>
-          <p:cNvSpPr txBox="1"/>
-          <p:nvPr/>
-        </p:nvSpPr>
-        <p:spPr>
-          <a:xfrm>
-            <a:off x="6001050" y="4693530"/>
-            <a:ext cx="405880" cy="338554"/>
-          </a:xfrm>
-          <a:prstGeom prst="rect">
-            <a:avLst/>
-          </a:prstGeom>
-          <a:noFill/>
-        </p:spPr>
-        <p:txBody>
-          <a:bodyPr wrap="none" rtlCol="0">
-            <a:spAutoFit/>
-          </a:bodyPr>
-          <a:lstStyle/>
-          <a:p>
-            <a:r>
-              <a:rPr lang="en-US" sz="1600" b="1" dirty="0" smtClean="0">
-                <a:solidFill>
-                  <a:schemeClr val="accent2"/>
-                </a:solidFill>
-              </a:rPr>
-              <a:t>PK</a:t>
-            </a:r>
-            <a:endParaRPr lang="en-US" sz="1600" b="1" dirty="0">
-              <a:solidFill>
-                <a:schemeClr val="accent2"/>
-              </a:solidFill>
-            </a:endParaRPr>
-          </a:p>
-        </p:txBody>
-      </p:sp>
-      <p:sp>
-        <p:nvSpPr>
-          <p:cNvPr id="104" name="TextBox 103"/>
-          <p:cNvSpPr txBox="1"/>
-          <p:nvPr/>
-        </p:nvSpPr>
-        <p:spPr>
-          <a:xfrm>
-            <a:off x="936060" y="1617174"/>
-            <a:ext cx="1002069" cy="369332"/>
-          </a:xfrm>
-          <a:prstGeom prst="rect">
-            <a:avLst/>
-          </a:prstGeom>
-          <a:noFill/>
-        </p:spPr>
-        <p:txBody>
-          <a:bodyPr wrap="none" rtlCol="0">
-            <a:spAutoFit/>
-          </a:bodyPr>
-          <a:lstStyle/>
-          <a:p>
-            <a:r>
-              <a:rPr lang="en-US" dirty="0" smtClean="0"/>
-              <a:t>batch_id</a:t>
-            </a:r>
-            <a:endParaRPr lang="en-US" dirty="0"/>
-          </a:p>
-        </p:txBody>
-      </p:sp>
-      <p:sp>
-        <p:nvSpPr>
-          <p:cNvPr id="105" name="TextBox 104"/>
-          <p:cNvSpPr txBox="1"/>
-          <p:nvPr/>
-        </p:nvSpPr>
-        <p:spPr>
-          <a:xfrm>
-            <a:off x="619753" y="1623472"/>
-            <a:ext cx="391454" cy="338554"/>
-          </a:xfrm>
-          <a:prstGeom prst="rect">
-            <a:avLst/>
-          </a:prstGeom>
-          <a:noFill/>
-        </p:spPr>
-        <p:txBody>
-          <a:bodyPr wrap="none" rtlCol="0">
-            <a:spAutoFit/>
-          </a:bodyPr>
-          <a:lstStyle/>
-          <a:p>
-            <a:r>
-              <a:rPr lang="en-US" sz="1600" b="1" dirty="0" smtClean="0">
-                <a:solidFill>
-                  <a:srgbClr val="7030A0"/>
-                </a:solidFill>
-              </a:rPr>
-              <a:t>FK</a:t>
-            </a:r>
-            <a:endParaRPr lang="en-US" sz="1600" b="1" dirty="0">
-              <a:solidFill>
-                <a:srgbClr val="7030A0"/>
-              </a:solidFill>
-            </a:endParaRPr>
-          </a:p>
-        </p:txBody>
-      </p:sp>
-      <p:sp>
-        <p:nvSpPr>
-          <p:cNvPr id="106" name="TextBox 105"/>
-          <p:cNvSpPr txBox="1"/>
-          <p:nvPr/>
-        </p:nvSpPr>
-        <p:spPr>
-          <a:xfrm>
-            <a:off x="3674846" y="2113379"/>
-            <a:ext cx="915635" cy="369332"/>
-          </a:xfrm>
-          <a:prstGeom prst="rect">
-            <a:avLst/>
-          </a:prstGeom>
-          <a:noFill/>
-        </p:spPr>
-        <p:txBody>
-          <a:bodyPr wrap="none" rtlCol="0">
-            <a:spAutoFit/>
-          </a:bodyPr>
-          <a:lstStyle/>
-          <a:p>
-            <a:r>
-              <a:rPr lang="en-US" dirty="0" smtClean="0"/>
-              <a:t>class_id</a:t>
-            </a:r>
-            <a:endParaRPr lang="en-US" dirty="0"/>
-          </a:p>
-        </p:txBody>
-      </p:sp>
-      <p:sp>
-        <p:nvSpPr>
-          <p:cNvPr id="107" name="TextBox 106"/>
-          <p:cNvSpPr txBox="1"/>
-          <p:nvPr/>
-        </p:nvSpPr>
-        <p:spPr>
-          <a:xfrm>
-            <a:off x="3358539" y="2119677"/>
-            <a:ext cx="391454" cy="338554"/>
-          </a:xfrm>
-          <a:prstGeom prst="rect">
-            <a:avLst/>
-          </a:prstGeom>
-          <a:noFill/>
-        </p:spPr>
-        <p:txBody>
-          <a:bodyPr wrap="none" rtlCol="0">
-            <a:spAutoFit/>
-          </a:bodyPr>
-          <a:lstStyle/>
-          <a:p>
-            <a:r>
-              <a:rPr lang="en-US" sz="1600" b="1" dirty="0" smtClean="0">
-                <a:solidFill>
-                  <a:srgbClr val="7030A0"/>
-                </a:solidFill>
-              </a:rPr>
-              <a:t>FK</a:t>
-            </a:r>
-            <a:endParaRPr lang="en-US" sz="1600" b="1" dirty="0">
-              <a:solidFill>
-                <a:srgbClr val="7030A0"/>
-              </a:solidFill>
-            </a:endParaRPr>
-          </a:p>
-        </p:txBody>
-      </p:sp>
-      <p:sp>
-        <p:nvSpPr>
-          <p:cNvPr id="108" name="TextBox 107"/>
-          <p:cNvSpPr txBox="1"/>
-          <p:nvPr/>
-        </p:nvSpPr>
-        <p:spPr>
-          <a:xfrm>
-            <a:off x="6257853" y="1483685"/>
-            <a:ext cx="1194686" cy="369332"/>
-          </a:xfrm>
-          <a:prstGeom prst="rect">
-            <a:avLst/>
-          </a:prstGeom>
-          <a:noFill/>
-        </p:spPr>
-        <p:txBody>
-          <a:bodyPr wrap="none" rtlCol="0">
-            <a:spAutoFit/>
-          </a:bodyPr>
-          <a:lstStyle/>
-          <a:p>
-            <a:r>
-              <a:rPr lang="en-US" dirty="0" err="1" smtClean="0"/>
-              <a:t>student_id</a:t>
-            </a:r>
-            <a:endParaRPr lang="en-US" dirty="0"/>
-          </a:p>
-        </p:txBody>
-      </p:sp>
-      <p:sp>
-        <p:nvSpPr>
-          <p:cNvPr id="109" name="TextBox 108"/>
-          <p:cNvSpPr txBox="1"/>
-          <p:nvPr/>
-        </p:nvSpPr>
-        <p:spPr>
-          <a:xfrm>
-            <a:off x="5977770" y="1489361"/>
-            <a:ext cx="391454" cy="338554"/>
-          </a:xfrm>
-          <a:prstGeom prst="rect">
-            <a:avLst/>
-          </a:prstGeom>
-          <a:noFill/>
-        </p:spPr>
-        <p:txBody>
-          <a:bodyPr wrap="none" rtlCol="0">
-            <a:spAutoFit/>
-          </a:bodyPr>
-          <a:lstStyle/>
-          <a:p>
-            <a:r>
-              <a:rPr lang="en-US" sz="1600" b="1" dirty="0" smtClean="0">
-                <a:solidFill>
-                  <a:srgbClr val="7030A0"/>
-                </a:solidFill>
-              </a:rPr>
-              <a:t>FK</a:t>
-            </a:r>
-            <a:endParaRPr lang="en-US" sz="1600" b="1" dirty="0">
-              <a:solidFill>
-                <a:srgbClr val="7030A0"/>
-              </a:solidFill>
-            </a:endParaRPr>
-          </a:p>
-        </p:txBody>
-      </p:sp>
-      <p:sp>
-        <p:nvSpPr>
-          <p:cNvPr id="110" name="TextBox 109"/>
-          <p:cNvSpPr txBox="1"/>
-          <p:nvPr/>
-        </p:nvSpPr>
-        <p:spPr>
-          <a:xfrm>
-            <a:off x="6253182" y="1790609"/>
-            <a:ext cx="943848" cy="369332"/>
-          </a:xfrm>
-          <a:prstGeom prst="rect">
-            <a:avLst/>
-          </a:prstGeom>
-          <a:noFill/>
-        </p:spPr>
-        <p:txBody>
-          <a:bodyPr wrap="none" rtlCol="0">
-            <a:spAutoFit/>
-          </a:bodyPr>
-          <a:lstStyle/>
-          <a:p>
-            <a:r>
-              <a:rPr lang="en-US" dirty="0" err="1" smtClean="0"/>
-              <a:t>topic_id</a:t>
-            </a:r>
-            <a:endParaRPr lang="en-US" dirty="0"/>
-          </a:p>
-        </p:txBody>
-      </p:sp>
-      <p:sp>
-        <p:nvSpPr>
-          <p:cNvPr id="111" name="TextBox 110"/>
-          <p:cNvSpPr txBox="1"/>
-          <p:nvPr/>
-        </p:nvSpPr>
-        <p:spPr>
-          <a:xfrm>
-            <a:off x="5961902" y="1814011"/>
-            <a:ext cx="391454" cy="338554"/>
-          </a:xfrm>
-          <a:prstGeom prst="rect">
-            <a:avLst/>
-          </a:prstGeom>
-          <a:noFill/>
-        </p:spPr>
-        <p:txBody>
-          <a:bodyPr wrap="none" rtlCol="0">
-            <a:spAutoFit/>
-          </a:bodyPr>
-          <a:lstStyle/>
-          <a:p>
-            <a:r>
-              <a:rPr lang="en-US" sz="1600" b="1" dirty="0" smtClean="0">
-                <a:solidFill>
-                  <a:srgbClr val="7030A0"/>
-                </a:solidFill>
-              </a:rPr>
-              <a:t>FK</a:t>
-            </a:r>
-            <a:endParaRPr lang="en-US" sz="1600" b="1" dirty="0">
-              <a:solidFill>
-                <a:srgbClr val="7030A0"/>
-              </a:solidFill>
-            </a:endParaRPr>
-          </a:p>
-        </p:txBody>
-      </p:sp>
-      <p:sp>
-        <p:nvSpPr>
-          <p:cNvPr id="112" name="TextBox 111"/>
-          <p:cNvSpPr txBox="1"/>
-          <p:nvPr/>
-        </p:nvSpPr>
-        <p:spPr>
-          <a:xfrm>
-            <a:off x="6257853" y="2137900"/>
-            <a:ext cx="1510991" cy="369332"/>
-          </a:xfrm>
-          <a:prstGeom prst="rect">
-            <a:avLst/>
-          </a:prstGeom>
-          <a:noFill/>
-        </p:spPr>
-        <p:txBody>
-          <a:bodyPr wrap="none" rtlCol="0">
-            <a:spAutoFit/>
-          </a:bodyPr>
-          <a:lstStyle/>
-          <a:p>
-            <a:r>
-              <a:rPr lang="en-US" dirty="0" err="1" smtClean="0"/>
-              <a:t>exam_type_id</a:t>
-            </a:r>
-            <a:endParaRPr lang="en-US" dirty="0"/>
-          </a:p>
-        </p:txBody>
-      </p:sp>
-      <p:sp>
-        <p:nvSpPr>
-          <p:cNvPr id="113" name="TextBox 112"/>
-          <p:cNvSpPr txBox="1"/>
-          <p:nvPr/>
-        </p:nvSpPr>
-        <p:spPr>
-          <a:xfrm>
-            <a:off x="5953321" y="2167847"/>
-            <a:ext cx="391454" cy="338554"/>
-          </a:xfrm>
-          <a:prstGeom prst="rect">
-            <a:avLst/>
-          </a:prstGeom>
-          <a:noFill/>
-        </p:spPr>
-        <p:txBody>
-          <a:bodyPr wrap="none" rtlCol="0">
-            <a:spAutoFit/>
-          </a:bodyPr>
-          <a:lstStyle/>
-          <a:p>
-            <a:r>
-              <a:rPr lang="en-US" sz="1600" b="1" dirty="0" smtClean="0">
-                <a:solidFill>
-                  <a:srgbClr val="7030A0"/>
-                </a:solidFill>
-              </a:rPr>
-              <a:t>FK</a:t>
-            </a:r>
-            <a:endParaRPr lang="en-US" sz="1600" b="1" dirty="0">
-              <a:solidFill>
-                <a:srgbClr val="7030A0"/>
-              </a:solidFill>
-            </a:endParaRPr>
-          </a:p>
-        </p:txBody>
-      </p:sp>
+      <p:graphicFrame>
+        <p:nvGraphicFramePr>
+          <p:cNvPr id="2" name="Table 2">
+            <a:extLst>
+              <a:ext uri="{FF2B5EF4-FFF2-40B4-BE49-F238E27FC236}">
+                <a16:creationId xmlns:a16="http://schemas.microsoft.com/office/drawing/2014/main" id="{01363B53-CBC8-456B-9C36-8567C2047175}"/>
+              </a:ext>
+            </a:extLst>
+          </p:cNvPr>
+          <p:cNvGraphicFramePr>
+            <a:graphicFrameLocks noGrp="1"/>
+          </p:cNvGraphicFramePr>
+          <p:nvPr>
+            <p:extLst>
+              <p:ext uri="{D42A27DB-BD31-4B8C-83A1-F6EECF244321}">
+                <p14:modId xmlns:p14="http://schemas.microsoft.com/office/powerpoint/2010/main" val="3276423919"/>
+              </p:ext>
+            </p:extLst>
+          </p:nvPr>
+        </p:nvGraphicFramePr>
+        <p:xfrm>
+          <a:off x="4664675" y="1053299"/>
+          <a:ext cx="3256006" cy="2225040"/>
+        </p:xfrm>
+        <a:graphic>
+          <a:graphicData uri="http://schemas.openxmlformats.org/drawingml/2006/table">
+            <a:tbl>
+              <a:tblPr firstRow="1" bandRow="1">
+                <a:tableStyleId>{5C22544A-7EE6-4342-B048-85BDC9FD1C3A}</a:tableStyleId>
+              </a:tblPr>
+              <a:tblGrid>
+                <a:gridCol w="527051">
+                  <a:extLst>
+                    <a:ext uri="{9D8B030D-6E8A-4147-A177-3AD203B41FA5}">
+                      <a16:colId xmlns:a16="http://schemas.microsoft.com/office/drawing/2014/main" val="613118659"/>
+                    </a:ext>
+                  </a:extLst>
+                </a:gridCol>
+                <a:gridCol w="1363306">
+                  <a:extLst>
+                    <a:ext uri="{9D8B030D-6E8A-4147-A177-3AD203B41FA5}">
+                      <a16:colId xmlns:a16="http://schemas.microsoft.com/office/drawing/2014/main" val="2589388507"/>
+                    </a:ext>
+                  </a:extLst>
+                </a:gridCol>
+                <a:gridCol w="1365649">
+                  <a:extLst>
+                    <a:ext uri="{9D8B030D-6E8A-4147-A177-3AD203B41FA5}">
+                      <a16:colId xmlns:a16="http://schemas.microsoft.com/office/drawing/2014/main" val="970234710"/>
+                    </a:ext>
+                  </a:extLst>
+                </a:gridCol>
+              </a:tblGrid>
+              <a:tr h="370840">
+                <a:tc gridSpan="3">
+                  <a:txBody>
+                    <a:bodyPr/>
+                    <a:lstStyle/>
+                    <a:p>
+                      <a:pPr algn="ctr"/>
+                      <a:r>
+                        <a:rPr lang="en-US" dirty="0"/>
+                        <a:t>USER</a:t>
+                      </a:r>
+                    </a:p>
+                  </a:txBody>
+                  <a:tcPr/>
+                </a:tc>
+                <a:tc hMerge="1">
+                  <a:txBody>
+                    <a:bodyPr/>
+                    <a:lstStyle/>
+                    <a:p>
+                      <a:endParaRPr lang="en-US" dirty="0"/>
+                    </a:p>
+                  </a:txBody>
+                  <a:tcPr/>
+                </a:tc>
+                <a:tc hMerge="1">
+                  <a:txBody>
+                    <a:bodyPr/>
+                    <a:lstStyle/>
+                    <a:p>
+                      <a:endParaRPr lang="en-US" dirty="0"/>
+                    </a:p>
+                  </a:txBody>
+                  <a:tcPr/>
+                </a:tc>
+                <a:extLst>
+                  <a:ext uri="{0D108BD9-81ED-4DB2-BD59-A6C34878D82A}">
+                    <a16:rowId xmlns:a16="http://schemas.microsoft.com/office/drawing/2014/main" val="495079265"/>
+                  </a:ext>
+                </a:extLst>
+              </a:tr>
+              <a:tr h="370840">
+                <a:tc>
+                  <a:txBody>
+                    <a:bodyPr/>
+                    <a:lstStyle/>
+                    <a:p>
+                      <a:r>
+                        <a:rPr lang="en-US" dirty="0"/>
+                        <a:t>PK</a:t>
+                      </a:r>
+                    </a:p>
+                  </a:txBody>
+                  <a:tcPr/>
+                </a:tc>
+                <a:tc>
+                  <a:txBody>
+                    <a:bodyPr/>
+                    <a:lstStyle/>
+                    <a:p>
+                      <a:r>
+                        <a:rPr lang="en-US" dirty="0"/>
+                        <a:t>id</a:t>
+                      </a:r>
+                    </a:p>
+                  </a:txBody>
+                  <a:tcPr/>
+                </a:tc>
+                <a:tc>
+                  <a:txBody>
+                    <a:bodyPr/>
+                    <a:lstStyle/>
+                    <a:p>
+                      <a:r>
+                        <a:rPr lang="en-US" dirty="0"/>
+                        <a:t>number</a:t>
+                      </a:r>
+                    </a:p>
+                  </a:txBody>
+                  <a:tcPr/>
+                </a:tc>
+                <a:extLst>
+                  <a:ext uri="{0D108BD9-81ED-4DB2-BD59-A6C34878D82A}">
+                    <a16:rowId xmlns:a16="http://schemas.microsoft.com/office/drawing/2014/main" val="3199069732"/>
+                  </a:ext>
+                </a:extLst>
+              </a:tr>
+              <a:tr h="370840">
+                <a:tc>
+                  <a:txBody>
+                    <a:bodyPr/>
+                    <a:lstStyle/>
+                    <a:p>
+                      <a:endParaRPr lang="en-US"/>
+                    </a:p>
+                  </a:txBody>
+                  <a:tcPr/>
+                </a:tc>
+                <a:tc>
+                  <a:txBody>
+                    <a:bodyPr/>
+                    <a:lstStyle/>
+                    <a:p>
+                      <a:r>
+                        <a:rPr lang="en-US" dirty="0" err="1"/>
+                        <a:t>firstname</a:t>
+                      </a:r>
+                      <a:endParaRPr lang="en-US" dirty="0"/>
+                    </a:p>
+                  </a:txBody>
+                  <a:tcPr/>
+                </a:tc>
+                <a:tc>
+                  <a:txBody>
+                    <a:bodyPr/>
+                    <a:lstStyle/>
+                    <a:p>
+                      <a:r>
+                        <a:rPr lang="en-US" dirty="0"/>
+                        <a:t>varchar(20)</a:t>
+                      </a:r>
+                    </a:p>
+                  </a:txBody>
+                  <a:tcPr/>
+                </a:tc>
+                <a:extLst>
+                  <a:ext uri="{0D108BD9-81ED-4DB2-BD59-A6C34878D82A}">
+                    <a16:rowId xmlns:a16="http://schemas.microsoft.com/office/drawing/2014/main" val="3813649090"/>
+                  </a:ext>
+                </a:extLst>
+              </a:tr>
+              <a:tr h="370840">
+                <a:tc>
+                  <a:txBody>
+                    <a:bodyPr/>
+                    <a:lstStyle/>
+                    <a:p>
+                      <a:endParaRPr lang="en-US"/>
+                    </a:p>
+                  </a:txBody>
+                  <a:tcPr/>
+                </a:tc>
+                <a:tc>
+                  <a:txBody>
+                    <a:bodyPr/>
+                    <a:lstStyle/>
+                    <a:p>
+                      <a:r>
+                        <a:rPr lang="en-US" dirty="0" err="1"/>
+                        <a:t>lastname</a:t>
+                      </a:r>
+                      <a:endParaRPr lang="en-US" dirty="0"/>
+                    </a:p>
+                  </a:txBody>
+                  <a:tcPr/>
+                </a:tc>
+                <a:tc>
+                  <a:txBody>
+                    <a:bodyPr/>
+                    <a:lstStyle/>
+                    <a:p>
+                      <a:r>
+                        <a:rPr lang="en-US" dirty="0"/>
+                        <a:t>varchar(20)</a:t>
+                      </a:r>
+                    </a:p>
+                  </a:txBody>
+                  <a:tcPr/>
+                </a:tc>
+                <a:extLst>
+                  <a:ext uri="{0D108BD9-81ED-4DB2-BD59-A6C34878D82A}">
+                    <a16:rowId xmlns:a16="http://schemas.microsoft.com/office/drawing/2014/main" val="3889783844"/>
+                  </a:ext>
+                </a:extLst>
+              </a:tr>
+              <a:tr h="370840">
+                <a:tc>
+                  <a:txBody>
+                    <a:bodyPr/>
+                    <a:lstStyle/>
+                    <a:p>
+                      <a:endParaRPr lang="en-US"/>
+                    </a:p>
+                  </a:txBody>
+                  <a:tcPr/>
+                </a:tc>
+                <a:tc>
+                  <a:txBody>
+                    <a:bodyPr/>
+                    <a:lstStyle/>
+                    <a:p>
+                      <a:r>
+                        <a:rPr lang="en-US" dirty="0"/>
+                        <a:t>email</a:t>
+                      </a:r>
+                    </a:p>
+                  </a:txBody>
+                  <a:tcPr/>
+                </a:tc>
+                <a:tc>
+                  <a:txBody>
+                    <a:bodyPr/>
+                    <a:lstStyle/>
+                    <a:p>
+                      <a:r>
+                        <a:rPr lang="en-US" dirty="0"/>
+                        <a:t>varchar(100)</a:t>
+                      </a:r>
+                    </a:p>
+                  </a:txBody>
+                  <a:tcPr/>
+                </a:tc>
+                <a:extLst>
+                  <a:ext uri="{0D108BD9-81ED-4DB2-BD59-A6C34878D82A}">
+                    <a16:rowId xmlns:a16="http://schemas.microsoft.com/office/drawing/2014/main" val="1531674365"/>
+                  </a:ext>
+                </a:extLst>
+              </a:tr>
+              <a:tr h="370840">
+                <a:tc>
+                  <a:txBody>
+                    <a:bodyPr/>
+                    <a:lstStyle/>
+                    <a:p>
+                      <a:endParaRPr lang="en-US"/>
+                    </a:p>
+                  </a:txBody>
+                  <a:tcPr/>
+                </a:tc>
+                <a:tc>
+                  <a:txBody>
+                    <a:bodyPr/>
+                    <a:lstStyle/>
+                    <a:p>
+                      <a:r>
+                        <a:rPr lang="en-US" dirty="0"/>
+                        <a:t>password</a:t>
+                      </a:r>
+                    </a:p>
+                  </a:txBody>
+                  <a:tcPr/>
+                </a:tc>
+                <a:tc>
+                  <a:txBody>
+                    <a:bodyPr/>
+                    <a:lstStyle/>
+                    <a:p>
+                      <a:r>
+                        <a:rPr lang="en-US" dirty="0"/>
+                        <a:t>varchar(50)</a:t>
+                      </a:r>
+                    </a:p>
+                  </a:txBody>
+                  <a:tcPr/>
+                </a:tc>
+                <a:extLst>
+                  <a:ext uri="{0D108BD9-81ED-4DB2-BD59-A6C34878D82A}">
+                    <a16:rowId xmlns:a16="http://schemas.microsoft.com/office/drawing/2014/main" val="1455714406"/>
+                  </a:ext>
+                </a:extLst>
+              </a:tr>
+            </a:tbl>
+          </a:graphicData>
+        </a:graphic>
+      </p:graphicFrame>
     </p:spTree>
     <p:extLst>
       <p:ext uri="{BB962C8B-B14F-4D97-AF65-F5344CB8AC3E}">

--- a/docs/ER-DIAGRAM.pptx
+++ b/docs/ER-DIAGRAM.pptx
@@ -244,7 +244,7 @@
           <a:p>
             <a:fld id="{28BE630F-C39C-4DB9-8258-0B48CA067079}" type="datetimeFigureOut">
               <a:rPr lang="en-US" smtClean="0"/>
-              <a:t>11/25/2021</a:t>
+              <a:t>11/27/2021</a:t>
             </a:fld>
             <a:endParaRPr lang="en-US"/>
           </a:p>
@@ -414,7 +414,7 @@
           <a:p>
             <a:fld id="{28BE630F-C39C-4DB9-8258-0B48CA067079}" type="datetimeFigureOut">
               <a:rPr lang="en-US" smtClean="0"/>
-              <a:t>11/25/2021</a:t>
+              <a:t>11/27/2021</a:t>
             </a:fld>
             <a:endParaRPr lang="en-US"/>
           </a:p>
@@ -594,7 +594,7 @@
           <a:p>
             <a:fld id="{28BE630F-C39C-4DB9-8258-0B48CA067079}" type="datetimeFigureOut">
               <a:rPr lang="en-US" smtClean="0"/>
-              <a:t>11/25/2021</a:t>
+              <a:t>11/27/2021</a:t>
             </a:fld>
             <a:endParaRPr lang="en-US"/>
           </a:p>
@@ -764,7 +764,7 @@
           <a:p>
             <a:fld id="{28BE630F-C39C-4DB9-8258-0B48CA067079}" type="datetimeFigureOut">
               <a:rPr lang="en-US" smtClean="0"/>
-              <a:t>11/25/2021</a:t>
+              <a:t>11/27/2021</a:t>
             </a:fld>
             <a:endParaRPr lang="en-US"/>
           </a:p>
@@ -1010,7 +1010,7 @@
           <a:p>
             <a:fld id="{28BE630F-C39C-4DB9-8258-0B48CA067079}" type="datetimeFigureOut">
               <a:rPr lang="en-US" smtClean="0"/>
-              <a:t>11/25/2021</a:t>
+              <a:t>11/27/2021</a:t>
             </a:fld>
             <a:endParaRPr lang="en-US"/>
           </a:p>
@@ -1242,7 +1242,7 @@
           <a:p>
             <a:fld id="{28BE630F-C39C-4DB9-8258-0B48CA067079}" type="datetimeFigureOut">
               <a:rPr lang="en-US" smtClean="0"/>
-              <a:t>11/25/2021</a:t>
+              <a:t>11/27/2021</a:t>
             </a:fld>
             <a:endParaRPr lang="en-US"/>
           </a:p>
@@ -1609,7 +1609,7 @@
           <a:p>
             <a:fld id="{28BE630F-C39C-4DB9-8258-0B48CA067079}" type="datetimeFigureOut">
               <a:rPr lang="en-US" smtClean="0"/>
-              <a:t>11/25/2021</a:t>
+              <a:t>11/27/2021</a:t>
             </a:fld>
             <a:endParaRPr lang="en-US"/>
           </a:p>
@@ -1727,7 +1727,7 @@
           <a:p>
             <a:fld id="{28BE630F-C39C-4DB9-8258-0B48CA067079}" type="datetimeFigureOut">
               <a:rPr lang="en-US" smtClean="0"/>
-              <a:t>11/25/2021</a:t>
+              <a:t>11/27/2021</a:t>
             </a:fld>
             <a:endParaRPr lang="en-US"/>
           </a:p>
@@ -1822,7 +1822,7 @@
           <a:p>
             <a:fld id="{28BE630F-C39C-4DB9-8258-0B48CA067079}" type="datetimeFigureOut">
               <a:rPr lang="en-US" smtClean="0"/>
-              <a:t>11/25/2021</a:t>
+              <a:t>11/27/2021</a:t>
             </a:fld>
             <a:endParaRPr lang="en-US"/>
           </a:p>
@@ -2099,7 +2099,7 @@
           <a:p>
             <a:fld id="{28BE630F-C39C-4DB9-8258-0B48CA067079}" type="datetimeFigureOut">
               <a:rPr lang="en-US" smtClean="0"/>
-              <a:t>11/25/2021</a:t>
+              <a:t>11/27/2021</a:t>
             </a:fld>
             <a:endParaRPr lang="en-US"/>
           </a:p>
@@ -2352,7 +2352,7 @@
           <a:p>
             <a:fld id="{28BE630F-C39C-4DB9-8258-0B48CA067079}" type="datetimeFigureOut">
               <a:rPr lang="en-US" smtClean="0"/>
-              <a:t>11/25/2021</a:t>
+              <a:t>11/27/2021</a:t>
             </a:fld>
             <a:endParaRPr lang="en-US"/>
           </a:p>
@@ -2565,7 +2565,7 @@
           <a:p>
             <a:fld id="{28BE630F-C39C-4DB9-8258-0B48CA067079}" type="datetimeFigureOut">
               <a:rPr lang="en-US" smtClean="0"/>
-              <a:t>11/25/2021</a:t>
+              <a:t>11/27/2021</a:t>
             </a:fld>
             <a:endParaRPr lang="en-US"/>
           </a:p>

--- a/docs/ER-DIAGRAM.pptx
+++ b/docs/ER-DIAGRAM.pptx
@@ -155,10 +155,9 @@
           </a:lstStyle>
           <a:p>
             <a:r>
-              <a:rPr lang="en-US" smtClean="0"/>
+              <a:rPr lang="en-US"/>
               <a:t>Click to edit Master title style</a:t>
             </a:r>
-            <a:endParaRPr lang="en-US"/>
           </a:p>
         </p:txBody>
       </p:sp>
@@ -220,10 +219,9 @@
           </a:lstStyle>
           <a:p>
             <a:r>
-              <a:rPr lang="en-US" smtClean="0"/>
+              <a:rPr lang="en-US"/>
               <a:t>Click to edit Master subtitle style</a:t>
             </a:r>
-            <a:endParaRPr lang="en-US"/>
           </a:p>
         </p:txBody>
       </p:sp>
@@ -244,7 +242,7 @@
           <a:p>
             <a:fld id="{28BE630F-C39C-4DB9-8258-0B48CA067079}" type="datetimeFigureOut">
               <a:rPr lang="en-US" smtClean="0"/>
-              <a:t>11/25/2021</a:t>
+              <a:t>11/30/2021</a:t>
             </a:fld>
             <a:endParaRPr lang="en-US"/>
           </a:p>
@@ -338,10 +336,9 @@
           <a:lstStyle/>
           <a:p>
             <a:r>
-              <a:rPr lang="en-US" smtClean="0"/>
+              <a:rPr lang="en-US"/>
               <a:t>Click to edit Master title style</a:t>
             </a:r>
-            <a:endParaRPr lang="en-US"/>
           </a:p>
         </p:txBody>
       </p:sp>
@@ -362,38 +359,37 @@
           <a:p>
             <a:pPr lvl="0"/>
             <a:r>
-              <a:rPr lang="en-US" smtClean="0"/>
+              <a:rPr lang="en-US"/>
               <a:t>Click to edit Master text styles</a:t>
             </a:r>
           </a:p>
           <a:p>
             <a:pPr lvl="1"/>
             <a:r>
-              <a:rPr lang="en-US" smtClean="0"/>
+              <a:rPr lang="en-US"/>
               <a:t>Second level</a:t>
             </a:r>
           </a:p>
           <a:p>
             <a:pPr lvl="2"/>
             <a:r>
-              <a:rPr lang="en-US" smtClean="0"/>
+              <a:rPr lang="en-US"/>
               <a:t>Third level</a:t>
             </a:r>
           </a:p>
           <a:p>
             <a:pPr lvl="3"/>
             <a:r>
-              <a:rPr lang="en-US" smtClean="0"/>
+              <a:rPr lang="en-US"/>
               <a:t>Fourth level</a:t>
             </a:r>
           </a:p>
           <a:p>
             <a:pPr lvl="4"/>
             <a:r>
-              <a:rPr lang="en-US" smtClean="0"/>
+              <a:rPr lang="en-US"/>
               <a:t>Fifth level</a:t>
             </a:r>
-            <a:endParaRPr lang="en-US"/>
           </a:p>
         </p:txBody>
       </p:sp>
@@ -414,7 +410,7 @@
           <a:p>
             <a:fld id="{28BE630F-C39C-4DB9-8258-0B48CA067079}" type="datetimeFigureOut">
               <a:rPr lang="en-US" smtClean="0"/>
-              <a:t>11/25/2021</a:t>
+              <a:t>11/30/2021</a:t>
             </a:fld>
             <a:endParaRPr lang="en-US"/>
           </a:p>
@@ -513,10 +509,9 @@
           <a:lstStyle/>
           <a:p>
             <a:r>
-              <a:rPr lang="en-US" smtClean="0"/>
+              <a:rPr lang="en-US"/>
               <a:t>Click to edit Master title style</a:t>
             </a:r>
-            <a:endParaRPr lang="en-US"/>
           </a:p>
         </p:txBody>
       </p:sp>
@@ -542,38 +537,37 @@
           <a:p>
             <a:pPr lvl="0"/>
             <a:r>
-              <a:rPr lang="en-US" smtClean="0"/>
+              <a:rPr lang="en-US"/>
               <a:t>Click to edit Master text styles</a:t>
             </a:r>
           </a:p>
           <a:p>
             <a:pPr lvl="1"/>
             <a:r>
-              <a:rPr lang="en-US" smtClean="0"/>
+              <a:rPr lang="en-US"/>
               <a:t>Second level</a:t>
             </a:r>
           </a:p>
           <a:p>
             <a:pPr lvl="2"/>
             <a:r>
-              <a:rPr lang="en-US" smtClean="0"/>
+              <a:rPr lang="en-US"/>
               <a:t>Third level</a:t>
             </a:r>
           </a:p>
           <a:p>
             <a:pPr lvl="3"/>
             <a:r>
-              <a:rPr lang="en-US" smtClean="0"/>
+              <a:rPr lang="en-US"/>
               <a:t>Fourth level</a:t>
             </a:r>
           </a:p>
           <a:p>
             <a:pPr lvl="4"/>
             <a:r>
-              <a:rPr lang="en-US" smtClean="0"/>
+              <a:rPr lang="en-US"/>
               <a:t>Fifth level</a:t>
             </a:r>
-            <a:endParaRPr lang="en-US"/>
           </a:p>
         </p:txBody>
       </p:sp>
@@ -594,7 +588,7 @@
           <a:p>
             <a:fld id="{28BE630F-C39C-4DB9-8258-0B48CA067079}" type="datetimeFigureOut">
               <a:rPr lang="en-US" smtClean="0"/>
-              <a:t>11/25/2021</a:t>
+              <a:t>11/30/2021</a:t>
             </a:fld>
             <a:endParaRPr lang="en-US"/>
           </a:p>
@@ -688,10 +682,9 @@
           <a:lstStyle/>
           <a:p>
             <a:r>
-              <a:rPr lang="en-US" smtClean="0"/>
+              <a:rPr lang="en-US"/>
               <a:t>Click to edit Master title style</a:t>
             </a:r>
-            <a:endParaRPr lang="en-US"/>
           </a:p>
         </p:txBody>
       </p:sp>
@@ -712,38 +705,37 @@
           <a:p>
             <a:pPr lvl="0"/>
             <a:r>
-              <a:rPr lang="en-US" smtClean="0"/>
+              <a:rPr lang="en-US"/>
               <a:t>Click to edit Master text styles</a:t>
             </a:r>
           </a:p>
           <a:p>
             <a:pPr lvl="1"/>
             <a:r>
-              <a:rPr lang="en-US" smtClean="0"/>
+              <a:rPr lang="en-US"/>
               <a:t>Second level</a:t>
             </a:r>
           </a:p>
           <a:p>
             <a:pPr lvl="2"/>
             <a:r>
-              <a:rPr lang="en-US" smtClean="0"/>
+              <a:rPr lang="en-US"/>
               <a:t>Third level</a:t>
             </a:r>
           </a:p>
           <a:p>
             <a:pPr lvl="3"/>
             <a:r>
-              <a:rPr lang="en-US" smtClean="0"/>
+              <a:rPr lang="en-US"/>
               <a:t>Fourth level</a:t>
             </a:r>
           </a:p>
           <a:p>
             <a:pPr lvl="4"/>
             <a:r>
-              <a:rPr lang="en-US" smtClean="0"/>
+              <a:rPr lang="en-US"/>
               <a:t>Fifth level</a:t>
             </a:r>
-            <a:endParaRPr lang="en-US"/>
           </a:p>
         </p:txBody>
       </p:sp>
@@ -764,7 +756,7 @@
           <a:p>
             <a:fld id="{28BE630F-C39C-4DB9-8258-0B48CA067079}" type="datetimeFigureOut">
               <a:rPr lang="en-US" smtClean="0"/>
-              <a:t>11/25/2021</a:t>
+              <a:t>11/30/2021</a:t>
             </a:fld>
             <a:endParaRPr lang="en-US"/>
           </a:p>
@@ -867,10 +859,9 @@
           </a:lstStyle>
           <a:p>
             <a:r>
-              <a:rPr lang="en-US" smtClean="0"/>
+              <a:rPr lang="en-US"/>
               <a:t>Click to edit Master title style</a:t>
             </a:r>
-            <a:endParaRPr lang="en-US"/>
           </a:p>
         </p:txBody>
       </p:sp>
@@ -987,7 +978,7 @@
           <a:p>
             <a:pPr lvl="0"/>
             <a:r>
-              <a:rPr lang="en-US" smtClean="0"/>
+              <a:rPr lang="en-US"/>
               <a:t>Click to edit Master text styles</a:t>
             </a:r>
           </a:p>
@@ -1010,7 +1001,7 @@
           <a:p>
             <a:fld id="{28BE630F-C39C-4DB9-8258-0B48CA067079}" type="datetimeFigureOut">
               <a:rPr lang="en-US" smtClean="0"/>
-              <a:t>11/25/2021</a:t>
+              <a:t>11/30/2021</a:t>
             </a:fld>
             <a:endParaRPr lang="en-US"/>
           </a:p>
@@ -1104,10 +1095,9 @@
           <a:lstStyle/>
           <a:p>
             <a:r>
-              <a:rPr lang="en-US" smtClean="0"/>
+              <a:rPr lang="en-US"/>
               <a:t>Click to edit Master title style</a:t>
             </a:r>
-            <a:endParaRPr lang="en-US"/>
           </a:p>
         </p:txBody>
       </p:sp>
@@ -1133,38 +1123,37 @@
           <a:p>
             <a:pPr lvl="0"/>
             <a:r>
-              <a:rPr lang="en-US" smtClean="0"/>
+              <a:rPr lang="en-US"/>
               <a:t>Click to edit Master text styles</a:t>
             </a:r>
           </a:p>
           <a:p>
             <a:pPr lvl="1"/>
             <a:r>
-              <a:rPr lang="en-US" smtClean="0"/>
+              <a:rPr lang="en-US"/>
               <a:t>Second level</a:t>
             </a:r>
           </a:p>
           <a:p>
             <a:pPr lvl="2"/>
             <a:r>
-              <a:rPr lang="en-US" smtClean="0"/>
+              <a:rPr lang="en-US"/>
               <a:t>Third level</a:t>
             </a:r>
           </a:p>
           <a:p>
             <a:pPr lvl="3"/>
             <a:r>
-              <a:rPr lang="en-US" smtClean="0"/>
+              <a:rPr lang="en-US"/>
               <a:t>Fourth level</a:t>
             </a:r>
           </a:p>
           <a:p>
             <a:pPr lvl="4"/>
             <a:r>
-              <a:rPr lang="en-US" smtClean="0"/>
+              <a:rPr lang="en-US"/>
               <a:t>Fifth level</a:t>
             </a:r>
-            <a:endParaRPr lang="en-US"/>
           </a:p>
         </p:txBody>
       </p:sp>
@@ -1190,38 +1179,37 @@
           <a:p>
             <a:pPr lvl="0"/>
             <a:r>
-              <a:rPr lang="en-US" smtClean="0"/>
+              <a:rPr lang="en-US"/>
               <a:t>Click to edit Master text styles</a:t>
             </a:r>
           </a:p>
           <a:p>
             <a:pPr lvl="1"/>
             <a:r>
-              <a:rPr lang="en-US" smtClean="0"/>
+              <a:rPr lang="en-US"/>
               <a:t>Second level</a:t>
             </a:r>
           </a:p>
           <a:p>
             <a:pPr lvl="2"/>
             <a:r>
-              <a:rPr lang="en-US" smtClean="0"/>
+              <a:rPr lang="en-US"/>
               <a:t>Third level</a:t>
             </a:r>
           </a:p>
           <a:p>
             <a:pPr lvl="3"/>
             <a:r>
-              <a:rPr lang="en-US" smtClean="0"/>
+              <a:rPr lang="en-US"/>
               <a:t>Fourth level</a:t>
             </a:r>
           </a:p>
           <a:p>
             <a:pPr lvl="4"/>
             <a:r>
-              <a:rPr lang="en-US" smtClean="0"/>
+              <a:rPr lang="en-US"/>
               <a:t>Fifth level</a:t>
             </a:r>
-            <a:endParaRPr lang="en-US"/>
           </a:p>
         </p:txBody>
       </p:sp>
@@ -1242,7 +1230,7 @@
           <a:p>
             <a:fld id="{28BE630F-C39C-4DB9-8258-0B48CA067079}" type="datetimeFigureOut">
               <a:rPr lang="en-US" smtClean="0"/>
-              <a:t>11/25/2021</a:t>
+              <a:t>11/30/2021</a:t>
             </a:fld>
             <a:endParaRPr lang="en-US"/>
           </a:p>
@@ -1341,10 +1329,9 @@
           <a:lstStyle/>
           <a:p>
             <a:r>
-              <a:rPr lang="en-US" smtClean="0"/>
+              <a:rPr lang="en-US"/>
               <a:t>Click to edit Master title style</a:t>
             </a:r>
-            <a:endParaRPr lang="en-US"/>
           </a:p>
         </p:txBody>
       </p:sp>
@@ -1407,7 +1394,7 @@
           <a:p>
             <a:pPr lvl="0"/>
             <a:r>
-              <a:rPr lang="en-US" smtClean="0"/>
+              <a:rPr lang="en-US"/>
               <a:t>Click to edit Master text styles</a:t>
             </a:r>
           </a:p>
@@ -1435,38 +1422,37 @@
           <a:p>
             <a:pPr lvl="0"/>
             <a:r>
-              <a:rPr lang="en-US" smtClean="0"/>
+              <a:rPr lang="en-US"/>
               <a:t>Click to edit Master text styles</a:t>
             </a:r>
           </a:p>
           <a:p>
             <a:pPr lvl="1"/>
             <a:r>
-              <a:rPr lang="en-US" smtClean="0"/>
+              <a:rPr lang="en-US"/>
               <a:t>Second level</a:t>
             </a:r>
           </a:p>
           <a:p>
             <a:pPr lvl="2"/>
             <a:r>
-              <a:rPr lang="en-US" smtClean="0"/>
+              <a:rPr lang="en-US"/>
               <a:t>Third level</a:t>
             </a:r>
           </a:p>
           <a:p>
             <a:pPr lvl="3"/>
             <a:r>
-              <a:rPr lang="en-US" smtClean="0"/>
+              <a:rPr lang="en-US"/>
               <a:t>Fourth level</a:t>
             </a:r>
           </a:p>
           <a:p>
             <a:pPr lvl="4"/>
             <a:r>
-              <a:rPr lang="en-US" smtClean="0"/>
+              <a:rPr lang="en-US"/>
               <a:t>Fifth level</a:t>
             </a:r>
-            <a:endParaRPr lang="en-US"/>
           </a:p>
         </p:txBody>
       </p:sp>
@@ -1529,7 +1515,7 @@
           <a:p>
             <a:pPr lvl="0"/>
             <a:r>
-              <a:rPr lang="en-US" smtClean="0"/>
+              <a:rPr lang="en-US"/>
               <a:t>Click to edit Master text styles</a:t>
             </a:r>
           </a:p>
@@ -1557,38 +1543,37 @@
           <a:p>
             <a:pPr lvl="0"/>
             <a:r>
-              <a:rPr lang="en-US" smtClean="0"/>
+              <a:rPr lang="en-US"/>
               <a:t>Click to edit Master text styles</a:t>
             </a:r>
           </a:p>
           <a:p>
             <a:pPr lvl="1"/>
             <a:r>
-              <a:rPr lang="en-US" smtClean="0"/>
+              <a:rPr lang="en-US"/>
               <a:t>Second level</a:t>
             </a:r>
           </a:p>
           <a:p>
             <a:pPr lvl="2"/>
             <a:r>
-              <a:rPr lang="en-US" smtClean="0"/>
+              <a:rPr lang="en-US"/>
               <a:t>Third level</a:t>
             </a:r>
           </a:p>
           <a:p>
             <a:pPr lvl="3"/>
             <a:r>
-              <a:rPr lang="en-US" smtClean="0"/>
+              <a:rPr lang="en-US"/>
               <a:t>Fourth level</a:t>
             </a:r>
           </a:p>
           <a:p>
             <a:pPr lvl="4"/>
             <a:r>
-              <a:rPr lang="en-US" smtClean="0"/>
+              <a:rPr lang="en-US"/>
               <a:t>Fifth level</a:t>
             </a:r>
-            <a:endParaRPr lang="en-US"/>
           </a:p>
         </p:txBody>
       </p:sp>
@@ -1609,7 +1594,7 @@
           <a:p>
             <a:fld id="{28BE630F-C39C-4DB9-8258-0B48CA067079}" type="datetimeFigureOut">
               <a:rPr lang="en-US" smtClean="0"/>
-              <a:t>11/25/2021</a:t>
+              <a:t>11/30/2021</a:t>
             </a:fld>
             <a:endParaRPr lang="en-US"/>
           </a:p>
@@ -1703,10 +1688,9 @@
           <a:lstStyle/>
           <a:p>
             <a:r>
-              <a:rPr lang="en-US" smtClean="0"/>
+              <a:rPr lang="en-US"/>
               <a:t>Click to edit Master title style</a:t>
             </a:r>
-            <a:endParaRPr lang="en-US"/>
           </a:p>
         </p:txBody>
       </p:sp>
@@ -1727,7 +1711,7 @@
           <a:p>
             <a:fld id="{28BE630F-C39C-4DB9-8258-0B48CA067079}" type="datetimeFigureOut">
               <a:rPr lang="en-US" smtClean="0"/>
-              <a:t>11/25/2021</a:t>
+              <a:t>11/30/2021</a:t>
             </a:fld>
             <a:endParaRPr lang="en-US"/>
           </a:p>
@@ -1822,7 +1806,7 @@
           <a:p>
             <a:fld id="{28BE630F-C39C-4DB9-8258-0B48CA067079}" type="datetimeFigureOut">
               <a:rPr lang="en-US" smtClean="0"/>
-              <a:t>11/25/2021</a:t>
+              <a:t>11/30/2021</a:t>
             </a:fld>
             <a:endParaRPr lang="en-US"/>
           </a:p>
@@ -1925,10 +1909,9 @@
           </a:lstStyle>
           <a:p>
             <a:r>
-              <a:rPr lang="en-US" smtClean="0"/>
+              <a:rPr lang="en-US"/>
               <a:t>Click to edit Master title style</a:t>
             </a:r>
-            <a:endParaRPr lang="en-US"/>
           </a:p>
         </p:txBody>
       </p:sp>
@@ -1982,38 +1965,37 @@
           <a:p>
             <a:pPr lvl="0"/>
             <a:r>
-              <a:rPr lang="en-US" smtClean="0"/>
+              <a:rPr lang="en-US"/>
               <a:t>Click to edit Master text styles</a:t>
             </a:r>
           </a:p>
           <a:p>
             <a:pPr lvl="1"/>
             <a:r>
-              <a:rPr lang="en-US" smtClean="0"/>
+              <a:rPr lang="en-US"/>
               <a:t>Second level</a:t>
             </a:r>
           </a:p>
           <a:p>
             <a:pPr lvl="2"/>
             <a:r>
-              <a:rPr lang="en-US" smtClean="0"/>
+              <a:rPr lang="en-US"/>
               <a:t>Third level</a:t>
             </a:r>
           </a:p>
           <a:p>
             <a:pPr lvl="3"/>
             <a:r>
-              <a:rPr lang="en-US" smtClean="0"/>
+              <a:rPr lang="en-US"/>
               <a:t>Fourth level</a:t>
             </a:r>
           </a:p>
           <a:p>
             <a:pPr lvl="4"/>
             <a:r>
-              <a:rPr lang="en-US" smtClean="0"/>
+              <a:rPr lang="en-US"/>
               <a:t>Fifth level</a:t>
             </a:r>
-            <a:endParaRPr lang="en-US"/>
           </a:p>
         </p:txBody>
       </p:sp>
@@ -2076,7 +2058,7 @@
           <a:p>
             <a:pPr lvl="0"/>
             <a:r>
-              <a:rPr lang="en-US" smtClean="0"/>
+              <a:rPr lang="en-US"/>
               <a:t>Click to edit Master text styles</a:t>
             </a:r>
           </a:p>
@@ -2099,7 +2081,7 @@
           <a:p>
             <a:fld id="{28BE630F-C39C-4DB9-8258-0B48CA067079}" type="datetimeFigureOut">
               <a:rPr lang="en-US" smtClean="0"/>
-              <a:t>11/25/2021</a:t>
+              <a:t>11/30/2021</a:t>
             </a:fld>
             <a:endParaRPr lang="en-US"/>
           </a:p>
@@ -2202,10 +2184,9 @@
           </a:lstStyle>
           <a:p>
             <a:r>
-              <a:rPr lang="en-US" smtClean="0"/>
+              <a:rPr lang="en-US"/>
               <a:t>Click to edit Master title style</a:t>
             </a:r>
-            <a:endParaRPr lang="en-US"/>
           </a:p>
         </p:txBody>
       </p:sp>
@@ -2329,7 +2310,7 @@
           <a:p>
             <a:pPr lvl="0"/>
             <a:r>
-              <a:rPr lang="en-US" smtClean="0"/>
+              <a:rPr lang="en-US"/>
               <a:t>Click to edit Master text styles</a:t>
             </a:r>
           </a:p>
@@ -2352,7 +2333,7 @@
           <a:p>
             <a:fld id="{28BE630F-C39C-4DB9-8258-0B48CA067079}" type="datetimeFigureOut">
               <a:rPr lang="en-US" smtClean="0"/>
-              <a:t>11/25/2021</a:t>
+              <a:t>11/30/2021</a:t>
             </a:fld>
             <a:endParaRPr lang="en-US"/>
           </a:p>
@@ -2461,10 +2442,9 @@
           <a:lstStyle/>
           <a:p>
             <a:r>
-              <a:rPr lang="en-US" smtClean="0"/>
+              <a:rPr lang="en-US"/>
               <a:t>Click to edit Master title style</a:t>
             </a:r>
-            <a:endParaRPr lang="en-US"/>
           </a:p>
         </p:txBody>
       </p:sp>
@@ -2495,38 +2475,37 @@
           <a:p>
             <a:pPr lvl="0"/>
             <a:r>
-              <a:rPr lang="en-US" smtClean="0"/>
+              <a:rPr lang="en-US"/>
               <a:t>Click to edit Master text styles</a:t>
             </a:r>
           </a:p>
           <a:p>
             <a:pPr lvl="1"/>
             <a:r>
-              <a:rPr lang="en-US" smtClean="0"/>
+              <a:rPr lang="en-US"/>
               <a:t>Second level</a:t>
             </a:r>
           </a:p>
           <a:p>
             <a:pPr lvl="2"/>
             <a:r>
-              <a:rPr lang="en-US" smtClean="0"/>
+              <a:rPr lang="en-US"/>
               <a:t>Third level</a:t>
             </a:r>
           </a:p>
           <a:p>
             <a:pPr lvl="3"/>
             <a:r>
-              <a:rPr lang="en-US" smtClean="0"/>
+              <a:rPr lang="en-US"/>
               <a:t>Fourth level</a:t>
             </a:r>
           </a:p>
           <a:p>
             <a:pPr lvl="4"/>
             <a:r>
-              <a:rPr lang="en-US" smtClean="0"/>
+              <a:rPr lang="en-US"/>
               <a:t>Fifth level</a:t>
             </a:r>
-            <a:endParaRPr lang="en-US"/>
           </a:p>
         </p:txBody>
       </p:sp>
@@ -2565,7 +2544,7 @@
           <a:p>
             <a:fld id="{28BE630F-C39C-4DB9-8258-0B48CA067079}" type="datetimeFigureOut">
               <a:rPr lang="en-US" smtClean="0"/>
-              <a:t>11/25/2021</a:t>
+              <a:t>11/30/2021</a:t>
             </a:fld>
             <a:endParaRPr lang="en-US"/>
           </a:p>
@@ -3004,12 +2983,8 @@
           </a:lstStyle>
           <a:p>
             <a:r>
-              <a:rPr lang="en-US" dirty="0" smtClean="0"/>
-              <a:t>ER DIAGRAMM </a:t>
-            </a:r>
-            <a:r>
               <a:rPr lang="en-US" dirty="0"/>
-              <a:t>TEMPLATE</a:t>
+              <a:t>ER DIAGRAMM TEMPLATE</a:t>
             </a:r>
           </a:p>
         </p:txBody>
@@ -3229,436 +3204,148 @@
           <a:chExt cx="0" cy="0"/>
         </a:xfrm>
       </p:grpSpPr>
-      <p:sp>
-        <p:nvSpPr>
-          <p:cNvPr id="51" name="Rectangle 50"/>
-          <p:cNvSpPr/>
+      <p:pic>
+        <p:nvPicPr>
+          <p:cNvPr id="114" name="table">
+            <a:extLst>
+              <a:ext uri="{FF2B5EF4-FFF2-40B4-BE49-F238E27FC236}">
+                <a16:creationId xmlns:a16="http://schemas.microsoft.com/office/drawing/2014/main" id="{0844599B-F8D5-452C-9EED-4D6FDBBB335C}"/>
+              </a:ext>
+            </a:extLst>
+          </p:cNvPr>
+          <p:cNvPicPr>
+            <a:picLocks noChangeAspect="1"/>
+          </p:cNvPicPr>
           <p:nvPr/>
-        </p:nvSpPr>
+        </p:nvPicPr>
+        <p:blipFill>
+          <a:blip r:embed="rId2"/>
+          <a:stretch>
+            <a:fillRect/>
+          </a:stretch>
+        </p:blipFill>
         <p:spPr>
           <a:xfrm>
-            <a:off x="635970" y="224804"/>
-            <a:ext cx="1803043" cy="2428643"/>
+            <a:off x="672928" y="279127"/>
+            <a:ext cx="3256006" cy="2225040"/>
           </a:xfrm>
           <a:prstGeom prst="rect">
             <a:avLst/>
           </a:prstGeom>
         </p:spPr>
-        <p:style>
-          <a:lnRef idx="2">
-            <a:schemeClr val="dk1"/>
-          </a:lnRef>
-          <a:fillRef idx="1">
-            <a:schemeClr val="lt1"/>
-          </a:fillRef>
-          <a:effectRef idx="0">
-            <a:schemeClr val="dk1"/>
-          </a:effectRef>
-          <a:fontRef idx="minor">
-            <a:schemeClr val="dk1"/>
-          </a:fontRef>
-        </p:style>
-        <p:txBody>
-          <a:bodyPr rtlCol="0" anchor="ctr"/>
-          <a:lstStyle/>
-          <a:p>
-            <a:pPr algn="ctr"/>
-            <a:endParaRPr lang="en-US"/>
-          </a:p>
-        </p:txBody>
-      </p:sp>
-      <p:sp>
-        <p:nvSpPr>
-          <p:cNvPr id="52" name="TextBox 51"/>
-          <p:cNvSpPr txBox="1"/>
+      </p:pic>
+      <p:pic>
+        <p:nvPicPr>
+          <p:cNvPr id="115" name="table">
+            <a:extLst>
+              <a:ext uri="{FF2B5EF4-FFF2-40B4-BE49-F238E27FC236}">
+                <a16:creationId xmlns:a16="http://schemas.microsoft.com/office/drawing/2014/main" id="{8BEB2A4D-7E04-47AD-B9B1-535AA9F67F24}"/>
+              </a:ext>
+            </a:extLst>
+          </p:cNvPr>
+          <p:cNvPicPr>
+            <a:picLocks noChangeAspect="1"/>
+          </p:cNvPicPr>
           <p:nvPr/>
-        </p:nvSpPr>
+        </p:nvPicPr>
+        <p:blipFill>
+          <a:blip r:embed="rId3"/>
+          <a:stretch>
+            <a:fillRect/>
+          </a:stretch>
+        </p:blipFill>
         <p:spPr>
           <a:xfrm>
-            <a:off x="1117343" y="314958"/>
-            <a:ext cx="633507" cy="369332"/>
-          </a:xfrm>
-          <a:prstGeom prst="rect">
-            <a:avLst/>
-          </a:prstGeom>
-          <a:noFill/>
-        </p:spPr>
-        <p:txBody>
-          <a:bodyPr wrap="none" rtlCol="0">
-            <a:spAutoFit/>
-          </a:bodyPr>
-          <a:lstStyle/>
-          <a:p>
-            <a:r>
-              <a:rPr lang="en-US" b="1" dirty="0" smtClean="0"/>
-              <a:t>class</a:t>
-            </a:r>
-            <a:endParaRPr lang="en-US" b="1" dirty="0"/>
-          </a:p>
-        </p:txBody>
-      </p:sp>
-      <p:sp>
-        <p:nvSpPr>
-          <p:cNvPr id="53" name="Rectangle 52"/>
-          <p:cNvSpPr/>
-          <p:nvPr/>
-        </p:nvSpPr>
-        <p:spPr>
-          <a:xfrm>
-            <a:off x="3301896" y="224804"/>
-            <a:ext cx="1803043" cy="2428643"/>
+            <a:off x="8284690" y="505367"/>
+            <a:ext cx="3256006" cy="1483360"/>
           </a:xfrm>
           <a:prstGeom prst="rect">
             <a:avLst/>
           </a:prstGeom>
         </p:spPr>
-        <p:style>
-          <a:lnRef idx="2">
-            <a:schemeClr val="dk1"/>
-          </a:lnRef>
-          <a:fillRef idx="1">
-            <a:schemeClr val="lt1"/>
-          </a:fillRef>
-          <a:effectRef idx="0">
-            <a:schemeClr val="dk1"/>
-          </a:effectRef>
-          <a:fontRef idx="minor">
-            <a:schemeClr val="dk1"/>
-          </a:fontRef>
-        </p:style>
-        <p:txBody>
-          <a:bodyPr rtlCol="0" anchor="ctr"/>
-          <a:lstStyle/>
-          <a:p>
-            <a:pPr algn="ctr"/>
-            <a:endParaRPr lang="en-US"/>
-          </a:p>
-        </p:txBody>
-      </p:sp>
-      <p:sp>
-        <p:nvSpPr>
-          <p:cNvPr id="54" name="TextBox 53"/>
-          <p:cNvSpPr txBox="1"/>
+      </p:pic>
+      <p:pic>
+        <p:nvPicPr>
+          <p:cNvPr id="116" name="table">
+            <a:extLst>
+              <a:ext uri="{FF2B5EF4-FFF2-40B4-BE49-F238E27FC236}">
+                <a16:creationId xmlns:a16="http://schemas.microsoft.com/office/drawing/2014/main" id="{58E12E42-D3A3-43B7-AFDC-1B046A750174}"/>
+              </a:ext>
+            </a:extLst>
+          </p:cNvPr>
+          <p:cNvPicPr>
+            <a:picLocks noChangeAspect="1"/>
+          </p:cNvPicPr>
           <p:nvPr/>
-        </p:nvSpPr>
+        </p:nvPicPr>
+        <p:blipFill>
+          <a:blip r:embed="rId4"/>
+          <a:stretch>
+            <a:fillRect/>
+          </a:stretch>
+        </p:blipFill>
         <p:spPr>
           <a:xfrm>
-            <a:off x="3783269" y="314958"/>
-            <a:ext cx="917367" cy="369332"/>
-          </a:xfrm>
-          <a:prstGeom prst="rect">
-            <a:avLst/>
-          </a:prstGeom>
-          <a:noFill/>
-        </p:spPr>
-        <p:txBody>
-          <a:bodyPr wrap="none" rtlCol="0">
-            <a:spAutoFit/>
-          </a:bodyPr>
-          <a:lstStyle/>
-          <a:p>
-            <a:r>
-              <a:rPr lang="en-US" b="1" dirty="0" smtClean="0"/>
-              <a:t>student</a:t>
-            </a:r>
-            <a:endParaRPr lang="en-US" b="1" dirty="0"/>
-          </a:p>
-        </p:txBody>
-      </p:sp>
-      <p:sp>
-        <p:nvSpPr>
-          <p:cNvPr id="55" name="Rectangle 54"/>
-          <p:cNvSpPr/>
-          <p:nvPr/>
-        </p:nvSpPr>
-        <p:spPr>
-          <a:xfrm>
-            <a:off x="5967822" y="224804"/>
-            <a:ext cx="1803043" cy="2428643"/>
+            <a:off x="8284690" y="3241314"/>
+            <a:ext cx="3256006" cy="3337560"/>
           </a:xfrm>
           <a:prstGeom prst="rect">
             <a:avLst/>
           </a:prstGeom>
         </p:spPr>
-        <p:style>
-          <a:lnRef idx="2">
-            <a:schemeClr val="dk1"/>
-          </a:lnRef>
-          <a:fillRef idx="1">
-            <a:schemeClr val="lt1"/>
-          </a:fillRef>
-          <a:effectRef idx="0">
-            <a:schemeClr val="dk1"/>
-          </a:effectRef>
-          <a:fontRef idx="minor">
-            <a:schemeClr val="dk1"/>
-          </a:fontRef>
-        </p:style>
-        <p:txBody>
-          <a:bodyPr rtlCol="0" anchor="ctr"/>
-          <a:lstStyle/>
-          <a:p>
-            <a:pPr algn="ctr"/>
-            <a:endParaRPr lang="en-US"/>
-          </a:p>
-        </p:txBody>
-      </p:sp>
-      <p:sp>
-        <p:nvSpPr>
-          <p:cNvPr id="56" name="TextBox 55"/>
-          <p:cNvSpPr txBox="1"/>
+      </p:pic>
+      <p:pic>
+        <p:nvPicPr>
+          <p:cNvPr id="117" name="table">
+            <a:extLst>
+              <a:ext uri="{FF2B5EF4-FFF2-40B4-BE49-F238E27FC236}">
+                <a16:creationId xmlns:a16="http://schemas.microsoft.com/office/drawing/2014/main" id="{129330BE-7382-4772-B31D-223128074758}"/>
+              </a:ext>
+            </a:extLst>
+          </p:cNvPr>
+          <p:cNvPicPr>
+            <a:picLocks noChangeAspect="1"/>
+          </p:cNvPicPr>
           <p:nvPr/>
-        </p:nvSpPr>
+        </p:nvPicPr>
+        <p:blipFill>
+          <a:blip r:embed="rId5"/>
+          <a:stretch>
+            <a:fillRect/>
+          </a:stretch>
+        </p:blipFill>
         <p:spPr>
           <a:xfrm>
-            <a:off x="6209194" y="314959"/>
-            <a:ext cx="1320298" cy="369332"/>
-          </a:xfrm>
-          <a:prstGeom prst="rect">
-            <a:avLst/>
-          </a:prstGeom>
-          <a:noFill/>
-        </p:spPr>
-        <p:txBody>
-          <a:bodyPr wrap="none" rtlCol="0">
-            <a:spAutoFit/>
-          </a:bodyPr>
-          <a:lstStyle/>
-          <a:p>
-            <a:r>
-              <a:rPr lang="en-US" b="1" dirty="0" smtClean="0"/>
-              <a:t>exam_score</a:t>
-            </a:r>
-            <a:endParaRPr lang="en-US" b="1" dirty="0"/>
-          </a:p>
-        </p:txBody>
-      </p:sp>
-      <p:sp>
-        <p:nvSpPr>
-          <p:cNvPr id="57" name="Rectangle 56"/>
-          <p:cNvSpPr/>
-          <p:nvPr/>
-        </p:nvSpPr>
-        <p:spPr>
-          <a:xfrm>
-            <a:off x="9251935" y="224803"/>
-            <a:ext cx="1803043" cy="2428643"/>
+            <a:off x="651303" y="4563786"/>
+            <a:ext cx="3256006" cy="1112520"/>
           </a:xfrm>
           <a:prstGeom prst="rect">
             <a:avLst/>
           </a:prstGeom>
         </p:spPr>
-        <p:style>
-          <a:lnRef idx="2">
-            <a:schemeClr val="dk1"/>
-          </a:lnRef>
-          <a:fillRef idx="1">
-            <a:schemeClr val="lt1"/>
-          </a:fillRef>
-          <a:effectRef idx="0">
-            <a:schemeClr val="dk1"/>
-          </a:effectRef>
-          <a:fontRef idx="minor">
-            <a:schemeClr val="dk1"/>
-          </a:fontRef>
-        </p:style>
-        <p:txBody>
-          <a:bodyPr rtlCol="0" anchor="ctr"/>
-          <a:lstStyle/>
-          <a:p>
-            <a:pPr algn="ctr"/>
-            <a:endParaRPr lang="en-US"/>
-          </a:p>
-        </p:txBody>
-      </p:sp>
-      <p:sp>
-        <p:nvSpPr>
-          <p:cNvPr id="58" name="TextBox 57"/>
-          <p:cNvSpPr txBox="1"/>
-          <p:nvPr/>
-        </p:nvSpPr>
-        <p:spPr>
-          <a:xfrm>
-            <a:off x="9493307" y="314958"/>
-            <a:ext cx="1243482" cy="369332"/>
-          </a:xfrm>
-          <a:prstGeom prst="rect">
-            <a:avLst/>
-          </a:prstGeom>
-          <a:noFill/>
-        </p:spPr>
-        <p:txBody>
-          <a:bodyPr wrap="none" rtlCol="0">
-            <a:spAutoFit/>
-          </a:bodyPr>
-          <a:lstStyle/>
-          <a:p>
-            <a:r>
-              <a:rPr lang="en-US" b="1" dirty="0" smtClean="0"/>
-              <a:t>exam_type</a:t>
-            </a:r>
-            <a:endParaRPr lang="en-US" b="1" dirty="0"/>
-          </a:p>
-        </p:txBody>
-      </p:sp>
-      <p:sp>
-        <p:nvSpPr>
-          <p:cNvPr id="59" name="Rectangle 58"/>
-          <p:cNvSpPr/>
-          <p:nvPr/>
-        </p:nvSpPr>
-        <p:spPr>
-          <a:xfrm>
-            <a:off x="5980354" y="4186801"/>
-            <a:ext cx="1803043" cy="2009105"/>
-          </a:xfrm>
-          <a:prstGeom prst="rect">
-            <a:avLst/>
-          </a:prstGeom>
-        </p:spPr>
-        <p:style>
-          <a:lnRef idx="2">
-            <a:schemeClr val="dk1"/>
-          </a:lnRef>
-          <a:fillRef idx="1">
-            <a:schemeClr val="lt1"/>
-          </a:fillRef>
-          <a:effectRef idx="0">
-            <a:schemeClr val="dk1"/>
-          </a:effectRef>
-          <a:fontRef idx="minor">
-            <a:schemeClr val="dk1"/>
-          </a:fontRef>
-        </p:style>
-        <p:txBody>
-          <a:bodyPr rtlCol="0" anchor="ctr"/>
-          <a:lstStyle/>
-          <a:p>
-            <a:pPr algn="ctr"/>
-            <a:endParaRPr lang="en-US"/>
-          </a:p>
-        </p:txBody>
-      </p:sp>
-      <p:sp>
-        <p:nvSpPr>
-          <p:cNvPr id="60" name="TextBox 59"/>
-          <p:cNvSpPr txBox="1"/>
-          <p:nvPr/>
-        </p:nvSpPr>
-        <p:spPr>
-          <a:xfrm>
-            <a:off x="6506612" y="4223154"/>
-            <a:ext cx="661720" cy="369332"/>
-          </a:xfrm>
-          <a:prstGeom prst="rect">
-            <a:avLst/>
-          </a:prstGeom>
-          <a:noFill/>
-        </p:spPr>
-        <p:txBody>
-          <a:bodyPr wrap="none" rtlCol="0">
-            <a:spAutoFit/>
-          </a:bodyPr>
-          <a:lstStyle/>
-          <a:p>
-            <a:r>
-              <a:rPr lang="en-US" b="1" dirty="0" smtClean="0"/>
-              <a:t>topic</a:t>
-            </a:r>
-            <a:endParaRPr lang="en-US" b="1" dirty="0"/>
-          </a:p>
-        </p:txBody>
-      </p:sp>
-      <p:sp>
-        <p:nvSpPr>
-          <p:cNvPr id="61" name="Rectangle 60"/>
-          <p:cNvSpPr/>
-          <p:nvPr/>
-        </p:nvSpPr>
-        <p:spPr>
-          <a:xfrm>
-            <a:off x="630766" y="4186801"/>
-            <a:ext cx="1803043" cy="2009105"/>
-          </a:xfrm>
-          <a:prstGeom prst="rect">
-            <a:avLst/>
-          </a:prstGeom>
-        </p:spPr>
-        <p:style>
-          <a:lnRef idx="2">
-            <a:schemeClr val="dk1"/>
-          </a:lnRef>
-          <a:fillRef idx="1">
-            <a:schemeClr val="lt1"/>
-          </a:fillRef>
-          <a:effectRef idx="0">
-            <a:schemeClr val="dk1"/>
-          </a:effectRef>
-          <a:fontRef idx="minor">
-            <a:schemeClr val="dk1"/>
-          </a:fontRef>
-        </p:style>
-        <p:txBody>
-          <a:bodyPr rtlCol="0" anchor="ctr"/>
-          <a:lstStyle/>
-          <a:p>
-            <a:pPr algn="ctr"/>
-            <a:endParaRPr lang="en-US"/>
-          </a:p>
-        </p:txBody>
-      </p:sp>
-      <p:sp>
-        <p:nvSpPr>
-          <p:cNvPr id="62" name="TextBox 61"/>
-          <p:cNvSpPr txBox="1"/>
-          <p:nvPr/>
-        </p:nvSpPr>
-        <p:spPr>
-          <a:xfrm>
-            <a:off x="1174014" y="4289834"/>
-            <a:ext cx="716543" cy="369332"/>
-          </a:xfrm>
-          <a:prstGeom prst="rect">
-            <a:avLst/>
-          </a:prstGeom>
-          <a:noFill/>
-        </p:spPr>
-        <p:txBody>
-          <a:bodyPr wrap="none" rtlCol="0">
-            <a:spAutoFit/>
-          </a:bodyPr>
-          <a:lstStyle/>
-          <a:p>
-            <a:r>
-              <a:rPr lang="en-US" b="1" dirty="0" smtClean="0"/>
-              <a:t>batch</a:t>
-            </a:r>
-            <a:endParaRPr lang="en-US" b="1" dirty="0"/>
-          </a:p>
-        </p:txBody>
-      </p:sp>
+      </p:pic>
       <p:cxnSp>
         <p:nvCxnSpPr>
-          <p:cNvPr id="63" name="Straight Connector 62"/>
+          <p:cNvPr id="118" name="Connector: Elbow 117">
+            <a:extLst>
+              <a:ext uri="{FF2B5EF4-FFF2-40B4-BE49-F238E27FC236}">
+                <a16:creationId xmlns:a16="http://schemas.microsoft.com/office/drawing/2014/main" id="{FE717806-D7DF-4E2D-A5F9-428DD4A5BC53}"/>
+              </a:ext>
+            </a:extLst>
+          </p:cNvPr>
           <p:cNvCxnSpPr>
-            <a:stCxn id="55" idx="3"/>
-            <a:endCxn id="57" idx="1"/>
+            <a:cxnSpLocks/>
           </p:cNvCxnSpPr>
           <p:nvPr/>
         </p:nvCxnSpPr>
         <p:spPr>
-          <a:xfrm flipV="1">
-            <a:off x="7770865" y="1439125"/>
-            <a:ext cx="1481070" cy="1"/>
+          <a:xfrm>
+            <a:off x="3932189" y="1847776"/>
+            <a:ext cx="4352501" cy="3038317"/>
           </a:xfrm>
-          <a:prstGeom prst="line">
+          <a:prstGeom prst="bentConnector3">
             <a:avLst/>
           </a:prstGeom>
-          <a:ln>
-            <a:solidFill>
-              <a:schemeClr val="tx1"/>
-            </a:solidFill>
-          </a:ln>
         </p:spPr>
         <p:style>
           <a:lnRef idx="1">
@@ -3677,26 +3364,24 @@
       </p:cxnSp>
       <p:cxnSp>
         <p:nvCxnSpPr>
-          <p:cNvPr id="64" name="Straight Connector 63"/>
-          <p:cNvCxnSpPr>
-            <a:stCxn id="53" idx="3"/>
-            <a:endCxn id="55" idx="1"/>
-          </p:cNvCxnSpPr>
+          <p:cNvPr id="119" name="Straight Connector 118">
+            <a:extLst>
+              <a:ext uri="{FF2B5EF4-FFF2-40B4-BE49-F238E27FC236}">
+                <a16:creationId xmlns:a16="http://schemas.microsoft.com/office/drawing/2014/main" id="{A7554D57-82A2-4F2F-87A0-FC3C8C1AF7A3}"/>
+              </a:ext>
+            </a:extLst>
+          </p:cNvPr>
+          <p:cNvCxnSpPr/>
           <p:nvPr/>
         </p:nvCxnSpPr>
         <p:spPr>
           <a:xfrm>
-            <a:off x="5104939" y="1439126"/>
-            <a:ext cx="862883" cy="0"/>
+            <a:off x="3928934" y="1391647"/>
+            <a:ext cx="4355756" cy="0"/>
           </a:xfrm>
           <a:prstGeom prst="line">
             <a:avLst/>
           </a:prstGeom>
-          <a:ln>
-            <a:solidFill>
-              <a:schemeClr val="tx1"/>
-            </a:solidFill>
-          </a:ln>
         </p:spPr>
         <p:style>
           <a:lnRef idx="1">
@@ -3715,23 +3400,24 @@
       </p:cxnSp>
       <p:cxnSp>
         <p:nvCxnSpPr>
-          <p:cNvPr id="65" name="Straight Connector 64"/>
+          <p:cNvPr id="120" name="Straight Connector 119">
+            <a:extLst>
+              <a:ext uri="{FF2B5EF4-FFF2-40B4-BE49-F238E27FC236}">
+                <a16:creationId xmlns:a16="http://schemas.microsoft.com/office/drawing/2014/main" id="{DB1CC62F-6F27-43B3-9269-45A316E268CB}"/>
+              </a:ext>
+            </a:extLst>
+          </p:cNvPr>
           <p:cNvCxnSpPr/>
           <p:nvPr/>
         </p:nvCxnSpPr>
         <p:spPr>
           <a:xfrm>
-            <a:off x="2421277" y="1229355"/>
-            <a:ext cx="862883" cy="0"/>
+            <a:off x="3894952" y="5292243"/>
+            <a:ext cx="4355756" cy="0"/>
           </a:xfrm>
           <a:prstGeom prst="line">
             <a:avLst/>
           </a:prstGeom>
-          <a:ln>
-            <a:solidFill>
-              <a:schemeClr val="tx1"/>
-            </a:solidFill>
-          </a:ln>
         </p:spPr>
         <p:style>
           <a:lnRef idx="1">
@@ -3750,25 +3436,24 @@
       </p:cxnSp>
       <p:cxnSp>
         <p:nvCxnSpPr>
-          <p:cNvPr id="66" name="Straight Connector 65"/>
-          <p:cNvCxnSpPr>
-            <a:endCxn id="61" idx="0"/>
-          </p:cNvCxnSpPr>
+          <p:cNvPr id="121" name="Straight Connector 120">
+            <a:extLst>
+              <a:ext uri="{FF2B5EF4-FFF2-40B4-BE49-F238E27FC236}">
+                <a16:creationId xmlns:a16="http://schemas.microsoft.com/office/drawing/2014/main" id="{58456B5C-6498-416E-A139-78571F2AC204}"/>
+              </a:ext>
+            </a:extLst>
+          </p:cNvPr>
+          <p:cNvCxnSpPr/>
           <p:nvPr/>
         </p:nvCxnSpPr>
         <p:spPr>
           <a:xfrm>
-            <a:off x="1532288" y="2656354"/>
-            <a:ext cx="0" cy="1530447"/>
+            <a:off x="9786037" y="1988727"/>
+            <a:ext cx="0" cy="1252587"/>
           </a:xfrm>
           <a:prstGeom prst="line">
             <a:avLst/>
           </a:prstGeom>
-          <a:ln>
-            <a:solidFill>
-              <a:schemeClr val="tx1"/>
-            </a:solidFill>
-          </a:ln>
         </p:spPr>
         <p:style>
           <a:lnRef idx="1">
@@ -3785,680 +3470,21 @@
           </a:fontRef>
         </p:style>
       </p:cxnSp>
-      <p:cxnSp>
-        <p:nvCxnSpPr>
-          <p:cNvPr id="67" name="Straight Connector 66"/>
-          <p:cNvCxnSpPr/>
+      <p:sp>
+        <p:nvSpPr>
+          <p:cNvPr id="122" name="TextBox 14">
+            <a:extLst>
+              <a:ext uri="{FF2B5EF4-FFF2-40B4-BE49-F238E27FC236}">
+                <a16:creationId xmlns:a16="http://schemas.microsoft.com/office/drawing/2014/main" id="{B853ED97-64CC-4BB9-A31F-8F94D381F8C2}"/>
+              </a:ext>
+            </a:extLst>
+          </p:cNvPr>
+          <p:cNvSpPr txBox="1"/>
           <p:nvPr/>
-        </p:nvCxnSpPr>
+        </p:nvSpPr>
         <p:spPr>
           <a:xfrm>
-            <a:off x="6884740" y="2674531"/>
-            <a:ext cx="42822" cy="1491186"/>
-          </a:xfrm>
-          <a:prstGeom prst="line">
-            <a:avLst/>
-          </a:prstGeom>
-          <a:ln>
-            <a:solidFill>
-              <a:schemeClr val="tx1"/>
-            </a:solidFill>
-          </a:ln>
-        </p:spPr>
-        <p:style>
-          <a:lnRef idx="1">
-            <a:schemeClr val="accent1"/>
-          </a:lnRef>
-          <a:fillRef idx="0">
-            <a:schemeClr val="accent1"/>
-          </a:fillRef>
-          <a:effectRef idx="0">
-            <a:schemeClr val="accent1"/>
-          </a:effectRef>
-          <a:fontRef idx="minor">
-            <a:schemeClr val="tx1"/>
-          </a:fontRef>
-        </p:style>
-      </p:cxnSp>
-      <p:cxnSp>
-        <p:nvCxnSpPr>
-          <p:cNvPr id="68" name="Straight Connector 67"/>
-          <p:cNvCxnSpPr/>
-          <p:nvPr/>
-        </p:nvCxnSpPr>
-        <p:spPr>
-          <a:xfrm>
-            <a:off x="656870" y="705893"/>
-            <a:ext cx="1764407" cy="0"/>
-          </a:xfrm>
-          <a:prstGeom prst="line">
-            <a:avLst/>
-          </a:prstGeom>
-          <a:ln>
-            <a:solidFill>
-              <a:schemeClr val="tx1"/>
-            </a:solidFill>
-          </a:ln>
-        </p:spPr>
-        <p:style>
-          <a:lnRef idx="1">
-            <a:schemeClr val="accent1"/>
-          </a:lnRef>
-          <a:fillRef idx="0">
-            <a:schemeClr val="accent1"/>
-          </a:fillRef>
-          <a:effectRef idx="0">
-            <a:schemeClr val="accent1"/>
-          </a:effectRef>
-          <a:fontRef idx="minor">
-            <a:schemeClr val="tx1"/>
-          </a:fontRef>
-        </p:style>
-      </p:cxnSp>
-      <p:cxnSp>
-        <p:nvCxnSpPr>
-          <p:cNvPr id="69" name="Straight Connector 68"/>
-          <p:cNvCxnSpPr/>
-          <p:nvPr/>
-        </p:nvCxnSpPr>
-        <p:spPr>
-          <a:xfrm>
-            <a:off x="3340532" y="684290"/>
-            <a:ext cx="1764407" cy="0"/>
-          </a:xfrm>
-          <a:prstGeom prst="line">
-            <a:avLst/>
-          </a:prstGeom>
-          <a:ln>
-            <a:solidFill>
-              <a:schemeClr val="tx1"/>
-            </a:solidFill>
-          </a:ln>
-        </p:spPr>
-        <p:style>
-          <a:lnRef idx="1">
-            <a:schemeClr val="accent1"/>
-          </a:lnRef>
-          <a:fillRef idx="0">
-            <a:schemeClr val="accent1"/>
-          </a:fillRef>
-          <a:effectRef idx="0">
-            <a:schemeClr val="accent1"/>
-          </a:effectRef>
-          <a:fontRef idx="minor">
-            <a:schemeClr val="tx1"/>
-          </a:fontRef>
-        </p:style>
-      </p:cxnSp>
-      <p:cxnSp>
-        <p:nvCxnSpPr>
-          <p:cNvPr id="70" name="Straight Connector 69"/>
-          <p:cNvCxnSpPr/>
-          <p:nvPr/>
-        </p:nvCxnSpPr>
-        <p:spPr>
-          <a:xfrm>
-            <a:off x="5967822" y="705893"/>
-            <a:ext cx="1764407" cy="0"/>
-          </a:xfrm>
-          <a:prstGeom prst="line">
-            <a:avLst/>
-          </a:prstGeom>
-          <a:ln>
-            <a:solidFill>
-              <a:schemeClr val="tx1"/>
-            </a:solidFill>
-          </a:ln>
-        </p:spPr>
-        <p:style>
-          <a:lnRef idx="1">
-            <a:schemeClr val="accent1"/>
-          </a:lnRef>
-          <a:fillRef idx="0">
-            <a:schemeClr val="accent1"/>
-          </a:fillRef>
-          <a:effectRef idx="0">
-            <a:schemeClr val="accent1"/>
-          </a:effectRef>
-          <a:fontRef idx="minor">
-            <a:schemeClr val="tx1"/>
-          </a:fontRef>
-        </p:style>
-      </p:cxnSp>
-      <p:cxnSp>
-        <p:nvCxnSpPr>
-          <p:cNvPr id="71" name="Straight Connector 70"/>
-          <p:cNvCxnSpPr/>
-          <p:nvPr/>
-        </p:nvCxnSpPr>
-        <p:spPr>
-          <a:xfrm>
-            <a:off x="9232844" y="705893"/>
-            <a:ext cx="1764407" cy="0"/>
-          </a:xfrm>
-          <a:prstGeom prst="line">
-            <a:avLst/>
-          </a:prstGeom>
-          <a:ln>
-            <a:solidFill>
-              <a:schemeClr val="tx1"/>
-            </a:solidFill>
-          </a:ln>
-        </p:spPr>
-        <p:style>
-          <a:lnRef idx="1">
-            <a:schemeClr val="accent1"/>
-          </a:lnRef>
-          <a:fillRef idx="0">
-            <a:schemeClr val="accent1"/>
-          </a:fillRef>
-          <a:effectRef idx="0">
-            <a:schemeClr val="accent1"/>
-          </a:effectRef>
-          <a:fontRef idx="minor">
-            <a:schemeClr val="tx1"/>
-          </a:fontRef>
-        </p:style>
-      </p:cxnSp>
-      <p:cxnSp>
-        <p:nvCxnSpPr>
-          <p:cNvPr id="72" name="Straight Connector 71"/>
-          <p:cNvCxnSpPr/>
-          <p:nvPr/>
-        </p:nvCxnSpPr>
-        <p:spPr>
-          <a:xfrm>
-            <a:off x="650081" y="4659166"/>
-            <a:ext cx="1764407" cy="0"/>
-          </a:xfrm>
-          <a:prstGeom prst="line">
-            <a:avLst/>
-          </a:prstGeom>
-          <a:ln>
-            <a:solidFill>
-              <a:schemeClr val="tx1"/>
-            </a:solidFill>
-          </a:ln>
-        </p:spPr>
-        <p:style>
-          <a:lnRef idx="1">
-            <a:schemeClr val="accent1"/>
-          </a:lnRef>
-          <a:fillRef idx="0">
-            <a:schemeClr val="accent1"/>
-          </a:fillRef>
-          <a:effectRef idx="0">
-            <a:schemeClr val="accent1"/>
-          </a:effectRef>
-          <a:fontRef idx="minor">
-            <a:schemeClr val="tx1"/>
-          </a:fontRef>
-        </p:style>
-      </p:cxnSp>
-      <p:cxnSp>
-        <p:nvCxnSpPr>
-          <p:cNvPr id="73" name="Straight Connector 72"/>
-          <p:cNvCxnSpPr/>
-          <p:nvPr/>
-        </p:nvCxnSpPr>
-        <p:spPr>
-          <a:xfrm>
-            <a:off x="5955268" y="4592486"/>
-            <a:ext cx="1764407" cy="0"/>
-          </a:xfrm>
-          <a:prstGeom prst="line">
-            <a:avLst/>
-          </a:prstGeom>
-          <a:ln>
-            <a:solidFill>
-              <a:schemeClr val="tx1"/>
-            </a:solidFill>
-          </a:ln>
-        </p:spPr>
-        <p:style>
-          <a:lnRef idx="1">
-            <a:schemeClr val="accent1"/>
-          </a:lnRef>
-          <a:fillRef idx="0">
-            <a:schemeClr val="accent1"/>
-          </a:fillRef>
-          <a:effectRef idx="0">
-            <a:schemeClr val="accent1"/>
-          </a:effectRef>
-          <a:fontRef idx="minor">
-            <a:schemeClr val="tx1"/>
-          </a:fontRef>
-        </p:style>
-      </p:cxnSp>
-      <p:sp>
-        <p:nvSpPr>
-          <p:cNvPr id="74" name="TextBox 73"/>
-          <p:cNvSpPr txBox="1"/>
-          <p:nvPr/>
-        </p:nvSpPr>
-        <p:spPr>
-          <a:xfrm>
-            <a:off x="3567083" y="1093040"/>
-            <a:ext cx="1231299" cy="369332"/>
-          </a:xfrm>
-          <a:prstGeom prst="rect">
-            <a:avLst/>
-          </a:prstGeom>
-          <a:noFill/>
-        </p:spPr>
-        <p:txBody>
-          <a:bodyPr wrap="none" rtlCol="0">
-            <a:spAutoFit/>
-          </a:bodyPr>
-          <a:lstStyle/>
-          <a:p>
-            <a:r>
-              <a:rPr lang="en-US" dirty="0" smtClean="0"/>
-              <a:t>first_name</a:t>
-            </a:r>
-            <a:endParaRPr lang="en-US" dirty="0"/>
-          </a:p>
-        </p:txBody>
-      </p:sp>
-      <p:sp>
-        <p:nvSpPr>
-          <p:cNvPr id="75" name="TextBox 74"/>
-          <p:cNvSpPr txBox="1"/>
-          <p:nvPr/>
-        </p:nvSpPr>
-        <p:spPr>
-          <a:xfrm>
-            <a:off x="3554818" y="1350878"/>
-            <a:ext cx="1159933" cy="369332"/>
-          </a:xfrm>
-          <a:prstGeom prst="rect">
-            <a:avLst/>
-          </a:prstGeom>
-          <a:noFill/>
-        </p:spPr>
-        <p:txBody>
-          <a:bodyPr wrap="none" rtlCol="0">
-            <a:spAutoFit/>
-          </a:bodyPr>
-          <a:lstStyle/>
-          <a:p>
-            <a:r>
-              <a:rPr lang="en-US" dirty="0" smtClean="0"/>
-              <a:t>last_name</a:t>
-            </a:r>
-            <a:endParaRPr lang="en-US" dirty="0"/>
-          </a:p>
-        </p:txBody>
-      </p:sp>
-      <p:sp>
-        <p:nvSpPr>
-          <p:cNvPr id="76" name="TextBox 75"/>
-          <p:cNvSpPr txBox="1"/>
-          <p:nvPr/>
-        </p:nvSpPr>
-        <p:spPr>
-          <a:xfrm>
-            <a:off x="6243812" y="1053320"/>
-            <a:ext cx="684675" cy="369332"/>
-          </a:xfrm>
-          <a:prstGeom prst="rect">
-            <a:avLst/>
-          </a:prstGeom>
-          <a:noFill/>
-        </p:spPr>
-        <p:txBody>
-          <a:bodyPr wrap="none" rtlCol="0">
-            <a:spAutoFit/>
-          </a:bodyPr>
-          <a:lstStyle/>
-          <a:p>
-            <a:r>
-              <a:rPr lang="en-US" dirty="0" smtClean="0"/>
-              <a:t>score</a:t>
-            </a:r>
-            <a:endParaRPr lang="en-US" dirty="0"/>
-          </a:p>
-        </p:txBody>
-      </p:sp>
-      <p:sp>
-        <p:nvSpPr>
-          <p:cNvPr id="77" name="TextBox 76"/>
-          <p:cNvSpPr txBox="1"/>
-          <p:nvPr/>
-        </p:nvSpPr>
-        <p:spPr>
-          <a:xfrm>
-            <a:off x="9512669" y="1051656"/>
-            <a:ext cx="559769" cy="369332"/>
-          </a:xfrm>
-          <a:prstGeom prst="rect">
-            <a:avLst/>
-          </a:prstGeom>
-          <a:noFill/>
-        </p:spPr>
-        <p:txBody>
-          <a:bodyPr wrap="none" rtlCol="0">
-            <a:spAutoFit/>
-          </a:bodyPr>
-          <a:lstStyle/>
-          <a:p>
-            <a:r>
-              <a:rPr lang="en-US" dirty="0" smtClean="0"/>
-              <a:t>title</a:t>
-            </a:r>
-            <a:endParaRPr lang="en-US" dirty="0"/>
-          </a:p>
-        </p:txBody>
-      </p:sp>
-      <p:sp>
-        <p:nvSpPr>
-          <p:cNvPr id="78" name="TextBox 77"/>
-          <p:cNvSpPr txBox="1"/>
-          <p:nvPr/>
-        </p:nvSpPr>
-        <p:spPr>
-          <a:xfrm>
-            <a:off x="9543336" y="755280"/>
-            <a:ext cx="364202" cy="369332"/>
-          </a:xfrm>
-          <a:prstGeom prst="rect">
-            <a:avLst/>
-          </a:prstGeom>
-          <a:noFill/>
-        </p:spPr>
-        <p:txBody>
-          <a:bodyPr wrap="none" rtlCol="0">
-            <a:spAutoFit/>
-          </a:bodyPr>
-          <a:lstStyle/>
-          <a:p>
-            <a:r>
-              <a:rPr lang="en-US" b="1" dirty="0" smtClean="0"/>
-              <a:t>id</a:t>
-            </a:r>
-            <a:endParaRPr lang="en-US" b="1" dirty="0"/>
-          </a:p>
-        </p:txBody>
-      </p:sp>
-      <p:sp>
-        <p:nvSpPr>
-          <p:cNvPr id="79" name="TextBox 78"/>
-          <p:cNvSpPr txBox="1"/>
-          <p:nvPr/>
-        </p:nvSpPr>
-        <p:spPr>
-          <a:xfrm>
-            <a:off x="6287064" y="787274"/>
-            <a:ext cx="364202" cy="369332"/>
-          </a:xfrm>
-          <a:prstGeom prst="rect">
-            <a:avLst/>
-          </a:prstGeom>
-          <a:noFill/>
-        </p:spPr>
-        <p:txBody>
-          <a:bodyPr wrap="none" rtlCol="0">
-            <a:spAutoFit/>
-          </a:bodyPr>
-          <a:lstStyle/>
-          <a:p>
-            <a:r>
-              <a:rPr lang="en-US" b="1" dirty="0" smtClean="0"/>
-              <a:t>id</a:t>
-            </a:r>
-            <a:endParaRPr lang="en-US" b="1" dirty="0"/>
-          </a:p>
-        </p:txBody>
-      </p:sp>
-      <p:sp>
-        <p:nvSpPr>
-          <p:cNvPr id="80" name="TextBox 79"/>
-          <p:cNvSpPr txBox="1"/>
-          <p:nvPr/>
-        </p:nvSpPr>
-        <p:spPr>
-          <a:xfrm>
-            <a:off x="3598367" y="787274"/>
-            <a:ext cx="364202" cy="369332"/>
-          </a:xfrm>
-          <a:prstGeom prst="rect">
-            <a:avLst/>
-          </a:prstGeom>
-          <a:noFill/>
-        </p:spPr>
-        <p:txBody>
-          <a:bodyPr wrap="none" rtlCol="0">
-            <a:spAutoFit/>
-          </a:bodyPr>
-          <a:lstStyle/>
-          <a:p>
-            <a:r>
-              <a:rPr lang="en-US" b="1" dirty="0" smtClean="0"/>
-              <a:t>id</a:t>
-            </a:r>
-            <a:endParaRPr lang="en-US" b="1" dirty="0"/>
-          </a:p>
-        </p:txBody>
-      </p:sp>
-      <p:sp>
-        <p:nvSpPr>
-          <p:cNvPr id="81" name="TextBox 80"/>
-          <p:cNvSpPr txBox="1"/>
-          <p:nvPr/>
-        </p:nvSpPr>
-        <p:spPr>
-          <a:xfrm>
-            <a:off x="978566" y="800151"/>
-            <a:ext cx="364202" cy="369332"/>
-          </a:xfrm>
-          <a:prstGeom prst="rect">
-            <a:avLst/>
-          </a:prstGeom>
-          <a:noFill/>
-        </p:spPr>
-        <p:txBody>
-          <a:bodyPr wrap="none" rtlCol="0">
-            <a:spAutoFit/>
-          </a:bodyPr>
-          <a:lstStyle/>
-          <a:p>
-            <a:r>
-              <a:rPr lang="en-US" b="1" dirty="0" smtClean="0"/>
-              <a:t>id</a:t>
-            </a:r>
-            <a:endParaRPr lang="en-US" b="1" dirty="0"/>
-          </a:p>
-        </p:txBody>
-      </p:sp>
-      <p:sp>
-        <p:nvSpPr>
-          <p:cNvPr id="82" name="TextBox 81"/>
-          <p:cNvSpPr txBox="1"/>
-          <p:nvPr/>
-        </p:nvSpPr>
-        <p:spPr>
-          <a:xfrm>
-            <a:off x="923618" y="1111784"/>
-            <a:ext cx="716863" cy="369332"/>
-          </a:xfrm>
-          <a:prstGeom prst="rect">
-            <a:avLst/>
-          </a:prstGeom>
-          <a:noFill/>
-        </p:spPr>
-        <p:txBody>
-          <a:bodyPr wrap="none" rtlCol="0">
-            <a:spAutoFit/>
-          </a:bodyPr>
-          <a:lstStyle/>
-          <a:p>
-            <a:r>
-              <a:rPr lang="en-US" dirty="0" smtClean="0"/>
-              <a:t>name</a:t>
-            </a:r>
-            <a:endParaRPr lang="en-US" dirty="0"/>
-          </a:p>
-        </p:txBody>
-      </p:sp>
-      <p:sp>
-        <p:nvSpPr>
-          <p:cNvPr id="83" name="TextBox 82"/>
-          <p:cNvSpPr txBox="1"/>
-          <p:nvPr/>
-        </p:nvSpPr>
-        <p:spPr>
-          <a:xfrm>
-            <a:off x="6333794" y="5032084"/>
-            <a:ext cx="559769" cy="369332"/>
-          </a:xfrm>
-          <a:prstGeom prst="rect">
-            <a:avLst/>
-          </a:prstGeom>
-          <a:noFill/>
-        </p:spPr>
-        <p:txBody>
-          <a:bodyPr wrap="none" rtlCol="0">
-            <a:spAutoFit/>
-          </a:bodyPr>
-          <a:lstStyle/>
-          <a:p>
-            <a:r>
-              <a:rPr lang="en-US" dirty="0" smtClean="0"/>
-              <a:t>title</a:t>
-            </a:r>
-            <a:endParaRPr lang="en-US" dirty="0"/>
-          </a:p>
-        </p:txBody>
-      </p:sp>
-      <p:sp>
-        <p:nvSpPr>
-          <p:cNvPr id="84" name="TextBox 83"/>
-          <p:cNvSpPr txBox="1"/>
-          <p:nvPr/>
-        </p:nvSpPr>
-        <p:spPr>
-          <a:xfrm>
-            <a:off x="6386433" y="4673967"/>
-            <a:ext cx="364202" cy="369332"/>
-          </a:xfrm>
-          <a:prstGeom prst="rect">
-            <a:avLst/>
-          </a:prstGeom>
-          <a:noFill/>
-        </p:spPr>
-        <p:txBody>
-          <a:bodyPr wrap="none" rtlCol="0">
-            <a:spAutoFit/>
-          </a:bodyPr>
-          <a:lstStyle/>
-          <a:p>
-            <a:r>
-              <a:rPr lang="en-US" b="1" dirty="0" smtClean="0"/>
-              <a:t>id</a:t>
-            </a:r>
-            <a:endParaRPr lang="en-US" b="1" dirty="0"/>
-          </a:p>
-        </p:txBody>
-      </p:sp>
-      <p:sp>
-        <p:nvSpPr>
-          <p:cNvPr id="85" name="TextBox 84"/>
-          <p:cNvSpPr txBox="1"/>
-          <p:nvPr/>
-        </p:nvSpPr>
-        <p:spPr>
-          <a:xfrm>
-            <a:off x="3567083" y="1608716"/>
-            <a:ext cx="485774" cy="369332"/>
-          </a:xfrm>
-          <a:prstGeom prst="rect">
-            <a:avLst/>
-          </a:prstGeom>
-          <a:noFill/>
-        </p:spPr>
-        <p:txBody>
-          <a:bodyPr wrap="none" rtlCol="0">
-            <a:spAutoFit/>
-          </a:bodyPr>
-          <a:lstStyle/>
-          <a:p>
-            <a:r>
-              <a:rPr lang="en-US" dirty="0" smtClean="0"/>
-              <a:t>sex</a:t>
-            </a:r>
-            <a:endParaRPr lang="en-US" dirty="0"/>
-          </a:p>
-        </p:txBody>
-      </p:sp>
-      <p:sp>
-        <p:nvSpPr>
-          <p:cNvPr id="86" name="TextBox 85"/>
-          <p:cNvSpPr txBox="1"/>
-          <p:nvPr/>
-        </p:nvSpPr>
-        <p:spPr>
-          <a:xfrm>
-            <a:off x="998712" y="4769421"/>
-            <a:ext cx="364202" cy="369332"/>
-          </a:xfrm>
-          <a:prstGeom prst="rect">
-            <a:avLst/>
-          </a:prstGeom>
-          <a:noFill/>
-        </p:spPr>
-        <p:txBody>
-          <a:bodyPr wrap="none" rtlCol="0">
-            <a:spAutoFit/>
-          </a:bodyPr>
-          <a:lstStyle/>
-          <a:p>
-            <a:r>
-              <a:rPr lang="en-US" b="1" dirty="0" smtClean="0"/>
-              <a:t>id</a:t>
-            </a:r>
-            <a:endParaRPr lang="en-US" b="1" dirty="0"/>
-          </a:p>
-        </p:txBody>
-      </p:sp>
-      <p:sp>
-        <p:nvSpPr>
-          <p:cNvPr id="87" name="TextBox 86"/>
-          <p:cNvSpPr txBox="1"/>
-          <p:nvPr/>
-        </p:nvSpPr>
-        <p:spPr>
-          <a:xfrm>
-            <a:off x="1006003" y="5090145"/>
-            <a:ext cx="716863" cy="369332"/>
-          </a:xfrm>
-          <a:prstGeom prst="rect">
-            <a:avLst/>
-          </a:prstGeom>
-          <a:noFill/>
-        </p:spPr>
-        <p:txBody>
-          <a:bodyPr wrap="none" rtlCol="0">
-            <a:spAutoFit/>
-          </a:bodyPr>
-          <a:lstStyle/>
-          <a:p>
-            <a:r>
-              <a:rPr lang="en-US" smtClean="0"/>
-              <a:t>name</a:t>
-            </a:r>
-            <a:endParaRPr lang="en-US" dirty="0"/>
-          </a:p>
-        </p:txBody>
-      </p:sp>
-      <p:sp>
-        <p:nvSpPr>
-          <p:cNvPr id="88" name="TextBox 87"/>
-          <p:cNvSpPr txBox="1"/>
-          <p:nvPr/>
-        </p:nvSpPr>
-        <p:spPr>
-          <a:xfrm>
-            <a:off x="2456749" y="895546"/>
+            <a:off x="3928934" y="1073916"/>
             <a:ext cx="301686" cy="369332"/>
           </a:xfrm>
           <a:prstGeom prst="rect">
@@ -4470,33 +3496,394 @@
           <a:bodyPr wrap="none" rtlCol="0">
             <a:spAutoFit/>
           </a:bodyPr>
-          <a:lstStyle/>
-          <a:p>
-            <a:r>
-              <a:rPr lang="en-US" dirty="0" smtClean="0">
-                <a:solidFill>
-                  <a:schemeClr val="accent1"/>
+          <a:lstStyle>
+            <a:defPPr>
+              <a:defRPr lang="en-US"/>
+            </a:defPPr>
+            <a:lvl1pPr marL="0" algn="l" defTabSz="914400" rtl="0" eaLnBrk="1" latinLnBrk="0" hangingPunct="1">
+              <a:defRPr sz="1800" kern="1200">
+                <a:solidFill>
+                  <a:schemeClr val="tx1"/>
+                </a:solidFill>
+                <a:latin typeface="+mn-lt"/>
+                <a:ea typeface="+mn-ea"/>
+                <a:cs typeface="+mn-cs"/>
+              </a:defRPr>
+            </a:lvl1pPr>
+            <a:lvl2pPr marL="457200" algn="l" defTabSz="914400" rtl="0" eaLnBrk="1" latinLnBrk="0" hangingPunct="1">
+              <a:defRPr sz="1800" kern="1200">
+                <a:solidFill>
+                  <a:schemeClr val="tx1"/>
+                </a:solidFill>
+                <a:latin typeface="+mn-lt"/>
+                <a:ea typeface="+mn-ea"/>
+                <a:cs typeface="+mn-cs"/>
+              </a:defRPr>
+            </a:lvl2pPr>
+            <a:lvl3pPr marL="914400" algn="l" defTabSz="914400" rtl="0" eaLnBrk="1" latinLnBrk="0" hangingPunct="1">
+              <a:defRPr sz="1800" kern="1200">
+                <a:solidFill>
+                  <a:schemeClr val="tx1"/>
+                </a:solidFill>
+                <a:latin typeface="+mn-lt"/>
+                <a:ea typeface="+mn-ea"/>
+                <a:cs typeface="+mn-cs"/>
+              </a:defRPr>
+            </a:lvl3pPr>
+            <a:lvl4pPr marL="1371600" algn="l" defTabSz="914400" rtl="0" eaLnBrk="1" latinLnBrk="0" hangingPunct="1">
+              <a:defRPr sz="1800" kern="1200">
+                <a:solidFill>
+                  <a:schemeClr val="tx1"/>
+                </a:solidFill>
+                <a:latin typeface="+mn-lt"/>
+                <a:ea typeface="+mn-ea"/>
+                <a:cs typeface="+mn-cs"/>
+              </a:defRPr>
+            </a:lvl4pPr>
+            <a:lvl5pPr marL="1828800" algn="l" defTabSz="914400" rtl="0" eaLnBrk="1" latinLnBrk="0" hangingPunct="1">
+              <a:defRPr sz="1800" kern="1200">
+                <a:solidFill>
+                  <a:schemeClr val="tx1"/>
+                </a:solidFill>
+                <a:latin typeface="+mn-lt"/>
+                <a:ea typeface="+mn-ea"/>
+                <a:cs typeface="+mn-cs"/>
+              </a:defRPr>
+            </a:lvl5pPr>
+            <a:lvl6pPr marL="2286000" algn="l" defTabSz="914400" rtl="0" eaLnBrk="1" latinLnBrk="0" hangingPunct="1">
+              <a:defRPr sz="1800" kern="1200">
+                <a:solidFill>
+                  <a:schemeClr val="tx1"/>
+                </a:solidFill>
+                <a:latin typeface="+mn-lt"/>
+                <a:ea typeface="+mn-ea"/>
+                <a:cs typeface="+mn-cs"/>
+              </a:defRPr>
+            </a:lvl6pPr>
+            <a:lvl7pPr marL="2743200" algn="l" defTabSz="914400" rtl="0" eaLnBrk="1" latinLnBrk="0" hangingPunct="1">
+              <a:defRPr sz="1800" kern="1200">
+                <a:solidFill>
+                  <a:schemeClr val="tx1"/>
+                </a:solidFill>
+                <a:latin typeface="+mn-lt"/>
+                <a:ea typeface="+mn-ea"/>
+                <a:cs typeface="+mn-cs"/>
+              </a:defRPr>
+            </a:lvl7pPr>
+            <a:lvl8pPr marL="3200400" algn="l" defTabSz="914400" rtl="0" eaLnBrk="1" latinLnBrk="0" hangingPunct="1">
+              <a:defRPr sz="1800" kern="1200">
+                <a:solidFill>
+                  <a:schemeClr val="tx1"/>
+                </a:solidFill>
+                <a:latin typeface="+mn-lt"/>
+                <a:ea typeface="+mn-ea"/>
+                <a:cs typeface="+mn-cs"/>
+              </a:defRPr>
+            </a:lvl8pPr>
+            <a:lvl9pPr marL="3657600" algn="l" defTabSz="914400" rtl="0" eaLnBrk="1" latinLnBrk="0" hangingPunct="1">
+              <a:defRPr sz="1800" kern="1200">
+                <a:solidFill>
+                  <a:schemeClr val="tx1"/>
+                </a:solidFill>
+                <a:latin typeface="+mn-lt"/>
+                <a:ea typeface="+mn-ea"/>
+                <a:cs typeface="+mn-cs"/>
+              </a:defRPr>
+            </a:lvl9pPr>
+          </a:lstStyle>
+          <a:p>
+            <a:r>
+              <a:rPr lang="en-US" b="1" dirty="0">
+                <a:solidFill>
+                  <a:srgbClr val="FF0000"/>
                 </a:solidFill>
               </a:rPr>
               <a:t>1</a:t>
             </a:r>
-            <a:endParaRPr lang="en-US" dirty="0">
-              <a:solidFill>
-                <a:schemeClr val="accent1"/>
-              </a:solidFill>
-            </a:endParaRPr>
-          </a:p>
-        </p:txBody>
-      </p:sp>
-      <p:sp>
-        <p:nvSpPr>
-          <p:cNvPr id="89" name="TextBox 88"/>
+          </a:p>
+        </p:txBody>
+      </p:sp>
+      <p:sp>
+        <p:nvSpPr>
+          <p:cNvPr id="123" name="TextBox 15">
+            <a:extLst>
+              <a:ext uri="{FF2B5EF4-FFF2-40B4-BE49-F238E27FC236}">
+                <a16:creationId xmlns:a16="http://schemas.microsoft.com/office/drawing/2014/main" id="{88E3F8F0-3622-4853-9038-1B91DF0C3BF2}"/>
+              </a:ext>
+            </a:extLst>
+          </p:cNvPr>
           <p:cNvSpPr txBox="1"/>
           <p:nvPr/>
         </p:nvSpPr>
         <p:spPr>
           <a:xfrm>
-            <a:off x="2948059" y="933147"/>
+            <a:off x="7990813" y="1096938"/>
+            <a:ext cx="300082" cy="369332"/>
+          </a:xfrm>
+          <a:prstGeom prst="rect">
+            <a:avLst/>
+          </a:prstGeom>
+          <a:noFill/>
+        </p:spPr>
+        <p:txBody>
+          <a:bodyPr wrap="none" rtlCol="0">
+            <a:spAutoFit/>
+          </a:bodyPr>
+          <a:lstStyle>
+            <a:defPPr>
+              <a:defRPr lang="en-US"/>
+            </a:defPPr>
+            <a:lvl1pPr marL="0" algn="l" defTabSz="914400" rtl="0" eaLnBrk="1" latinLnBrk="0" hangingPunct="1">
+              <a:defRPr sz="1800" kern="1200">
+                <a:solidFill>
+                  <a:schemeClr val="tx1"/>
+                </a:solidFill>
+                <a:latin typeface="+mn-lt"/>
+                <a:ea typeface="+mn-ea"/>
+                <a:cs typeface="+mn-cs"/>
+              </a:defRPr>
+            </a:lvl1pPr>
+            <a:lvl2pPr marL="457200" algn="l" defTabSz="914400" rtl="0" eaLnBrk="1" latinLnBrk="0" hangingPunct="1">
+              <a:defRPr sz="1800" kern="1200">
+                <a:solidFill>
+                  <a:schemeClr val="tx1"/>
+                </a:solidFill>
+                <a:latin typeface="+mn-lt"/>
+                <a:ea typeface="+mn-ea"/>
+                <a:cs typeface="+mn-cs"/>
+              </a:defRPr>
+            </a:lvl2pPr>
+            <a:lvl3pPr marL="914400" algn="l" defTabSz="914400" rtl="0" eaLnBrk="1" latinLnBrk="0" hangingPunct="1">
+              <a:defRPr sz="1800" kern="1200">
+                <a:solidFill>
+                  <a:schemeClr val="tx1"/>
+                </a:solidFill>
+                <a:latin typeface="+mn-lt"/>
+                <a:ea typeface="+mn-ea"/>
+                <a:cs typeface="+mn-cs"/>
+              </a:defRPr>
+            </a:lvl3pPr>
+            <a:lvl4pPr marL="1371600" algn="l" defTabSz="914400" rtl="0" eaLnBrk="1" latinLnBrk="0" hangingPunct="1">
+              <a:defRPr sz="1800" kern="1200">
+                <a:solidFill>
+                  <a:schemeClr val="tx1"/>
+                </a:solidFill>
+                <a:latin typeface="+mn-lt"/>
+                <a:ea typeface="+mn-ea"/>
+                <a:cs typeface="+mn-cs"/>
+              </a:defRPr>
+            </a:lvl4pPr>
+            <a:lvl5pPr marL="1828800" algn="l" defTabSz="914400" rtl="0" eaLnBrk="1" latinLnBrk="0" hangingPunct="1">
+              <a:defRPr sz="1800" kern="1200">
+                <a:solidFill>
+                  <a:schemeClr val="tx1"/>
+                </a:solidFill>
+                <a:latin typeface="+mn-lt"/>
+                <a:ea typeface="+mn-ea"/>
+                <a:cs typeface="+mn-cs"/>
+              </a:defRPr>
+            </a:lvl5pPr>
+            <a:lvl6pPr marL="2286000" algn="l" defTabSz="914400" rtl="0" eaLnBrk="1" latinLnBrk="0" hangingPunct="1">
+              <a:defRPr sz="1800" kern="1200">
+                <a:solidFill>
+                  <a:schemeClr val="tx1"/>
+                </a:solidFill>
+                <a:latin typeface="+mn-lt"/>
+                <a:ea typeface="+mn-ea"/>
+                <a:cs typeface="+mn-cs"/>
+              </a:defRPr>
+            </a:lvl6pPr>
+            <a:lvl7pPr marL="2743200" algn="l" defTabSz="914400" rtl="0" eaLnBrk="1" latinLnBrk="0" hangingPunct="1">
+              <a:defRPr sz="1800" kern="1200">
+                <a:solidFill>
+                  <a:schemeClr val="tx1"/>
+                </a:solidFill>
+                <a:latin typeface="+mn-lt"/>
+                <a:ea typeface="+mn-ea"/>
+                <a:cs typeface="+mn-cs"/>
+              </a:defRPr>
+            </a:lvl7pPr>
+            <a:lvl8pPr marL="3200400" algn="l" defTabSz="914400" rtl="0" eaLnBrk="1" latinLnBrk="0" hangingPunct="1">
+              <a:defRPr sz="1800" kern="1200">
+                <a:solidFill>
+                  <a:schemeClr val="tx1"/>
+                </a:solidFill>
+                <a:latin typeface="+mn-lt"/>
+                <a:ea typeface="+mn-ea"/>
+                <a:cs typeface="+mn-cs"/>
+              </a:defRPr>
+            </a:lvl8pPr>
+            <a:lvl9pPr marL="3657600" algn="l" defTabSz="914400" rtl="0" eaLnBrk="1" latinLnBrk="0" hangingPunct="1">
+              <a:defRPr sz="1800" kern="1200">
+                <a:solidFill>
+                  <a:schemeClr val="tx1"/>
+                </a:solidFill>
+                <a:latin typeface="+mn-lt"/>
+                <a:ea typeface="+mn-ea"/>
+                <a:cs typeface="+mn-cs"/>
+              </a:defRPr>
+            </a:lvl9pPr>
+          </a:lstStyle>
+          <a:p>
+            <a:r>
+              <a:rPr lang="en-US" b="1" dirty="0">
+                <a:solidFill>
+                  <a:srgbClr val="FF0000"/>
+                </a:solidFill>
+              </a:rPr>
+              <a:t>*</a:t>
+            </a:r>
+          </a:p>
+        </p:txBody>
+      </p:sp>
+      <p:sp>
+        <p:nvSpPr>
+          <p:cNvPr id="124" name="TextBox 16">
+            <a:extLst>
+              <a:ext uri="{FF2B5EF4-FFF2-40B4-BE49-F238E27FC236}">
+                <a16:creationId xmlns:a16="http://schemas.microsoft.com/office/drawing/2014/main" id="{BB8DED25-476F-4E4A-A09D-47D446786BA2}"/>
+              </a:ext>
+            </a:extLst>
+          </p:cNvPr>
+          <p:cNvSpPr txBox="1"/>
+          <p:nvPr/>
+        </p:nvSpPr>
+        <p:spPr>
+          <a:xfrm>
+            <a:off x="9761850" y="1969091"/>
+            <a:ext cx="300082" cy="369332"/>
+          </a:xfrm>
+          <a:prstGeom prst="rect">
+            <a:avLst/>
+          </a:prstGeom>
+          <a:noFill/>
+        </p:spPr>
+        <p:txBody>
+          <a:bodyPr wrap="none" rtlCol="0">
+            <a:spAutoFit/>
+          </a:bodyPr>
+          <a:lstStyle>
+            <a:defPPr>
+              <a:defRPr lang="en-US"/>
+            </a:defPPr>
+            <a:lvl1pPr marL="0" algn="l" defTabSz="914400" rtl="0" eaLnBrk="1" latinLnBrk="0" hangingPunct="1">
+              <a:defRPr sz="1800" kern="1200">
+                <a:solidFill>
+                  <a:schemeClr val="tx1"/>
+                </a:solidFill>
+                <a:latin typeface="+mn-lt"/>
+                <a:ea typeface="+mn-ea"/>
+                <a:cs typeface="+mn-cs"/>
+              </a:defRPr>
+            </a:lvl1pPr>
+            <a:lvl2pPr marL="457200" algn="l" defTabSz="914400" rtl="0" eaLnBrk="1" latinLnBrk="0" hangingPunct="1">
+              <a:defRPr sz="1800" kern="1200">
+                <a:solidFill>
+                  <a:schemeClr val="tx1"/>
+                </a:solidFill>
+                <a:latin typeface="+mn-lt"/>
+                <a:ea typeface="+mn-ea"/>
+                <a:cs typeface="+mn-cs"/>
+              </a:defRPr>
+            </a:lvl2pPr>
+            <a:lvl3pPr marL="914400" algn="l" defTabSz="914400" rtl="0" eaLnBrk="1" latinLnBrk="0" hangingPunct="1">
+              <a:defRPr sz="1800" kern="1200">
+                <a:solidFill>
+                  <a:schemeClr val="tx1"/>
+                </a:solidFill>
+                <a:latin typeface="+mn-lt"/>
+                <a:ea typeface="+mn-ea"/>
+                <a:cs typeface="+mn-cs"/>
+              </a:defRPr>
+            </a:lvl3pPr>
+            <a:lvl4pPr marL="1371600" algn="l" defTabSz="914400" rtl="0" eaLnBrk="1" latinLnBrk="0" hangingPunct="1">
+              <a:defRPr sz="1800" kern="1200">
+                <a:solidFill>
+                  <a:schemeClr val="tx1"/>
+                </a:solidFill>
+                <a:latin typeface="+mn-lt"/>
+                <a:ea typeface="+mn-ea"/>
+                <a:cs typeface="+mn-cs"/>
+              </a:defRPr>
+            </a:lvl4pPr>
+            <a:lvl5pPr marL="1828800" algn="l" defTabSz="914400" rtl="0" eaLnBrk="1" latinLnBrk="0" hangingPunct="1">
+              <a:defRPr sz="1800" kern="1200">
+                <a:solidFill>
+                  <a:schemeClr val="tx1"/>
+                </a:solidFill>
+                <a:latin typeface="+mn-lt"/>
+                <a:ea typeface="+mn-ea"/>
+                <a:cs typeface="+mn-cs"/>
+              </a:defRPr>
+            </a:lvl5pPr>
+            <a:lvl6pPr marL="2286000" algn="l" defTabSz="914400" rtl="0" eaLnBrk="1" latinLnBrk="0" hangingPunct="1">
+              <a:defRPr sz="1800" kern="1200">
+                <a:solidFill>
+                  <a:schemeClr val="tx1"/>
+                </a:solidFill>
+                <a:latin typeface="+mn-lt"/>
+                <a:ea typeface="+mn-ea"/>
+                <a:cs typeface="+mn-cs"/>
+              </a:defRPr>
+            </a:lvl6pPr>
+            <a:lvl7pPr marL="2743200" algn="l" defTabSz="914400" rtl="0" eaLnBrk="1" latinLnBrk="0" hangingPunct="1">
+              <a:defRPr sz="1800" kern="1200">
+                <a:solidFill>
+                  <a:schemeClr val="tx1"/>
+                </a:solidFill>
+                <a:latin typeface="+mn-lt"/>
+                <a:ea typeface="+mn-ea"/>
+                <a:cs typeface="+mn-cs"/>
+              </a:defRPr>
+            </a:lvl7pPr>
+            <a:lvl8pPr marL="3200400" algn="l" defTabSz="914400" rtl="0" eaLnBrk="1" latinLnBrk="0" hangingPunct="1">
+              <a:defRPr sz="1800" kern="1200">
+                <a:solidFill>
+                  <a:schemeClr val="tx1"/>
+                </a:solidFill>
+                <a:latin typeface="+mn-lt"/>
+                <a:ea typeface="+mn-ea"/>
+                <a:cs typeface="+mn-cs"/>
+              </a:defRPr>
+            </a:lvl8pPr>
+            <a:lvl9pPr marL="3657600" algn="l" defTabSz="914400" rtl="0" eaLnBrk="1" latinLnBrk="0" hangingPunct="1">
+              <a:defRPr sz="1800" kern="1200">
+                <a:solidFill>
+                  <a:schemeClr val="tx1"/>
+                </a:solidFill>
+                <a:latin typeface="+mn-lt"/>
+                <a:ea typeface="+mn-ea"/>
+                <a:cs typeface="+mn-cs"/>
+              </a:defRPr>
+            </a:lvl9pPr>
+          </a:lstStyle>
+          <a:p>
+            <a:r>
+              <a:rPr lang="en-US" b="1" dirty="0">
+                <a:solidFill>
+                  <a:srgbClr val="FF0000"/>
+                </a:solidFill>
+              </a:rPr>
+              <a:t>*</a:t>
+            </a:r>
+          </a:p>
+        </p:txBody>
+      </p:sp>
+      <p:sp>
+        <p:nvSpPr>
+          <p:cNvPr id="125" name="TextBox 17">
+            <a:extLst>
+              <a:ext uri="{FF2B5EF4-FFF2-40B4-BE49-F238E27FC236}">
+                <a16:creationId xmlns:a16="http://schemas.microsoft.com/office/drawing/2014/main" id="{30BE2BBE-409B-4934-9F4F-171CC0A5311F}"/>
+              </a:ext>
+            </a:extLst>
+          </p:cNvPr>
+          <p:cNvSpPr txBox="1"/>
+          <p:nvPr/>
+        </p:nvSpPr>
+        <p:spPr>
+          <a:xfrm>
+            <a:off x="9761850" y="2938984"/>
             <a:ext cx="301686" cy="369332"/>
           </a:xfrm>
           <a:prstGeom prst="rect">
@@ -4508,33 +3895,128 @@
           <a:bodyPr wrap="none" rtlCol="0">
             <a:spAutoFit/>
           </a:bodyPr>
-          <a:lstStyle/>
-          <a:p>
-            <a:r>
-              <a:rPr lang="en-US" dirty="0" smtClean="0">
-                <a:solidFill>
-                  <a:schemeClr val="accent1"/>
+          <a:lstStyle>
+            <a:defPPr>
+              <a:defRPr lang="en-US"/>
+            </a:defPPr>
+            <a:lvl1pPr marL="0" algn="l" defTabSz="914400" rtl="0" eaLnBrk="1" latinLnBrk="0" hangingPunct="1">
+              <a:defRPr sz="1800" kern="1200">
+                <a:solidFill>
+                  <a:schemeClr val="tx1"/>
+                </a:solidFill>
+                <a:latin typeface="+mn-lt"/>
+                <a:ea typeface="+mn-ea"/>
+                <a:cs typeface="+mn-cs"/>
+              </a:defRPr>
+            </a:lvl1pPr>
+            <a:lvl2pPr marL="457200" algn="l" defTabSz="914400" rtl="0" eaLnBrk="1" latinLnBrk="0" hangingPunct="1">
+              <a:defRPr sz="1800" kern="1200">
+                <a:solidFill>
+                  <a:schemeClr val="tx1"/>
+                </a:solidFill>
+                <a:latin typeface="+mn-lt"/>
+                <a:ea typeface="+mn-ea"/>
+                <a:cs typeface="+mn-cs"/>
+              </a:defRPr>
+            </a:lvl2pPr>
+            <a:lvl3pPr marL="914400" algn="l" defTabSz="914400" rtl="0" eaLnBrk="1" latinLnBrk="0" hangingPunct="1">
+              <a:defRPr sz="1800" kern="1200">
+                <a:solidFill>
+                  <a:schemeClr val="tx1"/>
+                </a:solidFill>
+                <a:latin typeface="+mn-lt"/>
+                <a:ea typeface="+mn-ea"/>
+                <a:cs typeface="+mn-cs"/>
+              </a:defRPr>
+            </a:lvl3pPr>
+            <a:lvl4pPr marL="1371600" algn="l" defTabSz="914400" rtl="0" eaLnBrk="1" latinLnBrk="0" hangingPunct="1">
+              <a:defRPr sz="1800" kern="1200">
+                <a:solidFill>
+                  <a:schemeClr val="tx1"/>
+                </a:solidFill>
+                <a:latin typeface="+mn-lt"/>
+                <a:ea typeface="+mn-ea"/>
+                <a:cs typeface="+mn-cs"/>
+              </a:defRPr>
+            </a:lvl4pPr>
+            <a:lvl5pPr marL="1828800" algn="l" defTabSz="914400" rtl="0" eaLnBrk="1" latinLnBrk="0" hangingPunct="1">
+              <a:defRPr sz="1800" kern="1200">
+                <a:solidFill>
+                  <a:schemeClr val="tx1"/>
+                </a:solidFill>
+                <a:latin typeface="+mn-lt"/>
+                <a:ea typeface="+mn-ea"/>
+                <a:cs typeface="+mn-cs"/>
+              </a:defRPr>
+            </a:lvl5pPr>
+            <a:lvl6pPr marL="2286000" algn="l" defTabSz="914400" rtl="0" eaLnBrk="1" latinLnBrk="0" hangingPunct="1">
+              <a:defRPr sz="1800" kern="1200">
+                <a:solidFill>
+                  <a:schemeClr val="tx1"/>
+                </a:solidFill>
+                <a:latin typeface="+mn-lt"/>
+                <a:ea typeface="+mn-ea"/>
+                <a:cs typeface="+mn-cs"/>
+              </a:defRPr>
+            </a:lvl6pPr>
+            <a:lvl7pPr marL="2743200" algn="l" defTabSz="914400" rtl="0" eaLnBrk="1" latinLnBrk="0" hangingPunct="1">
+              <a:defRPr sz="1800" kern="1200">
+                <a:solidFill>
+                  <a:schemeClr val="tx1"/>
+                </a:solidFill>
+                <a:latin typeface="+mn-lt"/>
+                <a:ea typeface="+mn-ea"/>
+                <a:cs typeface="+mn-cs"/>
+              </a:defRPr>
+            </a:lvl7pPr>
+            <a:lvl8pPr marL="3200400" algn="l" defTabSz="914400" rtl="0" eaLnBrk="1" latinLnBrk="0" hangingPunct="1">
+              <a:defRPr sz="1800" kern="1200">
+                <a:solidFill>
+                  <a:schemeClr val="tx1"/>
+                </a:solidFill>
+                <a:latin typeface="+mn-lt"/>
+                <a:ea typeface="+mn-ea"/>
+                <a:cs typeface="+mn-cs"/>
+              </a:defRPr>
+            </a:lvl8pPr>
+            <a:lvl9pPr marL="3657600" algn="l" defTabSz="914400" rtl="0" eaLnBrk="1" latinLnBrk="0" hangingPunct="1">
+              <a:defRPr sz="1800" kern="1200">
+                <a:solidFill>
+                  <a:schemeClr val="tx1"/>
+                </a:solidFill>
+                <a:latin typeface="+mn-lt"/>
+                <a:ea typeface="+mn-ea"/>
+                <a:cs typeface="+mn-cs"/>
+              </a:defRPr>
+            </a:lvl9pPr>
+          </a:lstStyle>
+          <a:p>
+            <a:r>
+              <a:rPr lang="en-US" b="1" dirty="0">
+                <a:solidFill>
+                  <a:srgbClr val="FF0000"/>
                 </a:solidFill>
               </a:rPr>
-              <a:t>*</a:t>
-            </a:r>
-            <a:endParaRPr lang="en-US" dirty="0">
-              <a:solidFill>
-                <a:schemeClr val="accent1"/>
-              </a:solidFill>
-            </a:endParaRPr>
-          </a:p>
-        </p:txBody>
-      </p:sp>
-      <p:sp>
-        <p:nvSpPr>
-          <p:cNvPr id="90" name="TextBox 89"/>
+              <a:t>1</a:t>
+            </a:r>
+          </a:p>
+        </p:txBody>
+      </p:sp>
+      <p:sp>
+        <p:nvSpPr>
+          <p:cNvPr id="126" name="TextBox 18">
+            <a:extLst>
+              <a:ext uri="{FF2B5EF4-FFF2-40B4-BE49-F238E27FC236}">
+                <a16:creationId xmlns:a16="http://schemas.microsoft.com/office/drawing/2014/main" id="{64A5AD72-4AD3-4743-B3FF-1BF8D183F8E7}"/>
+              </a:ext>
+            </a:extLst>
+          </p:cNvPr>
           <p:cNvSpPr txBox="1"/>
           <p:nvPr/>
         </p:nvSpPr>
         <p:spPr>
           <a:xfrm>
-            <a:off x="5149269" y="878302"/>
+            <a:off x="3870766" y="5292243"/>
             <a:ext cx="301686" cy="369332"/>
           </a:xfrm>
           <a:prstGeom prst="rect">
@@ -4546,33 +4028,128 @@
           <a:bodyPr wrap="none" rtlCol="0">
             <a:spAutoFit/>
           </a:bodyPr>
-          <a:lstStyle/>
-          <a:p>
-            <a:r>
-              <a:rPr lang="en-US" dirty="0" smtClean="0">
-                <a:solidFill>
-                  <a:schemeClr val="accent1"/>
+          <a:lstStyle>
+            <a:defPPr>
+              <a:defRPr lang="en-US"/>
+            </a:defPPr>
+            <a:lvl1pPr marL="0" algn="l" defTabSz="914400" rtl="0" eaLnBrk="1" latinLnBrk="0" hangingPunct="1">
+              <a:defRPr sz="1800" kern="1200">
+                <a:solidFill>
+                  <a:schemeClr val="tx1"/>
+                </a:solidFill>
+                <a:latin typeface="+mn-lt"/>
+                <a:ea typeface="+mn-ea"/>
+                <a:cs typeface="+mn-cs"/>
+              </a:defRPr>
+            </a:lvl1pPr>
+            <a:lvl2pPr marL="457200" algn="l" defTabSz="914400" rtl="0" eaLnBrk="1" latinLnBrk="0" hangingPunct="1">
+              <a:defRPr sz="1800" kern="1200">
+                <a:solidFill>
+                  <a:schemeClr val="tx1"/>
+                </a:solidFill>
+                <a:latin typeface="+mn-lt"/>
+                <a:ea typeface="+mn-ea"/>
+                <a:cs typeface="+mn-cs"/>
+              </a:defRPr>
+            </a:lvl2pPr>
+            <a:lvl3pPr marL="914400" algn="l" defTabSz="914400" rtl="0" eaLnBrk="1" latinLnBrk="0" hangingPunct="1">
+              <a:defRPr sz="1800" kern="1200">
+                <a:solidFill>
+                  <a:schemeClr val="tx1"/>
+                </a:solidFill>
+                <a:latin typeface="+mn-lt"/>
+                <a:ea typeface="+mn-ea"/>
+                <a:cs typeface="+mn-cs"/>
+              </a:defRPr>
+            </a:lvl3pPr>
+            <a:lvl4pPr marL="1371600" algn="l" defTabSz="914400" rtl="0" eaLnBrk="1" latinLnBrk="0" hangingPunct="1">
+              <a:defRPr sz="1800" kern="1200">
+                <a:solidFill>
+                  <a:schemeClr val="tx1"/>
+                </a:solidFill>
+                <a:latin typeface="+mn-lt"/>
+                <a:ea typeface="+mn-ea"/>
+                <a:cs typeface="+mn-cs"/>
+              </a:defRPr>
+            </a:lvl4pPr>
+            <a:lvl5pPr marL="1828800" algn="l" defTabSz="914400" rtl="0" eaLnBrk="1" latinLnBrk="0" hangingPunct="1">
+              <a:defRPr sz="1800" kern="1200">
+                <a:solidFill>
+                  <a:schemeClr val="tx1"/>
+                </a:solidFill>
+                <a:latin typeface="+mn-lt"/>
+                <a:ea typeface="+mn-ea"/>
+                <a:cs typeface="+mn-cs"/>
+              </a:defRPr>
+            </a:lvl5pPr>
+            <a:lvl6pPr marL="2286000" algn="l" defTabSz="914400" rtl="0" eaLnBrk="1" latinLnBrk="0" hangingPunct="1">
+              <a:defRPr sz="1800" kern="1200">
+                <a:solidFill>
+                  <a:schemeClr val="tx1"/>
+                </a:solidFill>
+                <a:latin typeface="+mn-lt"/>
+                <a:ea typeface="+mn-ea"/>
+                <a:cs typeface="+mn-cs"/>
+              </a:defRPr>
+            </a:lvl6pPr>
+            <a:lvl7pPr marL="2743200" algn="l" defTabSz="914400" rtl="0" eaLnBrk="1" latinLnBrk="0" hangingPunct="1">
+              <a:defRPr sz="1800" kern="1200">
+                <a:solidFill>
+                  <a:schemeClr val="tx1"/>
+                </a:solidFill>
+                <a:latin typeface="+mn-lt"/>
+                <a:ea typeface="+mn-ea"/>
+                <a:cs typeface="+mn-cs"/>
+              </a:defRPr>
+            </a:lvl7pPr>
+            <a:lvl8pPr marL="3200400" algn="l" defTabSz="914400" rtl="0" eaLnBrk="1" latinLnBrk="0" hangingPunct="1">
+              <a:defRPr sz="1800" kern="1200">
+                <a:solidFill>
+                  <a:schemeClr val="tx1"/>
+                </a:solidFill>
+                <a:latin typeface="+mn-lt"/>
+                <a:ea typeface="+mn-ea"/>
+                <a:cs typeface="+mn-cs"/>
+              </a:defRPr>
+            </a:lvl8pPr>
+            <a:lvl9pPr marL="3657600" algn="l" defTabSz="914400" rtl="0" eaLnBrk="1" latinLnBrk="0" hangingPunct="1">
+              <a:defRPr sz="1800" kern="1200">
+                <a:solidFill>
+                  <a:schemeClr val="tx1"/>
+                </a:solidFill>
+                <a:latin typeface="+mn-lt"/>
+                <a:ea typeface="+mn-ea"/>
+                <a:cs typeface="+mn-cs"/>
+              </a:defRPr>
+            </a:lvl9pPr>
+          </a:lstStyle>
+          <a:p>
+            <a:r>
+              <a:rPr lang="en-US" b="1" dirty="0">
+                <a:solidFill>
+                  <a:srgbClr val="FF0000"/>
                 </a:solidFill>
               </a:rPr>
               <a:t>1</a:t>
             </a:r>
-            <a:endParaRPr lang="en-US" dirty="0">
-              <a:solidFill>
-                <a:schemeClr val="accent1"/>
-              </a:solidFill>
-            </a:endParaRPr>
-          </a:p>
-        </p:txBody>
-      </p:sp>
-      <p:sp>
-        <p:nvSpPr>
-          <p:cNvPr id="91" name="TextBox 90"/>
+          </a:p>
+        </p:txBody>
+      </p:sp>
+      <p:sp>
+        <p:nvSpPr>
+          <p:cNvPr id="127" name="TextBox 19">
+            <a:extLst>
+              <a:ext uri="{FF2B5EF4-FFF2-40B4-BE49-F238E27FC236}">
+                <a16:creationId xmlns:a16="http://schemas.microsoft.com/office/drawing/2014/main" id="{A1DF57E4-3A59-48E6-8C50-B769C92FD7F9}"/>
+              </a:ext>
+            </a:extLst>
+          </p:cNvPr>
           <p:cNvSpPr txBox="1"/>
           <p:nvPr/>
         </p:nvSpPr>
         <p:spPr>
           <a:xfrm>
-            <a:off x="5640579" y="915903"/>
+            <a:off x="7994040" y="5270570"/>
             <a:ext cx="301686" cy="369332"/>
           </a:xfrm>
           <a:prstGeom prst="rect">
@@ -4584,33 +4161,128 @@
           <a:bodyPr wrap="none" rtlCol="0">
             <a:spAutoFit/>
           </a:bodyPr>
-          <a:lstStyle/>
-          <a:p>
-            <a:r>
-              <a:rPr lang="en-US" dirty="0" smtClean="0">
-                <a:solidFill>
-                  <a:schemeClr val="accent1"/>
+          <a:lstStyle>
+            <a:defPPr>
+              <a:defRPr lang="en-US"/>
+            </a:defPPr>
+            <a:lvl1pPr marL="0" algn="l" defTabSz="914400" rtl="0" eaLnBrk="1" latinLnBrk="0" hangingPunct="1">
+              <a:defRPr sz="1800" kern="1200">
+                <a:solidFill>
+                  <a:schemeClr val="tx1"/>
+                </a:solidFill>
+                <a:latin typeface="+mn-lt"/>
+                <a:ea typeface="+mn-ea"/>
+                <a:cs typeface="+mn-cs"/>
+              </a:defRPr>
+            </a:lvl1pPr>
+            <a:lvl2pPr marL="457200" algn="l" defTabSz="914400" rtl="0" eaLnBrk="1" latinLnBrk="0" hangingPunct="1">
+              <a:defRPr sz="1800" kern="1200">
+                <a:solidFill>
+                  <a:schemeClr val="tx1"/>
+                </a:solidFill>
+                <a:latin typeface="+mn-lt"/>
+                <a:ea typeface="+mn-ea"/>
+                <a:cs typeface="+mn-cs"/>
+              </a:defRPr>
+            </a:lvl2pPr>
+            <a:lvl3pPr marL="914400" algn="l" defTabSz="914400" rtl="0" eaLnBrk="1" latinLnBrk="0" hangingPunct="1">
+              <a:defRPr sz="1800" kern="1200">
+                <a:solidFill>
+                  <a:schemeClr val="tx1"/>
+                </a:solidFill>
+                <a:latin typeface="+mn-lt"/>
+                <a:ea typeface="+mn-ea"/>
+                <a:cs typeface="+mn-cs"/>
+              </a:defRPr>
+            </a:lvl3pPr>
+            <a:lvl4pPr marL="1371600" algn="l" defTabSz="914400" rtl="0" eaLnBrk="1" latinLnBrk="0" hangingPunct="1">
+              <a:defRPr sz="1800" kern="1200">
+                <a:solidFill>
+                  <a:schemeClr val="tx1"/>
+                </a:solidFill>
+                <a:latin typeface="+mn-lt"/>
+                <a:ea typeface="+mn-ea"/>
+                <a:cs typeface="+mn-cs"/>
+              </a:defRPr>
+            </a:lvl4pPr>
+            <a:lvl5pPr marL="1828800" algn="l" defTabSz="914400" rtl="0" eaLnBrk="1" latinLnBrk="0" hangingPunct="1">
+              <a:defRPr sz="1800" kern="1200">
+                <a:solidFill>
+                  <a:schemeClr val="tx1"/>
+                </a:solidFill>
+                <a:latin typeface="+mn-lt"/>
+                <a:ea typeface="+mn-ea"/>
+                <a:cs typeface="+mn-cs"/>
+              </a:defRPr>
+            </a:lvl5pPr>
+            <a:lvl6pPr marL="2286000" algn="l" defTabSz="914400" rtl="0" eaLnBrk="1" latinLnBrk="0" hangingPunct="1">
+              <a:defRPr sz="1800" kern="1200">
+                <a:solidFill>
+                  <a:schemeClr val="tx1"/>
+                </a:solidFill>
+                <a:latin typeface="+mn-lt"/>
+                <a:ea typeface="+mn-ea"/>
+                <a:cs typeface="+mn-cs"/>
+              </a:defRPr>
+            </a:lvl6pPr>
+            <a:lvl7pPr marL="2743200" algn="l" defTabSz="914400" rtl="0" eaLnBrk="1" latinLnBrk="0" hangingPunct="1">
+              <a:defRPr sz="1800" kern="1200">
+                <a:solidFill>
+                  <a:schemeClr val="tx1"/>
+                </a:solidFill>
+                <a:latin typeface="+mn-lt"/>
+                <a:ea typeface="+mn-ea"/>
+                <a:cs typeface="+mn-cs"/>
+              </a:defRPr>
+            </a:lvl7pPr>
+            <a:lvl8pPr marL="3200400" algn="l" defTabSz="914400" rtl="0" eaLnBrk="1" latinLnBrk="0" hangingPunct="1">
+              <a:defRPr sz="1800" kern="1200">
+                <a:solidFill>
+                  <a:schemeClr val="tx1"/>
+                </a:solidFill>
+                <a:latin typeface="+mn-lt"/>
+                <a:ea typeface="+mn-ea"/>
+                <a:cs typeface="+mn-cs"/>
+              </a:defRPr>
+            </a:lvl8pPr>
+            <a:lvl9pPr marL="3657600" algn="l" defTabSz="914400" rtl="0" eaLnBrk="1" latinLnBrk="0" hangingPunct="1">
+              <a:defRPr sz="1800" kern="1200">
+                <a:solidFill>
+                  <a:schemeClr val="tx1"/>
+                </a:solidFill>
+                <a:latin typeface="+mn-lt"/>
+                <a:ea typeface="+mn-ea"/>
+                <a:cs typeface="+mn-cs"/>
+              </a:defRPr>
+            </a:lvl9pPr>
+          </a:lstStyle>
+          <a:p>
+            <a:r>
+              <a:rPr lang="en-US" b="1" dirty="0">
+                <a:solidFill>
+                  <a:srgbClr val="FF0000"/>
                 </a:solidFill>
               </a:rPr>
-              <a:t>*</a:t>
-            </a:r>
-            <a:endParaRPr lang="en-US" dirty="0">
-              <a:solidFill>
-                <a:schemeClr val="accent1"/>
-              </a:solidFill>
-            </a:endParaRPr>
-          </a:p>
-        </p:txBody>
-      </p:sp>
-      <p:sp>
-        <p:nvSpPr>
-          <p:cNvPr id="92" name="TextBox 91"/>
+              <a:t>1</a:t>
+            </a:r>
+          </a:p>
+        </p:txBody>
+      </p:sp>
+      <p:sp>
+        <p:nvSpPr>
+          <p:cNvPr id="128" name="TextBox 20">
+            <a:extLst>
+              <a:ext uri="{FF2B5EF4-FFF2-40B4-BE49-F238E27FC236}">
+                <a16:creationId xmlns:a16="http://schemas.microsoft.com/office/drawing/2014/main" id="{1BA27125-F6D8-4FA1-9039-608A11EF591F}"/>
+              </a:ext>
+            </a:extLst>
+          </p:cNvPr>
           <p:cNvSpPr txBox="1"/>
           <p:nvPr/>
         </p:nvSpPr>
         <p:spPr>
           <a:xfrm>
-            <a:off x="8899781" y="888691"/>
+            <a:off x="3895355" y="1778414"/>
             <a:ext cx="301686" cy="369332"/>
           </a:xfrm>
           <a:prstGeom prst="rect">
@@ -4622,34 +4294,129 @@
           <a:bodyPr wrap="none" rtlCol="0">
             <a:spAutoFit/>
           </a:bodyPr>
-          <a:lstStyle/>
-          <a:p>
-            <a:r>
-              <a:rPr lang="en-US" dirty="0" smtClean="0">
-                <a:solidFill>
-                  <a:schemeClr val="accent1"/>
+          <a:lstStyle>
+            <a:defPPr>
+              <a:defRPr lang="en-US"/>
+            </a:defPPr>
+            <a:lvl1pPr marL="0" algn="l" defTabSz="914400" rtl="0" eaLnBrk="1" latinLnBrk="0" hangingPunct="1">
+              <a:defRPr sz="1800" kern="1200">
+                <a:solidFill>
+                  <a:schemeClr val="tx1"/>
+                </a:solidFill>
+                <a:latin typeface="+mn-lt"/>
+                <a:ea typeface="+mn-ea"/>
+                <a:cs typeface="+mn-cs"/>
+              </a:defRPr>
+            </a:lvl1pPr>
+            <a:lvl2pPr marL="457200" algn="l" defTabSz="914400" rtl="0" eaLnBrk="1" latinLnBrk="0" hangingPunct="1">
+              <a:defRPr sz="1800" kern="1200">
+                <a:solidFill>
+                  <a:schemeClr val="tx1"/>
+                </a:solidFill>
+                <a:latin typeface="+mn-lt"/>
+                <a:ea typeface="+mn-ea"/>
+                <a:cs typeface="+mn-cs"/>
+              </a:defRPr>
+            </a:lvl2pPr>
+            <a:lvl3pPr marL="914400" algn="l" defTabSz="914400" rtl="0" eaLnBrk="1" latinLnBrk="0" hangingPunct="1">
+              <a:defRPr sz="1800" kern="1200">
+                <a:solidFill>
+                  <a:schemeClr val="tx1"/>
+                </a:solidFill>
+                <a:latin typeface="+mn-lt"/>
+                <a:ea typeface="+mn-ea"/>
+                <a:cs typeface="+mn-cs"/>
+              </a:defRPr>
+            </a:lvl3pPr>
+            <a:lvl4pPr marL="1371600" algn="l" defTabSz="914400" rtl="0" eaLnBrk="1" latinLnBrk="0" hangingPunct="1">
+              <a:defRPr sz="1800" kern="1200">
+                <a:solidFill>
+                  <a:schemeClr val="tx1"/>
+                </a:solidFill>
+                <a:latin typeface="+mn-lt"/>
+                <a:ea typeface="+mn-ea"/>
+                <a:cs typeface="+mn-cs"/>
+              </a:defRPr>
+            </a:lvl4pPr>
+            <a:lvl5pPr marL="1828800" algn="l" defTabSz="914400" rtl="0" eaLnBrk="1" latinLnBrk="0" hangingPunct="1">
+              <a:defRPr sz="1800" kern="1200">
+                <a:solidFill>
+                  <a:schemeClr val="tx1"/>
+                </a:solidFill>
+                <a:latin typeface="+mn-lt"/>
+                <a:ea typeface="+mn-ea"/>
+                <a:cs typeface="+mn-cs"/>
+              </a:defRPr>
+            </a:lvl5pPr>
+            <a:lvl6pPr marL="2286000" algn="l" defTabSz="914400" rtl="0" eaLnBrk="1" latinLnBrk="0" hangingPunct="1">
+              <a:defRPr sz="1800" kern="1200">
+                <a:solidFill>
+                  <a:schemeClr val="tx1"/>
+                </a:solidFill>
+                <a:latin typeface="+mn-lt"/>
+                <a:ea typeface="+mn-ea"/>
+                <a:cs typeface="+mn-cs"/>
+              </a:defRPr>
+            </a:lvl6pPr>
+            <a:lvl7pPr marL="2743200" algn="l" defTabSz="914400" rtl="0" eaLnBrk="1" latinLnBrk="0" hangingPunct="1">
+              <a:defRPr sz="1800" kern="1200">
+                <a:solidFill>
+                  <a:schemeClr val="tx1"/>
+                </a:solidFill>
+                <a:latin typeface="+mn-lt"/>
+                <a:ea typeface="+mn-ea"/>
+                <a:cs typeface="+mn-cs"/>
+              </a:defRPr>
+            </a:lvl7pPr>
+            <a:lvl8pPr marL="3200400" algn="l" defTabSz="914400" rtl="0" eaLnBrk="1" latinLnBrk="0" hangingPunct="1">
+              <a:defRPr sz="1800" kern="1200">
+                <a:solidFill>
+                  <a:schemeClr val="tx1"/>
+                </a:solidFill>
+                <a:latin typeface="+mn-lt"/>
+                <a:ea typeface="+mn-ea"/>
+                <a:cs typeface="+mn-cs"/>
+              </a:defRPr>
+            </a:lvl8pPr>
+            <a:lvl9pPr marL="3657600" algn="l" defTabSz="914400" rtl="0" eaLnBrk="1" latinLnBrk="0" hangingPunct="1">
+              <a:defRPr sz="1800" kern="1200">
+                <a:solidFill>
+                  <a:schemeClr val="tx1"/>
+                </a:solidFill>
+                <a:latin typeface="+mn-lt"/>
+                <a:ea typeface="+mn-ea"/>
+                <a:cs typeface="+mn-cs"/>
+              </a:defRPr>
+            </a:lvl9pPr>
+          </a:lstStyle>
+          <a:p>
+            <a:r>
+              <a:rPr lang="en-US" b="1" dirty="0">
+                <a:solidFill>
+                  <a:srgbClr val="FF0000"/>
                 </a:solidFill>
               </a:rPr>
               <a:t>1</a:t>
             </a:r>
-            <a:endParaRPr lang="en-US" dirty="0">
-              <a:solidFill>
-                <a:schemeClr val="accent1"/>
-              </a:solidFill>
-            </a:endParaRPr>
-          </a:p>
-        </p:txBody>
-      </p:sp>
-      <p:sp>
-        <p:nvSpPr>
-          <p:cNvPr id="93" name="TextBox 92"/>
+          </a:p>
+        </p:txBody>
+      </p:sp>
+      <p:sp>
+        <p:nvSpPr>
+          <p:cNvPr id="129" name="TextBox 21">
+            <a:extLst>
+              <a:ext uri="{FF2B5EF4-FFF2-40B4-BE49-F238E27FC236}">
+                <a16:creationId xmlns:a16="http://schemas.microsoft.com/office/drawing/2014/main" id="{06DD7260-0D48-4E9B-A344-82FB0349D313}"/>
+              </a:ext>
+            </a:extLst>
+          </p:cNvPr>
           <p:cNvSpPr txBox="1"/>
           <p:nvPr/>
         </p:nvSpPr>
         <p:spPr>
           <a:xfrm>
-            <a:off x="7897559" y="927118"/>
-            <a:ext cx="301686" cy="369332"/>
+            <a:off x="8009488" y="4668430"/>
+            <a:ext cx="300082" cy="369332"/>
           </a:xfrm>
           <a:prstGeom prst="rect">
             <a:avLst/>
@@ -4660,741 +4427,110 @@
           <a:bodyPr wrap="none" rtlCol="0">
             <a:spAutoFit/>
           </a:bodyPr>
-          <a:lstStyle/>
-          <a:p>
-            <a:r>
-              <a:rPr lang="en-US" dirty="0" smtClean="0">
-                <a:solidFill>
-                  <a:schemeClr val="accent1"/>
+          <a:lstStyle>
+            <a:defPPr>
+              <a:defRPr lang="en-US"/>
+            </a:defPPr>
+            <a:lvl1pPr marL="0" algn="l" defTabSz="914400" rtl="0" eaLnBrk="1" latinLnBrk="0" hangingPunct="1">
+              <a:defRPr sz="1800" kern="1200">
+                <a:solidFill>
+                  <a:schemeClr val="tx1"/>
+                </a:solidFill>
+                <a:latin typeface="+mn-lt"/>
+                <a:ea typeface="+mn-ea"/>
+                <a:cs typeface="+mn-cs"/>
+              </a:defRPr>
+            </a:lvl1pPr>
+            <a:lvl2pPr marL="457200" algn="l" defTabSz="914400" rtl="0" eaLnBrk="1" latinLnBrk="0" hangingPunct="1">
+              <a:defRPr sz="1800" kern="1200">
+                <a:solidFill>
+                  <a:schemeClr val="tx1"/>
+                </a:solidFill>
+                <a:latin typeface="+mn-lt"/>
+                <a:ea typeface="+mn-ea"/>
+                <a:cs typeface="+mn-cs"/>
+              </a:defRPr>
+            </a:lvl2pPr>
+            <a:lvl3pPr marL="914400" algn="l" defTabSz="914400" rtl="0" eaLnBrk="1" latinLnBrk="0" hangingPunct="1">
+              <a:defRPr sz="1800" kern="1200">
+                <a:solidFill>
+                  <a:schemeClr val="tx1"/>
+                </a:solidFill>
+                <a:latin typeface="+mn-lt"/>
+                <a:ea typeface="+mn-ea"/>
+                <a:cs typeface="+mn-cs"/>
+              </a:defRPr>
+            </a:lvl3pPr>
+            <a:lvl4pPr marL="1371600" algn="l" defTabSz="914400" rtl="0" eaLnBrk="1" latinLnBrk="0" hangingPunct="1">
+              <a:defRPr sz="1800" kern="1200">
+                <a:solidFill>
+                  <a:schemeClr val="tx1"/>
+                </a:solidFill>
+                <a:latin typeface="+mn-lt"/>
+                <a:ea typeface="+mn-ea"/>
+                <a:cs typeface="+mn-cs"/>
+              </a:defRPr>
+            </a:lvl4pPr>
+            <a:lvl5pPr marL="1828800" algn="l" defTabSz="914400" rtl="0" eaLnBrk="1" latinLnBrk="0" hangingPunct="1">
+              <a:defRPr sz="1800" kern="1200">
+                <a:solidFill>
+                  <a:schemeClr val="tx1"/>
+                </a:solidFill>
+                <a:latin typeface="+mn-lt"/>
+                <a:ea typeface="+mn-ea"/>
+                <a:cs typeface="+mn-cs"/>
+              </a:defRPr>
+            </a:lvl5pPr>
+            <a:lvl6pPr marL="2286000" algn="l" defTabSz="914400" rtl="0" eaLnBrk="1" latinLnBrk="0" hangingPunct="1">
+              <a:defRPr sz="1800" kern="1200">
+                <a:solidFill>
+                  <a:schemeClr val="tx1"/>
+                </a:solidFill>
+                <a:latin typeface="+mn-lt"/>
+                <a:ea typeface="+mn-ea"/>
+                <a:cs typeface="+mn-cs"/>
+              </a:defRPr>
+            </a:lvl6pPr>
+            <a:lvl7pPr marL="2743200" algn="l" defTabSz="914400" rtl="0" eaLnBrk="1" latinLnBrk="0" hangingPunct="1">
+              <a:defRPr sz="1800" kern="1200">
+                <a:solidFill>
+                  <a:schemeClr val="tx1"/>
+                </a:solidFill>
+                <a:latin typeface="+mn-lt"/>
+                <a:ea typeface="+mn-ea"/>
+                <a:cs typeface="+mn-cs"/>
+              </a:defRPr>
+            </a:lvl7pPr>
+            <a:lvl8pPr marL="3200400" algn="l" defTabSz="914400" rtl="0" eaLnBrk="1" latinLnBrk="0" hangingPunct="1">
+              <a:defRPr sz="1800" kern="1200">
+                <a:solidFill>
+                  <a:schemeClr val="tx1"/>
+                </a:solidFill>
+                <a:latin typeface="+mn-lt"/>
+                <a:ea typeface="+mn-ea"/>
+                <a:cs typeface="+mn-cs"/>
+              </a:defRPr>
+            </a:lvl8pPr>
+            <a:lvl9pPr marL="3657600" algn="l" defTabSz="914400" rtl="0" eaLnBrk="1" latinLnBrk="0" hangingPunct="1">
+              <a:defRPr sz="1800" kern="1200">
+                <a:solidFill>
+                  <a:schemeClr val="tx1"/>
+                </a:solidFill>
+                <a:latin typeface="+mn-lt"/>
+                <a:ea typeface="+mn-ea"/>
+                <a:cs typeface="+mn-cs"/>
+              </a:defRPr>
+            </a:lvl9pPr>
+          </a:lstStyle>
+          <a:p>
+            <a:r>
+              <a:rPr lang="en-US" b="1" dirty="0">
+                <a:solidFill>
+                  <a:srgbClr val="FF0000"/>
                 </a:solidFill>
               </a:rPr>
               <a:t>*</a:t>
             </a:r>
-            <a:endParaRPr lang="en-US" dirty="0">
-              <a:solidFill>
-                <a:schemeClr val="accent1"/>
-              </a:solidFill>
-            </a:endParaRPr>
-          </a:p>
-        </p:txBody>
-      </p:sp>
-      <p:sp>
-        <p:nvSpPr>
-          <p:cNvPr id="94" name="TextBox 93"/>
-          <p:cNvSpPr txBox="1"/>
-          <p:nvPr/>
-        </p:nvSpPr>
-        <p:spPr>
-          <a:xfrm>
-            <a:off x="6927562" y="3844734"/>
-            <a:ext cx="301686" cy="369332"/>
-          </a:xfrm>
-          <a:prstGeom prst="rect">
-            <a:avLst/>
-          </a:prstGeom>
-          <a:noFill/>
-        </p:spPr>
-        <p:txBody>
-          <a:bodyPr wrap="none" rtlCol="0">
-            <a:spAutoFit/>
-          </a:bodyPr>
-          <a:lstStyle/>
-          <a:p>
-            <a:r>
-              <a:rPr lang="en-US" dirty="0" smtClean="0">
-                <a:solidFill>
-                  <a:schemeClr val="accent1"/>
-                </a:solidFill>
-              </a:rPr>
-              <a:t>1</a:t>
-            </a:r>
-            <a:endParaRPr lang="en-US" dirty="0">
-              <a:solidFill>
-                <a:schemeClr val="accent1"/>
-              </a:solidFill>
-            </a:endParaRPr>
-          </a:p>
-        </p:txBody>
-      </p:sp>
-      <p:sp>
-        <p:nvSpPr>
-          <p:cNvPr id="95" name="TextBox 94"/>
-          <p:cNvSpPr txBox="1"/>
-          <p:nvPr/>
-        </p:nvSpPr>
-        <p:spPr>
-          <a:xfrm>
-            <a:off x="6909826" y="2690473"/>
-            <a:ext cx="301686" cy="369332"/>
-          </a:xfrm>
-          <a:prstGeom prst="rect">
-            <a:avLst/>
-          </a:prstGeom>
-          <a:noFill/>
-        </p:spPr>
-        <p:txBody>
-          <a:bodyPr wrap="none" rtlCol="0">
-            <a:spAutoFit/>
-          </a:bodyPr>
-          <a:lstStyle/>
-          <a:p>
-            <a:r>
-              <a:rPr lang="en-US" dirty="0" smtClean="0">
-                <a:solidFill>
-                  <a:schemeClr val="accent1"/>
-                </a:solidFill>
-              </a:rPr>
-              <a:t>*</a:t>
-            </a:r>
-            <a:endParaRPr lang="en-US" dirty="0">
-              <a:solidFill>
-                <a:schemeClr val="accent1"/>
-              </a:solidFill>
-            </a:endParaRPr>
-          </a:p>
-        </p:txBody>
-      </p:sp>
-      <p:sp>
-        <p:nvSpPr>
-          <p:cNvPr id="96" name="TextBox 95"/>
-          <p:cNvSpPr txBox="1"/>
-          <p:nvPr/>
-        </p:nvSpPr>
-        <p:spPr>
-          <a:xfrm>
-            <a:off x="1650748" y="2668822"/>
-            <a:ext cx="301686" cy="369332"/>
-          </a:xfrm>
-          <a:prstGeom prst="rect">
-            <a:avLst/>
-          </a:prstGeom>
-          <a:noFill/>
-        </p:spPr>
-        <p:txBody>
-          <a:bodyPr wrap="none" rtlCol="0">
-            <a:spAutoFit/>
-          </a:bodyPr>
-          <a:lstStyle/>
-          <a:p>
-            <a:r>
-              <a:rPr lang="en-US" dirty="0" smtClean="0">
-                <a:solidFill>
-                  <a:schemeClr val="accent1"/>
-                </a:solidFill>
-              </a:rPr>
-              <a:t>*</a:t>
-            </a:r>
-            <a:endParaRPr lang="en-US" dirty="0">
-              <a:solidFill>
-                <a:schemeClr val="accent1"/>
-              </a:solidFill>
-            </a:endParaRPr>
-          </a:p>
-        </p:txBody>
-      </p:sp>
-      <p:sp>
-        <p:nvSpPr>
-          <p:cNvPr id="97" name="TextBox 96"/>
-          <p:cNvSpPr txBox="1"/>
-          <p:nvPr/>
-        </p:nvSpPr>
-        <p:spPr>
-          <a:xfrm>
-            <a:off x="1667685" y="3821834"/>
-            <a:ext cx="301686" cy="369332"/>
-          </a:xfrm>
-          <a:prstGeom prst="rect">
-            <a:avLst/>
-          </a:prstGeom>
-          <a:noFill/>
-        </p:spPr>
-        <p:txBody>
-          <a:bodyPr wrap="none" rtlCol="0">
-            <a:spAutoFit/>
-          </a:bodyPr>
-          <a:lstStyle/>
-          <a:p>
-            <a:r>
-              <a:rPr lang="en-US" dirty="0" smtClean="0">
-                <a:solidFill>
-                  <a:schemeClr val="accent1"/>
-                </a:solidFill>
-              </a:rPr>
-              <a:t>1</a:t>
-            </a:r>
-            <a:endParaRPr lang="en-US" dirty="0">
-              <a:solidFill>
-                <a:schemeClr val="accent1"/>
-              </a:solidFill>
-            </a:endParaRPr>
-          </a:p>
-        </p:txBody>
-      </p:sp>
-      <p:sp>
-        <p:nvSpPr>
-          <p:cNvPr id="98" name="TextBox 97"/>
-          <p:cNvSpPr txBox="1"/>
-          <p:nvPr/>
-        </p:nvSpPr>
-        <p:spPr>
-          <a:xfrm>
-            <a:off x="577750" y="830929"/>
-            <a:ext cx="405880" cy="338554"/>
-          </a:xfrm>
-          <a:prstGeom prst="rect">
-            <a:avLst/>
-          </a:prstGeom>
-          <a:noFill/>
-        </p:spPr>
-        <p:txBody>
-          <a:bodyPr wrap="none" rtlCol="0">
-            <a:spAutoFit/>
-          </a:bodyPr>
-          <a:lstStyle/>
-          <a:p>
-            <a:r>
-              <a:rPr lang="en-US" sz="1600" b="1" dirty="0" smtClean="0">
-                <a:solidFill>
-                  <a:schemeClr val="accent2"/>
-                </a:solidFill>
-              </a:rPr>
-              <a:t>PK</a:t>
-            </a:r>
-            <a:endParaRPr lang="en-US" sz="1600" b="1" dirty="0">
-              <a:solidFill>
-                <a:schemeClr val="accent2"/>
-              </a:solidFill>
-            </a:endParaRPr>
-          </a:p>
-        </p:txBody>
-      </p:sp>
-      <p:sp>
-        <p:nvSpPr>
-          <p:cNvPr id="99" name="TextBox 98"/>
-          <p:cNvSpPr txBox="1"/>
-          <p:nvPr/>
-        </p:nvSpPr>
-        <p:spPr>
-          <a:xfrm>
-            <a:off x="587580" y="4800199"/>
-            <a:ext cx="405880" cy="338554"/>
-          </a:xfrm>
-          <a:prstGeom prst="rect">
-            <a:avLst/>
-          </a:prstGeom>
-          <a:noFill/>
-        </p:spPr>
-        <p:txBody>
-          <a:bodyPr wrap="none" rtlCol="0">
-            <a:spAutoFit/>
-          </a:bodyPr>
-          <a:lstStyle/>
-          <a:p>
-            <a:r>
-              <a:rPr lang="en-US" sz="1600" b="1" dirty="0" smtClean="0">
-                <a:solidFill>
-                  <a:schemeClr val="accent2"/>
-                </a:solidFill>
-              </a:rPr>
-              <a:t>PK</a:t>
-            </a:r>
-            <a:endParaRPr lang="en-US" sz="1600" b="1" dirty="0">
-              <a:solidFill>
-                <a:schemeClr val="accent2"/>
-              </a:solidFill>
-            </a:endParaRPr>
-          </a:p>
-        </p:txBody>
-      </p:sp>
-      <p:sp>
-        <p:nvSpPr>
-          <p:cNvPr id="100" name="TextBox 99"/>
-          <p:cNvSpPr txBox="1"/>
-          <p:nvPr/>
-        </p:nvSpPr>
-        <p:spPr>
-          <a:xfrm>
-            <a:off x="3273405" y="811222"/>
-            <a:ext cx="405880" cy="338554"/>
-          </a:xfrm>
-          <a:prstGeom prst="rect">
-            <a:avLst/>
-          </a:prstGeom>
-          <a:noFill/>
-        </p:spPr>
-        <p:txBody>
-          <a:bodyPr wrap="none" rtlCol="0">
-            <a:spAutoFit/>
-          </a:bodyPr>
-          <a:lstStyle/>
-          <a:p>
-            <a:r>
-              <a:rPr lang="en-US" sz="1600" b="1" dirty="0" smtClean="0">
-                <a:solidFill>
-                  <a:schemeClr val="accent2"/>
-                </a:solidFill>
-              </a:rPr>
-              <a:t>PK</a:t>
-            </a:r>
-            <a:endParaRPr lang="en-US" sz="1600" b="1" dirty="0">
-              <a:solidFill>
-                <a:schemeClr val="accent2"/>
-              </a:solidFill>
-            </a:endParaRPr>
-          </a:p>
-        </p:txBody>
-      </p:sp>
-      <p:sp>
-        <p:nvSpPr>
-          <p:cNvPr id="101" name="TextBox 100"/>
-          <p:cNvSpPr txBox="1"/>
-          <p:nvPr/>
-        </p:nvSpPr>
-        <p:spPr>
-          <a:xfrm>
-            <a:off x="5924503" y="821611"/>
-            <a:ext cx="405880" cy="338554"/>
-          </a:xfrm>
-          <a:prstGeom prst="rect">
-            <a:avLst/>
-          </a:prstGeom>
-          <a:noFill/>
-        </p:spPr>
-        <p:txBody>
-          <a:bodyPr wrap="none" rtlCol="0">
-            <a:spAutoFit/>
-          </a:bodyPr>
-          <a:lstStyle/>
-          <a:p>
-            <a:r>
-              <a:rPr lang="en-US" sz="1600" b="1" dirty="0" smtClean="0">
-                <a:solidFill>
-                  <a:schemeClr val="accent2"/>
-                </a:solidFill>
-              </a:rPr>
-              <a:t>PK</a:t>
-            </a:r>
-            <a:endParaRPr lang="en-US" sz="1600" b="1" dirty="0">
-              <a:solidFill>
-                <a:schemeClr val="accent2"/>
-              </a:solidFill>
-            </a:endParaRPr>
-          </a:p>
-        </p:txBody>
-      </p:sp>
-      <p:sp>
-        <p:nvSpPr>
-          <p:cNvPr id="102" name="TextBox 101"/>
-          <p:cNvSpPr txBox="1"/>
-          <p:nvPr/>
-        </p:nvSpPr>
-        <p:spPr>
-          <a:xfrm>
-            <a:off x="9188123" y="783421"/>
-            <a:ext cx="405880" cy="338554"/>
-          </a:xfrm>
-          <a:prstGeom prst="rect">
-            <a:avLst/>
-          </a:prstGeom>
-          <a:noFill/>
-        </p:spPr>
-        <p:txBody>
-          <a:bodyPr wrap="none" rtlCol="0">
-            <a:spAutoFit/>
-          </a:bodyPr>
-          <a:lstStyle/>
-          <a:p>
-            <a:r>
-              <a:rPr lang="en-US" sz="1600" b="1" dirty="0" smtClean="0">
-                <a:solidFill>
-                  <a:schemeClr val="accent2"/>
-                </a:solidFill>
-              </a:rPr>
-              <a:t>PK</a:t>
-            </a:r>
-            <a:endParaRPr lang="en-US" sz="1600" b="1" dirty="0">
-              <a:solidFill>
-                <a:schemeClr val="accent2"/>
-              </a:solidFill>
-            </a:endParaRPr>
-          </a:p>
-        </p:txBody>
-      </p:sp>
-      <p:sp>
-        <p:nvSpPr>
-          <p:cNvPr id="103" name="TextBox 102"/>
-          <p:cNvSpPr txBox="1"/>
-          <p:nvPr/>
-        </p:nvSpPr>
-        <p:spPr>
-          <a:xfrm>
-            <a:off x="6001050" y="4693530"/>
-            <a:ext cx="405880" cy="338554"/>
-          </a:xfrm>
-          <a:prstGeom prst="rect">
-            <a:avLst/>
-          </a:prstGeom>
-          <a:noFill/>
-        </p:spPr>
-        <p:txBody>
-          <a:bodyPr wrap="none" rtlCol="0">
-            <a:spAutoFit/>
-          </a:bodyPr>
-          <a:lstStyle/>
-          <a:p>
-            <a:r>
-              <a:rPr lang="en-US" sz="1600" b="1" dirty="0" smtClean="0">
-                <a:solidFill>
-                  <a:schemeClr val="accent2"/>
-                </a:solidFill>
-              </a:rPr>
-              <a:t>PK</a:t>
-            </a:r>
-            <a:endParaRPr lang="en-US" sz="1600" b="1" dirty="0">
-              <a:solidFill>
-                <a:schemeClr val="accent2"/>
-              </a:solidFill>
-            </a:endParaRPr>
-          </a:p>
-        </p:txBody>
-      </p:sp>
-      <p:sp>
-        <p:nvSpPr>
-          <p:cNvPr id="104" name="TextBox 103"/>
-          <p:cNvSpPr txBox="1"/>
-          <p:nvPr/>
-        </p:nvSpPr>
-        <p:spPr>
-          <a:xfrm>
-            <a:off x="936060" y="1617174"/>
-            <a:ext cx="1002069" cy="369332"/>
-          </a:xfrm>
-          <a:prstGeom prst="rect">
-            <a:avLst/>
-          </a:prstGeom>
-          <a:noFill/>
-        </p:spPr>
-        <p:txBody>
-          <a:bodyPr wrap="none" rtlCol="0">
-            <a:spAutoFit/>
-          </a:bodyPr>
-          <a:lstStyle/>
-          <a:p>
-            <a:r>
-              <a:rPr lang="en-US" dirty="0" smtClean="0"/>
-              <a:t>batch_id</a:t>
-            </a:r>
-            <a:endParaRPr lang="en-US" dirty="0"/>
-          </a:p>
-        </p:txBody>
-      </p:sp>
-      <p:sp>
-        <p:nvSpPr>
-          <p:cNvPr id="105" name="TextBox 104"/>
-          <p:cNvSpPr txBox="1"/>
-          <p:nvPr/>
-        </p:nvSpPr>
-        <p:spPr>
-          <a:xfrm>
-            <a:off x="619753" y="1623472"/>
-            <a:ext cx="391454" cy="338554"/>
-          </a:xfrm>
-          <a:prstGeom prst="rect">
-            <a:avLst/>
-          </a:prstGeom>
-          <a:noFill/>
-        </p:spPr>
-        <p:txBody>
-          <a:bodyPr wrap="none" rtlCol="0">
-            <a:spAutoFit/>
-          </a:bodyPr>
-          <a:lstStyle/>
-          <a:p>
-            <a:r>
-              <a:rPr lang="en-US" sz="1600" b="1" dirty="0" smtClean="0">
-                <a:solidFill>
-                  <a:srgbClr val="7030A0"/>
-                </a:solidFill>
-              </a:rPr>
-              <a:t>FK</a:t>
-            </a:r>
-            <a:endParaRPr lang="en-US" sz="1600" b="1" dirty="0">
-              <a:solidFill>
-                <a:srgbClr val="7030A0"/>
-              </a:solidFill>
-            </a:endParaRPr>
-          </a:p>
-        </p:txBody>
-      </p:sp>
-      <p:sp>
-        <p:nvSpPr>
-          <p:cNvPr id="106" name="TextBox 105"/>
-          <p:cNvSpPr txBox="1"/>
-          <p:nvPr/>
-        </p:nvSpPr>
-        <p:spPr>
-          <a:xfrm>
-            <a:off x="3674846" y="2113379"/>
-            <a:ext cx="915635" cy="369332"/>
-          </a:xfrm>
-          <a:prstGeom prst="rect">
-            <a:avLst/>
-          </a:prstGeom>
-          <a:noFill/>
-        </p:spPr>
-        <p:txBody>
-          <a:bodyPr wrap="none" rtlCol="0">
-            <a:spAutoFit/>
-          </a:bodyPr>
-          <a:lstStyle/>
-          <a:p>
-            <a:r>
-              <a:rPr lang="en-US" dirty="0" smtClean="0"/>
-              <a:t>class_id</a:t>
-            </a:r>
-            <a:endParaRPr lang="en-US" dirty="0"/>
-          </a:p>
-        </p:txBody>
-      </p:sp>
-      <p:sp>
-        <p:nvSpPr>
-          <p:cNvPr id="107" name="TextBox 106"/>
-          <p:cNvSpPr txBox="1"/>
-          <p:nvPr/>
-        </p:nvSpPr>
-        <p:spPr>
-          <a:xfrm>
-            <a:off x="3358539" y="2119677"/>
-            <a:ext cx="391454" cy="338554"/>
-          </a:xfrm>
-          <a:prstGeom prst="rect">
-            <a:avLst/>
-          </a:prstGeom>
-          <a:noFill/>
-        </p:spPr>
-        <p:txBody>
-          <a:bodyPr wrap="none" rtlCol="0">
-            <a:spAutoFit/>
-          </a:bodyPr>
-          <a:lstStyle/>
-          <a:p>
-            <a:r>
-              <a:rPr lang="en-US" sz="1600" b="1" dirty="0" smtClean="0">
-                <a:solidFill>
-                  <a:srgbClr val="7030A0"/>
-                </a:solidFill>
-              </a:rPr>
-              <a:t>FK</a:t>
-            </a:r>
-            <a:endParaRPr lang="en-US" sz="1600" b="1" dirty="0">
-              <a:solidFill>
-                <a:srgbClr val="7030A0"/>
-              </a:solidFill>
-            </a:endParaRPr>
-          </a:p>
-        </p:txBody>
-      </p:sp>
-      <p:sp>
-        <p:nvSpPr>
-          <p:cNvPr id="108" name="TextBox 107"/>
-          <p:cNvSpPr txBox="1"/>
-          <p:nvPr/>
-        </p:nvSpPr>
-        <p:spPr>
-          <a:xfrm>
-            <a:off x="6257853" y="1483685"/>
-            <a:ext cx="1194686" cy="369332"/>
-          </a:xfrm>
-          <a:prstGeom prst="rect">
-            <a:avLst/>
-          </a:prstGeom>
-          <a:noFill/>
-        </p:spPr>
-        <p:txBody>
-          <a:bodyPr wrap="none" rtlCol="0">
-            <a:spAutoFit/>
-          </a:bodyPr>
-          <a:lstStyle/>
-          <a:p>
-            <a:r>
-              <a:rPr lang="en-US" dirty="0" err="1" smtClean="0"/>
-              <a:t>student_id</a:t>
-            </a:r>
-            <a:endParaRPr lang="en-US" dirty="0"/>
-          </a:p>
-        </p:txBody>
-      </p:sp>
-      <p:sp>
-        <p:nvSpPr>
-          <p:cNvPr id="109" name="TextBox 108"/>
-          <p:cNvSpPr txBox="1"/>
-          <p:nvPr/>
-        </p:nvSpPr>
-        <p:spPr>
-          <a:xfrm>
-            <a:off x="5977770" y="1489361"/>
-            <a:ext cx="391454" cy="338554"/>
-          </a:xfrm>
-          <a:prstGeom prst="rect">
-            <a:avLst/>
-          </a:prstGeom>
-          <a:noFill/>
-        </p:spPr>
-        <p:txBody>
-          <a:bodyPr wrap="none" rtlCol="0">
-            <a:spAutoFit/>
-          </a:bodyPr>
-          <a:lstStyle/>
-          <a:p>
-            <a:r>
-              <a:rPr lang="en-US" sz="1600" b="1" dirty="0" smtClean="0">
-                <a:solidFill>
-                  <a:srgbClr val="7030A0"/>
-                </a:solidFill>
-              </a:rPr>
-              <a:t>FK</a:t>
-            </a:r>
-            <a:endParaRPr lang="en-US" sz="1600" b="1" dirty="0">
-              <a:solidFill>
-                <a:srgbClr val="7030A0"/>
-              </a:solidFill>
-            </a:endParaRPr>
-          </a:p>
-        </p:txBody>
-      </p:sp>
-      <p:sp>
-        <p:nvSpPr>
-          <p:cNvPr id="110" name="TextBox 109"/>
-          <p:cNvSpPr txBox="1"/>
-          <p:nvPr/>
-        </p:nvSpPr>
-        <p:spPr>
-          <a:xfrm>
-            <a:off x="6253182" y="1790609"/>
-            <a:ext cx="943848" cy="369332"/>
-          </a:xfrm>
-          <a:prstGeom prst="rect">
-            <a:avLst/>
-          </a:prstGeom>
-          <a:noFill/>
-        </p:spPr>
-        <p:txBody>
-          <a:bodyPr wrap="none" rtlCol="0">
-            <a:spAutoFit/>
-          </a:bodyPr>
-          <a:lstStyle/>
-          <a:p>
-            <a:r>
-              <a:rPr lang="en-US" dirty="0" err="1" smtClean="0"/>
-              <a:t>topic_id</a:t>
-            </a:r>
-            <a:endParaRPr lang="en-US" dirty="0"/>
-          </a:p>
-        </p:txBody>
-      </p:sp>
-      <p:sp>
-        <p:nvSpPr>
-          <p:cNvPr id="111" name="TextBox 110"/>
-          <p:cNvSpPr txBox="1"/>
-          <p:nvPr/>
-        </p:nvSpPr>
-        <p:spPr>
-          <a:xfrm>
-            <a:off x="5961902" y="1814011"/>
-            <a:ext cx="391454" cy="338554"/>
-          </a:xfrm>
-          <a:prstGeom prst="rect">
-            <a:avLst/>
-          </a:prstGeom>
-          <a:noFill/>
-        </p:spPr>
-        <p:txBody>
-          <a:bodyPr wrap="none" rtlCol="0">
-            <a:spAutoFit/>
-          </a:bodyPr>
-          <a:lstStyle/>
-          <a:p>
-            <a:r>
-              <a:rPr lang="en-US" sz="1600" b="1" dirty="0" smtClean="0">
-                <a:solidFill>
-                  <a:srgbClr val="7030A0"/>
-                </a:solidFill>
-              </a:rPr>
-              <a:t>FK</a:t>
-            </a:r>
-            <a:endParaRPr lang="en-US" sz="1600" b="1" dirty="0">
-              <a:solidFill>
-                <a:srgbClr val="7030A0"/>
-              </a:solidFill>
-            </a:endParaRPr>
-          </a:p>
-        </p:txBody>
-      </p:sp>
-      <p:sp>
-        <p:nvSpPr>
-          <p:cNvPr id="112" name="TextBox 111"/>
-          <p:cNvSpPr txBox="1"/>
-          <p:nvPr/>
-        </p:nvSpPr>
-        <p:spPr>
-          <a:xfrm>
-            <a:off x="6257853" y="2137900"/>
-            <a:ext cx="1510991" cy="369332"/>
-          </a:xfrm>
-          <a:prstGeom prst="rect">
-            <a:avLst/>
-          </a:prstGeom>
-          <a:noFill/>
-        </p:spPr>
-        <p:txBody>
-          <a:bodyPr wrap="none" rtlCol="0">
-            <a:spAutoFit/>
-          </a:bodyPr>
-          <a:lstStyle/>
-          <a:p>
-            <a:r>
-              <a:rPr lang="en-US" dirty="0" err="1" smtClean="0"/>
-              <a:t>exam_type_id</a:t>
-            </a:r>
-            <a:endParaRPr lang="en-US" dirty="0"/>
-          </a:p>
-        </p:txBody>
-      </p:sp>
-      <p:sp>
-        <p:nvSpPr>
-          <p:cNvPr id="113" name="TextBox 112"/>
-          <p:cNvSpPr txBox="1"/>
-          <p:nvPr/>
-        </p:nvSpPr>
-        <p:spPr>
-          <a:xfrm>
-            <a:off x="5953321" y="2167847"/>
-            <a:ext cx="391454" cy="338554"/>
-          </a:xfrm>
-          <a:prstGeom prst="rect">
-            <a:avLst/>
-          </a:prstGeom>
-          <a:noFill/>
-        </p:spPr>
-        <p:txBody>
-          <a:bodyPr wrap="none" rtlCol="0">
-            <a:spAutoFit/>
-          </a:bodyPr>
-          <a:lstStyle/>
-          <a:p>
-            <a:r>
-              <a:rPr lang="en-US" sz="1600" b="1" dirty="0" smtClean="0">
-                <a:solidFill>
-                  <a:srgbClr val="7030A0"/>
-                </a:solidFill>
-              </a:rPr>
-              <a:t>FK</a:t>
-            </a:r>
-            <a:endParaRPr lang="en-US" sz="1600" b="1" dirty="0">
-              <a:solidFill>
-                <a:srgbClr val="7030A0"/>
-              </a:solidFill>
-            </a:endParaRPr>
           </a:p>
         </p:txBody>
       </p:sp>

--- a/docs/ER-DIAGRAM.pptx
+++ b/docs/ER-DIAGRAM.pptx
@@ -242,7 +242,7 @@
           <a:p>
             <a:fld id="{28BE630F-C39C-4DB9-8258-0B48CA067079}" type="datetimeFigureOut">
               <a:rPr lang="en-US" smtClean="0"/>
-              <a:t>11/30/2021</a:t>
+              <a:t>12/3/2021</a:t>
             </a:fld>
             <a:endParaRPr lang="en-US"/>
           </a:p>
@@ -410,7 +410,7 @@
           <a:p>
             <a:fld id="{28BE630F-C39C-4DB9-8258-0B48CA067079}" type="datetimeFigureOut">
               <a:rPr lang="en-US" smtClean="0"/>
-              <a:t>11/30/2021</a:t>
+              <a:t>12/3/2021</a:t>
             </a:fld>
             <a:endParaRPr lang="en-US"/>
           </a:p>
@@ -588,7 +588,7 @@
           <a:p>
             <a:fld id="{28BE630F-C39C-4DB9-8258-0B48CA067079}" type="datetimeFigureOut">
               <a:rPr lang="en-US" smtClean="0"/>
-              <a:t>11/30/2021</a:t>
+              <a:t>12/3/2021</a:t>
             </a:fld>
             <a:endParaRPr lang="en-US"/>
           </a:p>
@@ -756,7 +756,7 @@
           <a:p>
             <a:fld id="{28BE630F-C39C-4DB9-8258-0B48CA067079}" type="datetimeFigureOut">
               <a:rPr lang="en-US" smtClean="0"/>
-              <a:t>11/30/2021</a:t>
+              <a:t>12/3/2021</a:t>
             </a:fld>
             <a:endParaRPr lang="en-US"/>
           </a:p>
@@ -1001,7 +1001,7 @@
           <a:p>
             <a:fld id="{28BE630F-C39C-4DB9-8258-0B48CA067079}" type="datetimeFigureOut">
               <a:rPr lang="en-US" smtClean="0"/>
-              <a:t>11/30/2021</a:t>
+              <a:t>12/3/2021</a:t>
             </a:fld>
             <a:endParaRPr lang="en-US"/>
           </a:p>
@@ -1230,7 +1230,7 @@
           <a:p>
             <a:fld id="{28BE630F-C39C-4DB9-8258-0B48CA067079}" type="datetimeFigureOut">
               <a:rPr lang="en-US" smtClean="0"/>
-              <a:t>11/30/2021</a:t>
+              <a:t>12/3/2021</a:t>
             </a:fld>
             <a:endParaRPr lang="en-US"/>
           </a:p>
@@ -1594,7 +1594,7 @@
           <a:p>
             <a:fld id="{28BE630F-C39C-4DB9-8258-0B48CA067079}" type="datetimeFigureOut">
               <a:rPr lang="en-US" smtClean="0"/>
-              <a:t>11/30/2021</a:t>
+              <a:t>12/3/2021</a:t>
             </a:fld>
             <a:endParaRPr lang="en-US"/>
           </a:p>
@@ -1711,7 +1711,7 @@
           <a:p>
             <a:fld id="{28BE630F-C39C-4DB9-8258-0B48CA067079}" type="datetimeFigureOut">
               <a:rPr lang="en-US" smtClean="0"/>
-              <a:t>11/30/2021</a:t>
+              <a:t>12/3/2021</a:t>
             </a:fld>
             <a:endParaRPr lang="en-US"/>
           </a:p>
@@ -1806,7 +1806,7 @@
           <a:p>
             <a:fld id="{28BE630F-C39C-4DB9-8258-0B48CA067079}" type="datetimeFigureOut">
               <a:rPr lang="en-US" smtClean="0"/>
-              <a:t>11/30/2021</a:t>
+              <a:t>12/3/2021</a:t>
             </a:fld>
             <a:endParaRPr lang="en-US"/>
           </a:p>
@@ -2081,7 +2081,7 @@
           <a:p>
             <a:fld id="{28BE630F-C39C-4DB9-8258-0B48CA067079}" type="datetimeFigureOut">
               <a:rPr lang="en-US" smtClean="0"/>
-              <a:t>11/30/2021</a:t>
+              <a:t>12/3/2021</a:t>
             </a:fld>
             <a:endParaRPr lang="en-US"/>
           </a:p>
@@ -2333,7 +2333,7 @@
           <a:p>
             <a:fld id="{28BE630F-C39C-4DB9-8258-0B48CA067079}" type="datetimeFigureOut">
               <a:rPr lang="en-US" smtClean="0"/>
-              <a:t>11/30/2021</a:t>
+              <a:t>12/3/2021</a:t>
             </a:fld>
             <a:endParaRPr lang="en-US"/>
           </a:p>
@@ -2544,7 +2544,7 @@
           <a:p>
             <a:fld id="{28BE630F-C39C-4DB9-8258-0B48CA067079}" type="datetimeFigureOut">
               <a:rPr lang="en-US" smtClean="0"/>
-              <a:t>11/30/2021</a:t>
+              <a:t>12/3/2021</a:t>
             </a:fld>
             <a:endParaRPr lang="en-US"/>
           </a:p>
@@ -4534,6 +4534,310 @@
           </a:p>
         </p:txBody>
       </p:sp>
+      <p:cxnSp>
+        <p:nvCxnSpPr>
+          <p:cNvPr id="3" name="Straight Connector 2">
+            <a:extLst>
+              <a:ext uri="{FF2B5EF4-FFF2-40B4-BE49-F238E27FC236}">
+                <a16:creationId xmlns:a16="http://schemas.microsoft.com/office/drawing/2014/main" id="{8169E5E1-A808-4FD4-9B9A-6C48CD4BE550}"/>
+              </a:ext>
+            </a:extLst>
+          </p:cNvPr>
+          <p:cNvCxnSpPr>
+            <a:cxnSpLocks/>
+          </p:cNvCxnSpPr>
+          <p:nvPr/>
+        </p:nvCxnSpPr>
+        <p:spPr>
+          <a:xfrm>
+            <a:off x="2150075" y="2443067"/>
+            <a:ext cx="0" cy="2120719"/>
+          </a:xfrm>
+          <a:prstGeom prst="line">
+            <a:avLst/>
+          </a:prstGeom>
+        </p:spPr>
+        <p:style>
+          <a:lnRef idx="1">
+            <a:schemeClr val="accent1"/>
+          </a:lnRef>
+          <a:fillRef idx="0">
+            <a:schemeClr val="accent1"/>
+          </a:fillRef>
+          <a:effectRef idx="0">
+            <a:schemeClr val="accent1"/>
+          </a:effectRef>
+          <a:fontRef idx="minor">
+            <a:schemeClr val="tx1"/>
+          </a:fontRef>
+        </p:style>
+      </p:cxnSp>
+      <p:sp>
+        <p:nvSpPr>
+          <p:cNvPr id="21" name="TextBox 20">
+            <a:extLst>
+              <a:ext uri="{FF2B5EF4-FFF2-40B4-BE49-F238E27FC236}">
+                <a16:creationId xmlns:a16="http://schemas.microsoft.com/office/drawing/2014/main" id="{E9A0A6A4-46EB-4CE7-B97F-A9507744A285}"/>
+              </a:ext>
+            </a:extLst>
+          </p:cNvPr>
+          <p:cNvSpPr txBox="1"/>
+          <p:nvPr/>
+        </p:nvSpPr>
+        <p:spPr>
+          <a:xfrm>
+            <a:off x="2128463" y="2392929"/>
+            <a:ext cx="301686" cy="369332"/>
+          </a:xfrm>
+          <a:prstGeom prst="rect">
+            <a:avLst/>
+          </a:prstGeom>
+          <a:noFill/>
+        </p:spPr>
+        <p:txBody>
+          <a:bodyPr wrap="none" rtlCol="0">
+            <a:spAutoFit/>
+          </a:bodyPr>
+          <a:lstStyle>
+            <a:defPPr>
+              <a:defRPr lang="en-US"/>
+            </a:defPPr>
+            <a:lvl1pPr marL="0" algn="l" defTabSz="914400" rtl="0" eaLnBrk="1" latinLnBrk="0" hangingPunct="1">
+              <a:defRPr sz="1800" kern="1200">
+                <a:solidFill>
+                  <a:schemeClr val="tx1"/>
+                </a:solidFill>
+                <a:latin typeface="+mn-lt"/>
+                <a:ea typeface="+mn-ea"/>
+                <a:cs typeface="+mn-cs"/>
+              </a:defRPr>
+            </a:lvl1pPr>
+            <a:lvl2pPr marL="457200" algn="l" defTabSz="914400" rtl="0" eaLnBrk="1" latinLnBrk="0" hangingPunct="1">
+              <a:defRPr sz="1800" kern="1200">
+                <a:solidFill>
+                  <a:schemeClr val="tx1"/>
+                </a:solidFill>
+                <a:latin typeface="+mn-lt"/>
+                <a:ea typeface="+mn-ea"/>
+                <a:cs typeface="+mn-cs"/>
+              </a:defRPr>
+            </a:lvl2pPr>
+            <a:lvl3pPr marL="914400" algn="l" defTabSz="914400" rtl="0" eaLnBrk="1" latinLnBrk="0" hangingPunct="1">
+              <a:defRPr sz="1800" kern="1200">
+                <a:solidFill>
+                  <a:schemeClr val="tx1"/>
+                </a:solidFill>
+                <a:latin typeface="+mn-lt"/>
+                <a:ea typeface="+mn-ea"/>
+                <a:cs typeface="+mn-cs"/>
+              </a:defRPr>
+            </a:lvl3pPr>
+            <a:lvl4pPr marL="1371600" algn="l" defTabSz="914400" rtl="0" eaLnBrk="1" latinLnBrk="0" hangingPunct="1">
+              <a:defRPr sz="1800" kern="1200">
+                <a:solidFill>
+                  <a:schemeClr val="tx1"/>
+                </a:solidFill>
+                <a:latin typeface="+mn-lt"/>
+                <a:ea typeface="+mn-ea"/>
+                <a:cs typeface="+mn-cs"/>
+              </a:defRPr>
+            </a:lvl4pPr>
+            <a:lvl5pPr marL="1828800" algn="l" defTabSz="914400" rtl="0" eaLnBrk="1" latinLnBrk="0" hangingPunct="1">
+              <a:defRPr sz="1800" kern="1200">
+                <a:solidFill>
+                  <a:schemeClr val="tx1"/>
+                </a:solidFill>
+                <a:latin typeface="+mn-lt"/>
+                <a:ea typeface="+mn-ea"/>
+                <a:cs typeface="+mn-cs"/>
+              </a:defRPr>
+            </a:lvl5pPr>
+            <a:lvl6pPr marL="2286000" algn="l" defTabSz="914400" rtl="0" eaLnBrk="1" latinLnBrk="0" hangingPunct="1">
+              <a:defRPr sz="1800" kern="1200">
+                <a:solidFill>
+                  <a:schemeClr val="tx1"/>
+                </a:solidFill>
+                <a:latin typeface="+mn-lt"/>
+                <a:ea typeface="+mn-ea"/>
+                <a:cs typeface="+mn-cs"/>
+              </a:defRPr>
+            </a:lvl6pPr>
+            <a:lvl7pPr marL="2743200" algn="l" defTabSz="914400" rtl="0" eaLnBrk="1" latinLnBrk="0" hangingPunct="1">
+              <a:defRPr sz="1800" kern="1200">
+                <a:solidFill>
+                  <a:schemeClr val="tx1"/>
+                </a:solidFill>
+                <a:latin typeface="+mn-lt"/>
+                <a:ea typeface="+mn-ea"/>
+                <a:cs typeface="+mn-cs"/>
+              </a:defRPr>
+            </a:lvl7pPr>
+            <a:lvl8pPr marL="3200400" algn="l" defTabSz="914400" rtl="0" eaLnBrk="1" latinLnBrk="0" hangingPunct="1">
+              <a:defRPr sz="1800" kern="1200">
+                <a:solidFill>
+                  <a:schemeClr val="tx1"/>
+                </a:solidFill>
+                <a:latin typeface="+mn-lt"/>
+                <a:ea typeface="+mn-ea"/>
+                <a:cs typeface="+mn-cs"/>
+              </a:defRPr>
+            </a:lvl8pPr>
+            <a:lvl9pPr marL="3657600" algn="l" defTabSz="914400" rtl="0" eaLnBrk="1" latinLnBrk="0" hangingPunct="1">
+              <a:defRPr sz="1800" kern="1200">
+                <a:solidFill>
+                  <a:schemeClr val="tx1"/>
+                </a:solidFill>
+                <a:latin typeface="+mn-lt"/>
+                <a:ea typeface="+mn-ea"/>
+                <a:cs typeface="+mn-cs"/>
+              </a:defRPr>
+            </a:lvl9pPr>
+          </a:lstStyle>
+          <a:p>
+            <a:r>
+              <a:rPr lang="en-US" b="1" dirty="0">
+                <a:solidFill>
+                  <a:srgbClr val="FF0000"/>
+                </a:solidFill>
+              </a:rPr>
+              <a:t>1</a:t>
+            </a:r>
+          </a:p>
+        </p:txBody>
+      </p:sp>
+      <p:sp>
+        <p:nvSpPr>
+          <p:cNvPr id="22" name="TextBox 21">
+            <a:extLst>
+              <a:ext uri="{FF2B5EF4-FFF2-40B4-BE49-F238E27FC236}">
+                <a16:creationId xmlns:a16="http://schemas.microsoft.com/office/drawing/2014/main" id="{84C27E1E-6E68-4C67-9D4A-0CC016AD68E2}"/>
+              </a:ext>
+            </a:extLst>
+          </p:cNvPr>
+          <p:cNvSpPr txBox="1"/>
+          <p:nvPr/>
+        </p:nvSpPr>
+        <p:spPr>
+          <a:xfrm>
+            <a:off x="2128463" y="4305692"/>
+            <a:ext cx="300082" cy="369332"/>
+          </a:xfrm>
+          <a:prstGeom prst="rect">
+            <a:avLst/>
+          </a:prstGeom>
+          <a:noFill/>
+        </p:spPr>
+        <p:txBody>
+          <a:bodyPr wrap="none" rtlCol="0">
+            <a:spAutoFit/>
+          </a:bodyPr>
+          <a:lstStyle>
+            <a:defPPr>
+              <a:defRPr lang="en-US"/>
+            </a:defPPr>
+            <a:lvl1pPr marL="0" algn="l" defTabSz="914400" rtl="0" eaLnBrk="1" latinLnBrk="0" hangingPunct="1">
+              <a:defRPr sz="1800" kern="1200">
+                <a:solidFill>
+                  <a:schemeClr val="tx1"/>
+                </a:solidFill>
+                <a:latin typeface="+mn-lt"/>
+                <a:ea typeface="+mn-ea"/>
+                <a:cs typeface="+mn-cs"/>
+              </a:defRPr>
+            </a:lvl1pPr>
+            <a:lvl2pPr marL="457200" algn="l" defTabSz="914400" rtl="0" eaLnBrk="1" latinLnBrk="0" hangingPunct="1">
+              <a:defRPr sz="1800" kern="1200">
+                <a:solidFill>
+                  <a:schemeClr val="tx1"/>
+                </a:solidFill>
+                <a:latin typeface="+mn-lt"/>
+                <a:ea typeface="+mn-ea"/>
+                <a:cs typeface="+mn-cs"/>
+              </a:defRPr>
+            </a:lvl2pPr>
+            <a:lvl3pPr marL="914400" algn="l" defTabSz="914400" rtl="0" eaLnBrk="1" latinLnBrk="0" hangingPunct="1">
+              <a:defRPr sz="1800" kern="1200">
+                <a:solidFill>
+                  <a:schemeClr val="tx1"/>
+                </a:solidFill>
+                <a:latin typeface="+mn-lt"/>
+                <a:ea typeface="+mn-ea"/>
+                <a:cs typeface="+mn-cs"/>
+              </a:defRPr>
+            </a:lvl3pPr>
+            <a:lvl4pPr marL="1371600" algn="l" defTabSz="914400" rtl="0" eaLnBrk="1" latinLnBrk="0" hangingPunct="1">
+              <a:defRPr sz="1800" kern="1200">
+                <a:solidFill>
+                  <a:schemeClr val="tx1"/>
+                </a:solidFill>
+                <a:latin typeface="+mn-lt"/>
+                <a:ea typeface="+mn-ea"/>
+                <a:cs typeface="+mn-cs"/>
+              </a:defRPr>
+            </a:lvl4pPr>
+            <a:lvl5pPr marL="1828800" algn="l" defTabSz="914400" rtl="0" eaLnBrk="1" latinLnBrk="0" hangingPunct="1">
+              <a:defRPr sz="1800" kern="1200">
+                <a:solidFill>
+                  <a:schemeClr val="tx1"/>
+                </a:solidFill>
+                <a:latin typeface="+mn-lt"/>
+                <a:ea typeface="+mn-ea"/>
+                <a:cs typeface="+mn-cs"/>
+              </a:defRPr>
+            </a:lvl5pPr>
+            <a:lvl6pPr marL="2286000" algn="l" defTabSz="914400" rtl="0" eaLnBrk="1" latinLnBrk="0" hangingPunct="1">
+              <a:defRPr sz="1800" kern="1200">
+                <a:solidFill>
+                  <a:schemeClr val="tx1"/>
+                </a:solidFill>
+                <a:latin typeface="+mn-lt"/>
+                <a:ea typeface="+mn-ea"/>
+                <a:cs typeface="+mn-cs"/>
+              </a:defRPr>
+            </a:lvl6pPr>
+            <a:lvl7pPr marL="2743200" algn="l" defTabSz="914400" rtl="0" eaLnBrk="1" latinLnBrk="0" hangingPunct="1">
+              <a:defRPr sz="1800" kern="1200">
+                <a:solidFill>
+                  <a:schemeClr val="tx1"/>
+                </a:solidFill>
+                <a:latin typeface="+mn-lt"/>
+                <a:ea typeface="+mn-ea"/>
+                <a:cs typeface="+mn-cs"/>
+              </a:defRPr>
+            </a:lvl7pPr>
+            <a:lvl8pPr marL="3200400" algn="l" defTabSz="914400" rtl="0" eaLnBrk="1" latinLnBrk="0" hangingPunct="1">
+              <a:defRPr sz="1800" kern="1200">
+                <a:solidFill>
+                  <a:schemeClr val="tx1"/>
+                </a:solidFill>
+                <a:latin typeface="+mn-lt"/>
+                <a:ea typeface="+mn-ea"/>
+                <a:cs typeface="+mn-cs"/>
+              </a:defRPr>
+            </a:lvl8pPr>
+            <a:lvl9pPr marL="3657600" algn="l" defTabSz="914400" rtl="0" eaLnBrk="1" latinLnBrk="0" hangingPunct="1">
+              <a:defRPr sz="1800" kern="1200">
+                <a:solidFill>
+                  <a:schemeClr val="tx1"/>
+                </a:solidFill>
+                <a:latin typeface="+mn-lt"/>
+                <a:ea typeface="+mn-ea"/>
+                <a:cs typeface="+mn-cs"/>
+              </a:defRPr>
+            </a:lvl9pPr>
+          </a:lstStyle>
+          <a:p>
+            <a:r>
+              <a:rPr lang="en-US" b="1" dirty="0">
+                <a:solidFill>
+                  <a:srgbClr val="FF0000"/>
+                </a:solidFill>
+              </a:rPr>
+              <a:t>*</a:t>
+            </a:r>
+          </a:p>
+        </p:txBody>
+      </p:sp>
     </p:spTree>
     <p:extLst>
       <p:ext uri="{BB962C8B-B14F-4D97-AF65-F5344CB8AC3E}">
